--- a/Reports/WPT/Test-Data.pptx
+++ b/Reports/WPT/Test-Data.pptx
@@ -4,6 +4,9 @@
   <p:sldMasterIdLst>
     <p:sldMasterId id="2147483648" r:id="rId1"/>
   </p:sldMasterIdLst>
+  <p:notesMasterIdLst>
+    <p:notesMasterId r:id="rId25"/>
+  </p:notesMasterIdLst>
   <p:sldIdLst>
     <p:sldId id="256" r:id="rId2"/>
     <p:sldId id="257" r:id="rId3"/>
@@ -17,7 +20,17 @@
     <p:sldId id="267" r:id="rId11"/>
     <p:sldId id="268" r:id="rId12"/>
     <p:sldId id="264" r:id="rId13"/>
-    <p:sldId id="265" r:id="rId14"/>
+    <p:sldId id="269" r:id="rId14"/>
+    <p:sldId id="271" r:id="rId15"/>
+    <p:sldId id="273" r:id="rId16"/>
+    <p:sldId id="272" r:id="rId17"/>
+    <p:sldId id="265" r:id="rId18"/>
+    <p:sldId id="274" r:id="rId19"/>
+    <p:sldId id="275" r:id="rId20"/>
+    <p:sldId id="276" r:id="rId21"/>
+    <p:sldId id="277" r:id="rId22"/>
+    <p:sldId id="279" r:id="rId23"/>
+    <p:sldId id="280" r:id="rId24"/>
   </p:sldIdLst>
   <p:sldSz cx="12192000" cy="6858000"/>
   <p:notesSz cx="6858000" cy="9144000"/>
@@ -116,7 +129,445 @@
       </a:defRPr>
     </a:lvl9pPr>
   </p:defaultTextStyle>
+  <p:extLst>
+    <p:ext uri="{EFAFB233-063F-42B5-8137-9DF3F51BA10A}">
+      <p15:sldGuideLst xmlns:p15="http://schemas.microsoft.com/office/powerpoint/2012/main"/>
+    </p:ext>
+  </p:extLst>
 </p:presentation>
+</file>
+
+<file path=ppt/notesMasters/notesMaster1.xml><?xml version="1.0" encoding="utf-8"?>
+<p:notesMaster xmlns:a="http://schemas.openxmlformats.org/drawingml/2006/main" xmlns:r="http://schemas.openxmlformats.org/officeDocument/2006/relationships" xmlns:p="http://schemas.openxmlformats.org/presentationml/2006/main">
+  <p:cSld>
+    <p:bg>
+      <p:bgRef idx="1001">
+        <a:schemeClr val="bg1"/>
+      </p:bgRef>
+    </p:bg>
+    <p:spTree>
+      <p:nvGrpSpPr>
+        <p:cNvPr id="1" name=""/>
+        <p:cNvGrpSpPr/>
+        <p:nvPr/>
+      </p:nvGrpSpPr>
+      <p:grpSpPr>
+        <a:xfrm>
+          <a:off x="0" y="0"/>
+          <a:ext cx="0" cy="0"/>
+          <a:chOff x="0" y="0"/>
+          <a:chExt cx="0" cy="0"/>
+        </a:xfrm>
+      </p:grpSpPr>
+      <p:sp>
+        <p:nvSpPr>
+          <p:cNvPr id="2" name="Header Placeholder 1"/>
+          <p:cNvSpPr>
+            <a:spLocks noGrp="1"/>
+          </p:cNvSpPr>
+          <p:nvPr>
+            <p:ph type="hdr" sz="quarter"/>
+          </p:nvPr>
+        </p:nvSpPr>
+        <p:spPr>
+          <a:xfrm>
+            <a:off x="0" y="0"/>
+            <a:ext cx="2971800" cy="458788"/>
+          </a:xfrm>
+          <a:prstGeom prst="rect">
+            <a:avLst/>
+          </a:prstGeom>
+        </p:spPr>
+        <p:txBody>
+          <a:bodyPr vert="horz" lIns="91440" tIns="45720" rIns="91440" bIns="45720" rtlCol="0"/>
+          <a:lstStyle>
+            <a:lvl1pPr algn="l">
+              <a:defRPr sz="1200"/>
+            </a:lvl1pPr>
+          </a:lstStyle>
+          <a:p>
+            <a:endParaRPr lang="en-US"/>
+          </a:p>
+        </p:txBody>
+      </p:sp>
+      <p:sp>
+        <p:nvSpPr>
+          <p:cNvPr id="3" name="Date Placeholder 2"/>
+          <p:cNvSpPr>
+            <a:spLocks noGrp="1"/>
+          </p:cNvSpPr>
+          <p:nvPr>
+            <p:ph type="dt" idx="1"/>
+          </p:nvPr>
+        </p:nvSpPr>
+        <p:spPr>
+          <a:xfrm>
+            <a:off x="3884613" y="0"/>
+            <a:ext cx="2971800" cy="458788"/>
+          </a:xfrm>
+          <a:prstGeom prst="rect">
+            <a:avLst/>
+          </a:prstGeom>
+        </p:spPr>
+        <p:txBody>
+          <a:bodyPr vert="horz" lIns="91440" tIns="45720" rIns="91440" bIns="45720" rtlCol="0"/>
+          <a:lstStyle>
+            <a:lvl1pPr algn="r">
+              <a:defRPr sz="1200"/>
+            </a:lvl1pPr>
+          </a:lstStyle>
+          <a:p>
+            <a:fld id="{93F1DBBA-2418-4B17-ACFB-1C5874C02C8A}" type="datetimeFigureOut">
+              <a:rPr lang="en-US" smtClean="0"/>
+              <a:t>7/17/2020</a:t>
+            </a:fld>
+            <a:endParaRPr lang="en-US"/>
+          </a:p>
+        </p:txBody>
+      </p:sp>
+      <p:sp>
+        <p:nvSpPr>
+          <p:cNvPr id="4" name="Slide Image Placeholder 3"/>
+          <p:cNvSpPr>
+            <a:spLocks noGrp="1" noRot="1" noChangeAspect="1"/>
+          </p:cNvSpPr>
+          <p:nvPr>
+            <p:ph type="sldImg" idx="2"/>
+          </p:nvPr>
+        </p:nvSpPr>
+        <p:spPr>
+          <a:xfrm>
+            <a:off x="685800" y="1143000"/>
+            <a:ext cx="5486400" cy="3086100"/>
+          </a:xfrm>
+          <a:prstGeom prst="rect">
+            <a:avLst/>
+          </a:prstGeom>
+          <a:noFill/>
+          <a:ln w="12700">
+            <a:solidFill>
+              <a:prstClr val="black"/>
+            </a:solidFill>
+          </a:ln>
+        </p:spPr>
+        <p:txBody>
+          <a:bodyPr vert="horz" lIns="91440" tIns="45720" rIns="91440" bIns="45720" rtlCol="0" anchor="ctr"/>
+          <a:lstStyle/>
+          <a:p>
+            <a:endParaRPr lang="en-US"/>
+          </a:p>
+        </p:txBody>
+      </p:sp>
+      <p:sp>
+        <p:nvSpPr>
+          <p:cNvPr id="5" name="Notes Placeholder 4"/>
+          <p:cNvSpPr>
+            <a:spLocks noGrp="1"/>
+          </p:cNvSpPr>
+          <p:nvPr>
+            <p:ph type="body" sz="quarter" idx="3"/>
+          </p:nvPr>
+        </p:nvSpPr>
+        <p:spPr>
+          <a:xfrm>
+            <a:off x="685800" y="4400550"/>
+            <a:ext cx="5486400" cy="3600450"/>
+          </a:xfrm>
+          <a:prstGeom prst="rect">
+            <a:avLst/>
+          </a:prstGeom>
+        </p:spPr>
+        <p:txBody>
+          <a:bodyPr vert="horz" lIns="91440" tIns="45720" rIns="91440" bIns="45720" rtlCol="0"/>
+          <a:lstStyle/>
+          <a:p>
+            <a:pPr lvl="0"/>
+            <a:r>
+              <a:rPr lang="en-US"/>
+              <a:t>Edit Master text styles</a:t>
+            </a:r>
+          </a:p>
+          <a:p>
+            <a:pPr lvl="1"/>
+            <a:r>
+              <a:rPr lang="en-US"/>
+              <a:t>Second level</a:t>
+            </a:r>
+          </a:p>
+          <a:p>
+            <a:pPr lvl="2"/>
+            <a:r>
+              <a:rPr lang="en-US"/>
+              <a:t>Third level</a:t>
+            </a:r>
+          </a:p>
+          <a:p>
+            <a:pPr lvl="3"/>
+            <a:r>
+              <a:rPr lang="en-US"/>
+              <a:t>Fourth level</a:t>
+            </a:r>
+          </a:p>
+          <a:p>
+            <a:pPr lvl="4"/>
+            <a:r>
+              <a:rPr lang="en-US"/>
+              <a:t>Fifth level</a:t>
+            </a:r>
+          </a:p>
+        </p:txBody>
+      </p:sp>
+      <p:sp>
+        <p:nvSpPr>
+          <p:cNvPr id="6" name="Footer Placeholder 5"/>
+          <p:cNvSpPr>
+            <a:spLocks noGrp="1"/>
+          </p:cNvSpPr>
+          <p:nvPr>
+            <p:ph type="ftr" sz="quarter" idx="4"/>
+          </p:nvPr>
+        </p:nvSpPr>
+        <p:spPr>
+          <a:xfrm>
+            <a:off x="0" y="8685213"/>
+            <a:ext cx="2971800" cy="458787"/>
+          </a:xfrm>
+          <a:prstGeom prst="rect">
+            <a:avLst/>
+          </a:prstGeom>
+        </p:spPr>
+        <p:txBody>
+          <a:bodyPr vert="horz" lIns="91440" tIns="45720" rIns="91440" bIns="45720" rtlCol="0" anchor="b"/>
+          <a:lstStyle>
+            <a:lvl1pPr algn="l">
+              <a:defRPr sz="1200"/>
+            </a:lvl1pPr>
+          </a:lstStyle>
+          <a:p>
+            <a:endParaRPr lang="en-US"/>
+          </a:p>
+        </p:txBody>
+      </p:sp>
+      <p:sp>
+        <p:nvSpPr>
+          <p:cNvPr id="7" name="Slide Number Placeholder 6"/>
+          <p:cNvSpPr>
+            <a:spLocks noGrp="1"/>
+          </p:cNvSpPr>
+          <p:nvPr>
+            <p:ph type="sldNum" sz="quarter" idx="5"/>
+          </p:nvPr>
+        </p:nvSpPr>
+        <p:spPr>
+          <a:xfrm>
+            <a:off x="3884613" y="8685213"/>
+            <a:ext cx="2971800" cy="458787"/>
+          </a:xfrm>
+          <a:prstGeom prst="rect">
+            <a:avLst/>
+          </a:prstGeom>
+        </p:spPr>
+        <p:txBody>
+          <a:bodyPr vert="horz" lIns="91440" tIns="45720" rIns="91440" bIns="45720" rtlCol="0" anchor="b"/>
+          <a:lstStyle>
+            <a:lvl1pPr algn="r">
+              <a:defRPr sz="1200"/>
+            </a:lvl1pPr>
+          </a:lstStyle>
+          <a:p>
+            <a:fld id="{0217A42C-A441-466B-B84C-0BD6CFB4AF28}" type="slidenum">
+              <a:rPr lang="en-US" smtClean="0"/>
+              <a:t>‹#›</a:t>
+            </a:fld>
+            <a:endParaRPr lang="en-US"/>
+          </a:p>
+        </p:txBody>
+      </p:sp>
+    </p:spTree>
+    <p:extLst>
+      <p:ext uri="{BB962C8B-B14F-4D97-AF65-F5344CB8AC3E}">
+        <p14:creationId xmlns:p14="http://schemas.microsoft.com/office/powerpoint/2010/main" val="1111550487"/>
+      </p:ext>
+    </p:extLst>
+  </p:cSld>
+  <p:clrMap bg1="lt1" tx1="dk1" bg2="lt2" tx2="dk2" accent1="accent1" accent2="accent2" accent3="accent3" accent4="accent4" accent5="accent5" accent6="accent6" hlink="hlink" folHlink="folHlink"/>
+  <p:notesStyle>
+    <a:lvl1pPr marL="0" algn="l" defTabSz="914400" rtl="0" eaLnBrk="1" latinLnBrk="0" hangingPunct="1">
+      <a:defRPr sz="1200" kern="1200">
+        <a:solidFill>
+          <a:schemeClr val="tx1"/>
+        </a:solidFill>
+        <a:latin typeface="+mn-lt"/>
+        <a:ea typeface="+mn-ea"/>
+        <a:cs typeface="+mn-cs"/>
+      </a:defRPr>
+    </a:lvl1pPr>
+    <a:lvl2pPr marL="457200" algn="l" defTabSz="914400" rtl="0" eaLnBrk="1" latinLnBrk="0" hangingPunct="1">
+      <a:defRPr sz="1200" kern="1200">
+        <a:solidFill>
+          <a:schemeClr val="tx1"/>
+        </a:solidFill>
+        <a:latin typeface="+mn-lt"/>
+        <a:ea typeface="+mn-ea"/>
+        <a:cs typeface="+mn-cs"/>
+      </a:defRPr>
+    </a:lvl2pPr>
+    <a:lvl3pPr marL="914400" algn="l" defTabSz="914400" rtl="0" eaLnBrk="1" latinLnBrk="0" hangingPunct="1">
+      <a:defRPr sz="1200" kern="1200">
+        <a:solidFill>
+          <a:schemeClr val="tx1"/>
+        </a:solidFill>
+        <a:latin typeface="+mn-lt"/>
+        <a:ea typeface="+mn-ea"/>
+        <a:cs typeface="+mn-cs"/>
+      </a:defRPr>
+    </a:lvl3pPr>
+    <a:lvl4pPr marL="1371600" algn="l" defTabSz="914400" rtl="0" eaLnBrk="1" latinLnBrk="0" hangingPunct="1">
+      <a:defRPr sz="1200" kern="1200">
+        <a:solidFill>
+          <a:schemeClr val="tx1"/>
+        </a:solidFill>
+        <a:latin typeface="+mn-lt"/>
+        <a:ea typeface="+mn-ea"/>
+        <a:cs typeface="+mn-cs"/>
+      </a:defRPr>
+    </a:lvl4pPr>
+    <a:lvl5pPr marL="1828800" algn="l" defTabSz="914400" rtl="0" eaLnBrk="1" latinLnBrk="0" hangingPunct="1">
+      <a:defRPr sz="1200" kern="1200">
+        <a:solidFill>
+          <a:schemeClr val="tx1"/>
+        </a:solidFill>
+        <a:latin typeface="+mn-lt"/>
+        <a:ea typeface="+mn-ea"/>
+        <a:cs typeface="+mn-cs"/>
+      </a:defRPr>
+    </a:lvl5pPr>
+    <a:lvl6pPr marL="2286000" algn="l" defTabSz="914400" rtl="0" eaLnBrk="1" latinLnBrk="0" hangingPunct="1">
+      <a:defRPr sz="1200" kern="1200">
+        <a:solidFill>
+          <a:schemeClr val="tx1"/>
+        </a:solidFill>
+        <a:latin typeface="+mn-lt"/>
+        <a:ea typeface="+mn-ea"/>
+        <a:cs typeface="+mn-cs"/>
+      </a:defRPr>
+    </a:lvl6pPr>
+    <a:lvl7pPr marL="2743200" algn="l" defTabSz="914400" rtl="0" eaLnBrk="1" latinLnBrk="0" hangingPunct="1">
+      <a:defRPr sz="1200" kern="1200">
+        <a:solidFill>
+          <a:schemeClr val="tx1"/>
+        </a:solidFill>
+        <a:latin typeface="+mn-lt"/>
+        <a:ea typeface="+mn-ea"/>
+        <a:cs typeface="+mn-cs"/>
+      </a:defRPr>
+    </a:lvl7pPr>
+    <a:lvl8pPr marL="3200400" algn="l" defTabSz="914400" rtl="0" eaLnBrk="1" latinLnBrk="0" hangingPunct="1">
+      <a:defRPr sz="1200" kern="1200">
+        <a:solidFill>
+          <a:schemeClr val="tx1"/>
+        </a:solidFill>
+        <a:latin typeface="+mn-lt"/>
+        <a:ea typeface="+mn-ea"/>
+        <a:cs typeface="+mn-cs"/>
+      </a:defRPr>
+    </a:lvl8pPr>
+    <a:lvl9pPr marL="3657600" algn="l" defTabSz="914400" rtl="0" eaLnBrk="1" latinLnBrk="0" hangingPunct="1">
+      <a:defRPr sz="1200" kern="1200">
+        <a:solidFill>
+          <a:schemeClr val="tx1"/>
+        </a:solidFill>
+        <a:latin typeface="+mn-lt"/>
+        <a:ea typeface="+mn-ea"/>
+        <a:cs typeface="+mn-cs"/>
+      </a:defRPr>
+    </a:lvl9pPr>
+  </p:notesStyle>
+</p:notesMaster>
+</file>
+
+<file path=ppt/notesSlides/notesSlide1.xml><?xml version="1.0" encoding="utf-8"?>
+<p:notes xmlns:a="http://schemas.openxmlformats.org/drawingml/2006/main" xmlns:r="http://schemas.openxmlformats.org/officeDocument/2006/relationships" xmlns:p="http://schemas.openxmlformats.org/presentationml/2006/main">
+  <p:cSld>
+    <p:spTree>
+      <p:nvGrpSpPr>
+        <p:cNvPr id="1" name=""/>
+        <p:cNvGrpSpPr/>
+        <p:nvPr/>
+      </p:nvGrpSpPr>
+      <p:grpSpPr>
+        <a:xfrm>
+          <a:off x="0" y="0"/>
+          <a:ext cx="0" cy="0"/>
+          <a:chOff x="0" y="0"/>
+          <a:chExt cx="0" cy="0"/>
+        </a:xfrm>
+      </p:grpSpPr>
+      <p:sp>
+        <p:nvSpPr>
+          <p:cNvPr id="2" name="Slide Image Placeholder 1"/>
+          <p:cNvSpPr>
+            <a:spLocks noGrp="1" noRot="1" noChangeAspect="1"/>
+          </p:cNvSpPr>
+          <p:nvPr>
+            <p:ph type="sldImg"/>
+          </p:nvPr>
+        </p:nvSpPr>
+        <p:spPr/>
+      </p:sp>
+      <p:sp>
+        <p:nvSpPr>
+          <p:cNvPr id="3" name="Notes Placeholder 2"/>
+          <p:cNvSpPr>
+            <a:spLocks noGrp="1"/>
+          </p:cNvSpPr>
+          <p:nvPr>
+            <p:ph type="body" idx="1"/>
+          </p:nvPr>
+        </p:nvSpPr>
+        <p:spPr/>
+        <p:txBody>
+          <a:bodyPr/>
+          <a:lstStyle/>
+          <a:p>
+            <a:endParaRPr lang="en-US" dirty="0"/>
+          </a:p>
+        </p:txBody>
+      </p:sp>
+      <p:sp>
+        <p:nvSpPr>
+          <p:cNvPr id="4" name="Slide Number Placeholder 3"/>
+          <p:cNvSpPr>
+            <a:spLocks noGrp="1"/>
+          </p:cNvSpPr>
+          <p:nvPr>
+            <p:ph type="sldNum" sz="quarter" idx="5"/>
+          </p:nvPr>
+        </p:nvSpPr>
+        <p:spPr/>
+        <p:txBody>
+          <a:bodyPr/>
+          <a:lstStyle/>
+          <a:p>
+            <a:fld id="{0217A42C-A441-466B-B84C-0BD6CFB4AF28}" type="slidenum">
+              <a:rPr lang="en-US" smtClean="0"/>
+              <a:t>19</a:t>
+            </a:fld>
+            <a:endParaRPr lang="en-US"/>
+          </a:p>
+        </p:txBody>
+      </p:sp>
+    </p:spTree>
+    <p:extLst>
+      <p:ext uri="{BB962C8B-B14F-4D97-AF65-F5344CB8AC3E}">
+        <p14:creationId xmlns:p14="http://schemas.microsoft.com/office/powerpoint/2010/main" val="4243560464"/>
+      </p:ext>
+    </p:extLst>
+  </p:cSld>
+  <p:clrMapOvr>
+    <a:masterClrMapping/>
+  </p:clrMapOvr>
+</p:notes>
 </file>
 
 <file path=ppt/slideLayouts/slideLayout1.xml><?xml version="1.0" encoding="utf-8"?>
@@ -266,7 +717,7 @@
           <a:p>
             <a:fld id="{098A667D-57F5-4D11-9182-92360B2EDE8B}" type="datetimeFigureOut">
               <a:rPr lang="en-US" smtClean="0"/>
-              <a:t>7/16/2020</a:t>
+              <a:t>7/17/2020</a:t>
             </a:fld>
             <a:endParaRPr lang="en-US"/>
           </a:p>
@@ -464,7 +915,7 @@
           <a:p>
             <a:fld id="{098A667D-57F5-4D11-9182-92360B2EDE8B}" type="datetimeFigureOut">
               <a:rPr lang="en-US" smtClean="0"/>
-              <a:t>7/16/2020</a:t>
+              <a:t>7/17/2020</a:t>
             </a:fld>
             <a:endParaRPr lang="en-US"/>
           </a:p>
@@ -672,7 +1123,7 @@
           <a:p>
             <a:fld id="{098A667D-57F5-4D11-9182-92360B2EDE8B}" type="datetimeFigureOut">
               <a:rPr lang="en-US" smtClean="0"/>
-              <a:t>7/16/2020</a:t>
+              <a:t>7/17/2020</a:t>
             </a:fld>
             <a:endParaRPr lang="en-US"/>
           </a:p>
@@ -870,7 +1321,7 @@
           <a:p>
             <a:fld id="{098A667D-57F5-4D11-9182-92360B2EDE8B}" type="datetimeFigureOut">
               <a:rPr lang="en-US" smtClean="0"/>
-              <a:t>7/16/2020</a:t>
+              <a:t>7/17/2020</a:t>
             </a:fld>
             <a:endParaRPr lang="en-US"/>
           </a:p>
@@ -1145,7 +1596,7 @@
           <a:p>
             <a:fld id="{098A667D-57F5-4D11-9182-92360B2EDE8B}" type="datetimeFigureOut">
               <a:rPr lang="en-US" smtClean="0"/>
-              <a:t>7/16/2020</a:t>
+              <a:t>7/17/2020</a:t>
             </a:fld>
             <a:endParaRPr lang="en-US"/>
           </a:p>
@@ -1410,7 +1861,7 @@
           <a:p>
             <a:fld id="{098A667D-57F5-4D11-9182-92360B2EDE8B}" type="datetimeFigureOut">
               <a:rPr lang="en-US" smtClean="0"/>
-              <a:t>7/16/2020</a:t>
+              <a:t>7/17/2020</a:t>
             </a:fld>
             <a:endParaRPr lang="en-US"/>
           </a:p>
@@ -1822,7 +2273,7 @@
           <a:p>
             <a:fld id="{098A667D-57F5-4D11-9182-92360B2EDE8B}" type="datetimeFigureOut">
               <a:rPr lang="en-US" smtClean="0"/>
-              <a:t>7/16/2020</a:t>
+              <a:t>7/17/2020</a:t>
             </a:fld>
             <a:endParaRPr lang="en-US"/>
           </a:p>
@@ -1963,7 +2414,7 @@
           <a:p>
             <a:fld id="{098A667D-57F5-4D11-9182-92360B2EDE8B}" type="datetimeFigureOut">
               <a:rPr lang="en-US" smtClean="0"/>
-              <a:t>7/16/2020</a:t>
+              <a:t>7/17/2020</a:t>
             </a:fld>
             <a:endParaRPr lang="en-US"/>
           </a:p>
@@ -2076,7 +2527,7 @@
           <a:p>
             <a:fld id="{098A667D-57F5-4D11-9182-92360B2EDE8B}" type="datetimeFigureOut">
               <a:rPr lang="en-US" smtClean="0"/>
-              <a:t>7/16/2020</a:t>
+              <a:t>7/17/2020</a:t>
             </a:fld>
             <a:endParaRPr lang="en-US"/>
           </a:p>
@@ -2387,7 +2838,7 @@
           <a:p>
             <a:fld id="{098A667D-57F5-4D11-9182-92360B2EDE8B}" type="datetimeFigureOut">
               <a:rPr lang="en-US" smtClean="0"/>
-              <a:t>7/16/2020</a:t>
+              <a:t>7/17/2020</a:t>
             </a:fld>
             <a:endParaRPr lang="en-US"/>
           </a:p>
@@ -2675,7 +3126,7 @@
           <a:p>
             <a:fld id="{098A667D-57F5-4D11-9182-92360B2EDE8B}" type="datetimeFigureOut">
               <a:rPr lang="en-US" smtClean="0"/>
-              <a:t>7/16/2020</a:t>
+              <a:t>7/17/2020</a:t>
             </a:fld>
             <a:endParaRPr lang="en-US"/>
           </a:p>
@@ -2916,7 +3367,7 @@
           <a:p>
             <a:fld id="{098A667D-57F5-4D11-9182-92360B2EDE8B}" type="datetimeFigureOut">
               <a:rPr lang="en-US" smtClean="0"/>
-              <a:t>7/16/2020</a:t>
+              <a:t>7/17/2020</a:t>
             </a:fld>
             <a:endParaRPr lang="en-US"/>
           </a:p>
@@ -3560,7 +4011,15 @@
             </a:r>
             <a:r>
               <a:rPr lang="tr-TR" dirty="0"/>
-              <a:t> test data </a:t>
+              <a:t> </a:t>
+            </a:r>
+            <a:r>
+              <a:rPr lang="tr-TR" dirty="0" err="1"/>
+              <a:t>experiment</a:t>
+            </a:r>
+            <a:r>
+              <a:rPr lang="tr-TR" dirty="0"/>
+              <a:t> data </a:t>
             </a:r>
             <a:r>
               <a:rPr lang="tr-TR" dirty="0" err="1"/>
@@ -3720,7 +4179,7 @@
           <a:p>
             <a:r>
               <a:rPr lang="tr-TR" dirty="0"/>
-              <a:t>	FA-Coupled-150kHz</a:t>
+              <a:t>	FA-Coupled-150kHz (5)</a:t>
             </a:r>
             <a:endParaRPr lang="en-US" dirty="0"/>
           </a:p>
@@ -4560,10 +5019,10 @@
       </p:graphicFrame>
       <p:pic>
         <p:nvPicPr>
-          <p:cNvPr id="2" name="Picture 1">
+          <p:cNvPr id="5" name="Picture 4">
             <a:extLst>
               <a:ext uri="{FF2B5EF4-FFF2-40B4-BE49-F238E27FC236}">
-                <a16:creationId xmlns:a16="http://schemas.microsoft.com/office/drawing/2014/main" id="{CB141237-A084-46E7-871D-B9C7F00B9D12}"/>
+                <a16:creationId xmlns:a16="http://schemas.microsoft.com/office/drawing/2014/main" id="{4D12F52C-90A9-4AC1-99CF-AFD41AE0956A}"/>
               </a:ext>
             </a:extLst>
           </p:cNvPr>
@@ -4580,8 +5039,8 @@
         </p:blipFill>
         <p:spPr>
           <a:xfrm>
-            <a:off x="1281447" y="650341"/>
-            <a:ext cx="8920766" cy="4721191"/>
+            <a:off x="1652631" y="940158"/>
+            <a:ext cx="8659054" cy="4383646"/>
           </a:xfrm>
           <a:prstGeom prst="rect">
             <a:avLst/>
@@ -4648,7 +5107,7 @@
           <a:p>
             <a:r>
               <a:rPr lang="tr-TR" dirty="0"/>
-              <a:t>MA-Coupled-150kHz</a:t>
+              <a:t>MA-Coupled-150kHz (7)</a:t>
             </a:r>
             <a:endParaRPr lang="en-US" dirty="0"/>
           </a:p>
@@ -5488,10 +5947,10 @@
       </p:graphicFrame>
       <p:pic>
         <p:nvPicPr>
-          <p:cNvPr id="3" name="Picture 2">
+          <p:cNvPr id="5" name="Picture 4">
             <a:extLst>
               <a:ext uri="{FF2B5EF4-FFF2-40B4-BE49-F238E27FC236}">
-                <a16:creationId xmlns:a16="http://schemas.microsoft.com/office/drawing/2014/main" id="{753A66D7-F9D9-40D1-B4FE-145445F6C929}"/>
+                <a16:creationId xmlns:a16="http://schemas.microsoft.com/office/drawing/2014/main" id="{274F4C2F-D00E-42D7-AC66-F9690DBF1E50}"/>
               </a:ext>
             </a:extLst>
           </p:cNvPr>
@@ -5508,8 +5967,8 @@
         </p:blipFill>
         <p:spPr>
           <a:xfrm>
-            <a:off x="959476" y="630969"/>
-            <a:ext cx="9629104" cy="4923033"/>
+            <a:off x="1010991" y="566628"/>
+            <a:ext cx="9545392" cy="4832355"/>
           </a:xfrm>
           <a:prstGeom prst="rect">
             <a:avLst/>
@@ -5578,6 +6037,3710 @@
       </p:grpSpPr>
       <p:sp>
         <p:nvSpPr>
+          <p:cNvPr id="4" name="TextBox 3">
+            <a:extLst>
+              <a:ext uri="{FF2B5EF4-FFF2-40B4-BE49-F238E27FC236}">
+                <a16:creationId xmlns:a16="http://schemas.microsoft.com/office/drawing/2014/main" id="{30D46B1F-898C-42FD-9C77-F9AAB88D12B5}"/>
+              </a:ext>
+            </a:extLst>
+          </p:cNvPr>
+          <p:cNvSpPr txBox="1"/>
+          <p:nvPr/>
+        </p:nvSpPr>
+        <p:spPr>
+          <a:xfrm>
+            <a:off x="3825026" y="197296"/>
+            <a:ext cx="5183747" cy="369332"/>
+          </a:xfrm>
+          <a:prstGeom prst="rect">
+            <a:avLst/>
+          </a:prstGeom>
+          <a:noFill/>
+        </p:spPr>
+        <p:txBody>
+          <a:bodyPr wrap="square" rtlCol="0">
+            <a:spAutoFit/>
+          </a:bodyPr>
+          <a:lstStyle/>
+          <a:p>
+            <a:r>
+              <a:rPr lang="tr-TR" dirty="0"/>
+              <a:t>FA-Decoupled-150kHz (1)</a:t>
+            </a:r>
+            <a:endParaRPr lang="en-US" dirty="0"/>
+          </a:p>
+        </p:txBody>
+      </p:sp>
+      <p:graphicFrame>
+        <p:nvGraphicFramePr>
+          <p:cNvPr id="6" name="Table 5">
+            <a:extLst>
+              <a:ext uri="{FF2B5EF4-FFF2-40B4-BE49-F238E27FC236}">
+                <a16:creationId xmlns:a16="http://schemas.microsoft.com/office/drawing/2014/main" id="{3236E169-B333-4F09-8960-C27FA01561E2}"/>
+              </a:ext>
+            </a:extLst>
+          </p:cNvPr>
+          <p:cNvGraphicFramePr>
+            <a:graphicFrameLocks noGrp="1"/>
+          </p:cNvGraphicFramePr>
+          <p:nvPr>
+            <p:extLst/>
+          </p:nvPr>
+        </p:nvGraphicFramePr>
+        <p:xfrm>
+          <a:off x="441102" y="5804760"/>
+          <a:ext cx="10760295" cy="731520"/>
+        </p:xfrm>
+        <a:graphic>
+          <a:graphicData uri="http://schemas.openxmlformats.org/drawingml/2006/table">
+            <a:tbl>
+              <a:tblPr/>
+              <a:tblGrid>
+                <a:gridCol w="1537185">
+                  <a:extLst>
+                    <a:ext uri="{9D8B030D-6E8A-4147-A177-3AD203B41FA5}">
+                      <a16:colId xmlns:a16="http://schemas.microsoft.com/office/drawing/2014/main" val="3339891136"/>
+                    </a:ext>
+                  </a:extLst>
+                </a:gridCol>
+                <a:gridCol w="1537185">
+                  <a:extLst>
+                    <a:ext uri="{9D8B030D-6E8A-4147-A177-3AD203B41FA5}">
+                      <a16:colId xmlns:a16="http://schemas.microsoft.com/office/drawing/2014/main" val="1471215429"/>
+                    </a:ext>
+                  </a:extLst>
+                </a:gridCol>
+                <a:gridCol w="1537185">
+                  <a:extLst>
+                    <a:ext uri="{9D8B030D-6E8A-4147-A177-3AD203B41FA5}">
+                      <a16:colId xmlns:a16="http://schemas.microsoft.com/office/drawing/2014/main" val="268356510"/>
+                    </a:ext>
+                  </a:extLst>
+                </a:gridCol>
+                <a:gridCol w="1537185">
+                  <a:extLst>
+                    <a:ext uri="{9D8B030D-6E8A-4147-A177-3AD203B41FA5}">
+                      <a16:colId xmlns:a16="http://schemas.microsoft.com/office/drawing/2014/main" val="414559488"/>
+                    </a:ext>
+                  </a:extLst>
+                </a:gridCol>
+                <a:gridCol w="1537185">
+                  <a:extLst>
+                    <a:ext uri="{9D8B030D-6E8A-4147-A177-3AD203B41FA5}">
+                      <a16:colId xmlns:a16="http://schemas.microsoft.com/office/drawing/2014/main" val="1780938479"/>
+                    </a:ext>
+                  </a:extLst>
+                </a:gridCol>
+                <a:gridCol w="1537185">
+                  <a:extLst>
+                    <a:ext uri="{9D8B030D-6E8A-4147-A177-3AD203B41FA5}">
+                      <a16:colId xmlns:a16="http://schemas.microsoft.com/office/drawing/2014/main" val="757650095"/>
+                    </a:ext>
+                  </a:extLst>
+                </a:gridCol>
+                <a:gridCol w="1537185">
+                  <a:extLst>
+                    <a:ext uri="{9D8B030D-6E8A-4147-A177-3AD203B41FA5}">
+                      <a16:colId xmlns:a16="http://schemas.microsoft.com/office/drawing/2014/main" val="4161997266"/>
+                    </a:ext>
+                  </a:extLst>
+                </a:gridCol>
+              </a:tblGrid>
+              <a:tr h="315532">
+                <a:tc>
+                  <a:txBody>
+                    <a:bodyPr/>
+                    <a:lstStyle/>
+                    <a:p>
+                      <a:r>
+                        <a:rPr lang="tr-TR" dirty="0" err="1"/>
+                        <a:t>Frequency</a:t>
+                      </a:r>
+                      <a:endParaRPr lang="en-US" dirty="0"/>
+                    </a:p>
+                  </a:txBody>
+                  <a:tcPr>
+                    <a:lnL w="12700" cmpd="sng">
+                      <a:solidFill>
+                        <a:schemeClr val="tx1"/>
+                      </a:solidFill>
+                      <a:prstDash val="solid"/>
+                    </a:lnL>
+                    <a:lnR w="12700" cmpd="sng">
+                      <a:solidFill>
+                        <a:schemeClr val="tx1"/>
+                      </a:solidFill>
+                      <a:prstDash val="solid"/>
+                    </a:lnR>
+                    <a:lnT w="12700" cmpd="sng">
+                      <a:solidFill>
+                        <a:schemeClr val="tx1"/>
+                      </a:solidFill>
+                      <a:prstDash val="solid"/>
+                    </a:lnT>
+                    <a:lnB w="12700" cap="flat" cmpd="sng" algn="ctr">
+                      <a:solidFill>
+                        <a:schemeClr val="tx1"/>
+                      </a:solidFill>
+                      <a:prstDash val="solid"/>
+                      <a:round/>
+                      <a:headEnd type="none" w="med" len="med"/>
+                      <a:tailEnd type="none" w="med" len="med"/>
+                    </a:lnB>
+                  </a:tcPr>
+                </a:tc>
+                <a:tc>
+                  <a:txBody>
+                    <a:bodyPr/>
+                    <a:lstStyle/>
+                    <a:p>
+                      <a:r>
+                        <a:rPr lang="tr-TR" dirty="0" err="1"/>
+                        <a:t>Ip</a:t>
+                      </a:r>
+                      <a:r>
+                        <a:rPr lang="tr-TR" dirty="0"/>
+                        <a:t> (</a:t>
+                      </a:r>
+                      <a:r>
+                        <a:rPr lang="tr-TR" dirty="0" err="1"/>
+                        <a:t>peak</a:t>
+                      </a:r>
+                      <a:r>
+                        <a:rPr lang="tr-TR" dirty="0"/>
+                        <a:t>)</a:t>
+                      </a:r>
+                      <a:endParaRPr lang="en-US" dirty="0"/>
+                    </a:p>
+                  </a:txBody>
+                  <a:tcPr>
+                    <a:lnL w="12700" cap="flat" cmpd="sng" algn="ctr">
+                      <a:solidFill>
+                        <a:schemeClr val="tx1"/>
+                      </a:solidFill>
+                      <a:prstDash val="solid"/>
+                      <a:round/>
+                      <a:headEnd type="none" w="med" len="med"/>
+                      <a:tailEnd type="none" w="med" len="med"/>
+                    </a:lnL>
+                    <a:lnR w="12700" cmpd="sng">
+                      <a:solidFill>
+                        <a:schemeClr val="tx1"/>
+                      </a:solidFill>
+                      <a:prstDash val="solid"/>
+                    </a:lnR>
+                    <a:lnT w="12700" cmpd="sng">
+                      <a:solidFill>
+                        <a:schemeClr val="tx1"/>
+                      </a:solidFill>
+                      <a:prstDash val="solid"/>
+                    </a:lnT>
+                    <a:lnB w="12700" cap="flat" cmpd="sng" algn="ctr">
+                      <a:solidFill>
+                        <a:schemeClr val="tx1"/>
+                      </a:solidFill>
+                      <a:prstDash val="solid"/>
+                      <a:round/>
+                      <a:headEnd type="none" w="med" len="med"/>
+                      <a:tailEnd type="none" w="med" len="med"/>
+                    </a:lnB>
+                  </a:tcPr>
+                </a:tc>
+                <a:tc>
+                  <a:txBody>
+                    <a:bodyPr/>
+                    <a:lstStyle/>
+                    <a:p>
+                      <a:r>
+                        <a:rPr lang="tr-TR" dirty="0"/>
+                        <a:t>Is1(</a:t>
+                      </a:r>
+                      <a:r>
+                        <a:rPr lang="tr-TR" dirty="0" err="1"/>
+                        <a:t>peak</a:t>
+                      </a:r>
+                      <a:r>
+                        <a:rPr lang="tr-TR" dirty="0"/>
+                        <a:t>)</a:t>
+                      </a:r>
+                      <a:endParaRPr lang="en-US" dirty="0"/>
+                    </a:p>
+                  </a:txBody>
+                  <a:tcPr>
+                    <a:lnL w="12700" cap="flat" cmpd="sng" algn="ctr">
+                      <a:solidFill>
+                        <a:schemeClr val="tx1"/>
+                      </a:solidFill>
+                      <a:prstDash val="solid"/>
+                      <a:round/>
+                      <a:headEnd type="none" w="med" len="med"/>
+                      <a:tailEnd type="none" w="med" len="med"/>
+                    </a:lnL>
+                    <a:lnR w="12700" cmpd="sng">
+                      <a:solidFill>
+                        <a:schemeClr val="tx1"/>
+                      </a:solidFill>
+                      <a:prstDash val="solid"/>
+                    </a:lnR>
+                    <a:lnT w="12700" cmpd="sng">
+                      <a:solidFill>
+                        <a:schemeClr val="tx1"/>
+                      </a:solidFill>
+                      <a:prstDash val="solid"/>
+                    </a:lnT>
+                    <a:lnB w="12700" cap="flat" cmpd="sng" algn="ctr">
+                      <a:solidFill>
+                        <a:schemeClr val="tx1"/>
+                      </a:solidFill>
+                      <a:prstDash val="solid"/>
+                      <a:round/>
+                      <a:headEnd type="none" w="med" len="med"/>
+                      <a:tailEnd type="none" w="med" len="med"/>
+                    </a:lnB>
+                  </a:tcPr>
+                </a:tc>
+                <a:tc>
+                  <a:txBody>
+                    <a:bodyPr/>
+                    <a:lstStyle/>
+                    <a:p>
+                      <a:r>
+                        <a:rPr lang="tr-TR" dirty="0"/>
+                        <a:t>Is2(</a:t>
+                      </a:r>
+                      <a:r>
+                        <a:rPr lang="tr-TR" dirty="0" err="1"/>
+                        <a:t>peak</a:t>
+                      </a:r>
+                      <a:r>
+                        <a:rPr lang="tr-TR" dirty="0"/>
+                        <a:t>)</a:t>
+                      </a:r>
+                      <a:endParaRPr lang="en-US" dirty="0"/>
+                    </a:p>
+                  </a:txBody>
+                  <a:tcPr>
+                    <a:lnL w="12700" cap="flat" cmpd="sng" algn="ctr">
+                      <a:solidFill>
+                        <a:schemeClr val="tx1"/>
+                      </a:solidFill>
+                      <a:prstDash val="solid"/>
+                      <a:round/>
+                      <a:headEnd type="none" w="med" len="med"/>
+                      <a:tailEnd type="none" w="med" len="med"/>
+                    </a:lnL>
+                    <a:lnR w="12700" cap="flat" cmpd="sng" algn="ctr">
+                      <a:solidFill>
+                        <a:schemeClr val="tx1"/>
+                      </a:solidFill>
+                      <a:prstDash val="solid"/>
+                      <a:round/>
+                      <a:headEnd type="none" w="med" len="med"/>
+                      <a:tailEnd type="none" w="med" len="med"/>
+                    </a:lnR>
+                    <a:lnT w="12700" cmpd="sng">
+                      <a:solidFill>
+                        <a:schemeClr val="tx1"/>
+                      </a:solidFill>
+                      <a:prstDash val="solid"/>
+                    </a:lnT>
+                    <a:lnB w="12700" cap="flat" cmpd="sng" algn="ctr">
+                      <a:solidFill>
+                        <a:schemeClr val="tx1"/>
+                      </a:solidFill>
+                      <a:prstDash val="solid"/>
+                      <a:round/>
+                      <a:headEnd type="none" w="med" len="med"/>
+                      <a:tailEnd type="none" w="med" len="med"/>
+                    </a:lnB>
+                  </a:tcPr>
+                </a:tc>
+                <a:tc>
+                  <a:txBody>
+                    <a:bodyPr/>
+                    <a:lstStyle/>
+                    <a:p>
+                      <a:r>
+                        <a:rPr lang="tr-TR" dirty="0" err="1"/>
+                        <a:t>Ip</a:t>
+                      </a:r>
+                      <a:r>
+                        <a:rPr lang="tr-TR" dirty="0"/>
+                        <a:t> (</a:t>
+                      </a:r>
+                      <a:r>
+                        <a:rPr lang="tr-TR" dirty="0" err="1"/>
+                        <a:t>angle</a:t>
+                      </a:r>
+                      <a:r>
+                        <a:rPr lang="tr-TR" dirty="0"/>
+                        <a:t>)</a:t>
+                      </a:r>
+                      <a:endParaRPr lang="en-US" dirty="0"/>
+                    </a:p>
+                  </a:txBody>
+                  <a:tcPr>
+                    <a:lnL w="12700" cap="flat" cmpd="sng" algn="ctr">
+                      <a:solidFill>
+                        <a:schemeClr val="tx1"/>
+                      </a:solidFill>
+                      <a:prstDash val="solid"/>
+                      <a:round/>
+                      <a:headEnd type="none" w="med" len="med"/>
+                      <a:tailEnd type="none" w="med" len="med"/>
+                    </a:lnL>
+                    <a:lnR w="12700" cmpd="sng">
+                      <a:solidFill>
+                        <a:schemeClr val="tx1"/>
+                      </a:solidFill>
+                      <a:prstDash val="solid"/>
+                    </a:lnR>
+                    <a:lnT w="12700" cmpd="sng">
+                      <a:solidFill>
+                        <a:schemeClr val="tx1"/>
+                      </a:solidFill>
+                      <a:prstDash val="solid"/>
+                    </a:lnT>
+                    <a:lnB w="12700" cap="flat" cmpd="sng" algn="ctr">
+                      <a:solidFill>
+                        <a:schemeClr val="tx1"/>
+                      </a:solidFill>
+                      <a:prstDash val="solid"/>
+                      <a:round/>
+                      <a:headEnd type="none" w="med" len="med"/>
+                      <a:tailEnd type="none" w="med" len="med"/>
+                    </a:lnB>
+                  </a:tcPr>
+                </a:tc>
+                <a:tc>
+                  <a:txBody>
+                    <a:bodyPr/>
+                    <a:lstStyle/>
+                    <a:p>
+                      <a:r>
+                        <a:rPr lang="tr-TR" dirty="0"/>
+                        <a:t>Is1(</a:t>
+                      </a:r>
+                      <a:r>
+                        <a:rPr lang="tr-TR" dirty="0" err="1"/>
+                        <a:t>angle</a:t>
+                      </a:r>
+                      <a:r>
+                        <a:rPr lang="tr-TR" dirty="0"/>
+                        <a:t>)</a:t>
+                      </a:r>
+                      <a:endParaRPr lang="en-US" dirty="0"/>
+                    </a:p>
+                  </a:txBody>
+                  <a:tcPr>
+                    <a:lnL w="12700" cap="flat" cmpd="sng" algn="ctr">
+                      <a:solidFill>
+                        <a:schemeClr val="tx1"/>
+                      </a:solidFill>
+                      <a:prstDash val="solid"/>
+                      <a:round/>
+                      <a:headEnd type="none" w="med" len="med"/>
+                      <a:tailEnd type="none" w="med" len="med"/>
+                    </a:lnL>
+                    <a:lnR w="12700" cmpd="sng">
+                      <a:solidFill>
+                        <a:schemeClr val="tx1"/>
+                      </a:solidFill>
+                      <a:prstDash val="solid"/>
+                    </a:lnR>
+                    <a:lnT w="12700" cmpd="sng">
+                      <a:solidFill>
+                        <a:schemeClr val="tx1"/>
+                      </a:solidFill>
+                      <a:prstDash val="solid"/>
+                    </a:lnT>
+                    <a:lnB w="12700" cap="flat" cmpd="sng" algn="ctr">
+                      <a:solidFill>
+                        <a:schemeClr val="tx1"/>
+                      </a:solidFill>
+                      <a:prstDash val="solid"/>
+                      <a:round/>
+                      <a:headEnd type="none" w="med" len="med"/>
+                      <a:tailEnd type="none" w="med" len="med"/>
+                    </a:lnB>
+                  </a:tcPr>
+                </a:tc>
+                <a:tc>
+                  <a:txBody>
+                    <a:bodyPr/>
+                    <a:lstStyle/>
+                    <a:p>
+                      <a:r>
+                        <a:rPr lang="tr-TR" dirty="0"/>
+                        <a:t>Is2(</a:t>
+                      </a:r>
+                      <a:r>
+                        <a:rPr lang="tr-TR" dirty="0" err="1"/>
+                        <a:t>angle</a:t>
+                      </a:r>
+                      <a:r>
+                        <a:rPr lang="tr-TR" dirty="0"/>
+                        <a:t>)</a:t>
+                      </a:r>
+                      <a:endParaRPr lang="en-US" dirty="0"/>
+                    </a:p>
+                  </a:txBody>
+                  <a:tcPr>
+                    <a:lnL w="12700" cap="flat" cmpd="sng" algn="ctr">
+                      <a:solidFill>
+                        <a:schemeClr val="tx1"/>
+                      </a:solidFill>
+                      <a:prstDash val="solid"/>
+                      <a:round/>
+                      <a:headEnd type="none" w="med" len="med"/>
+                      <a:tailEnd type="none" w="med" len="med"/>
+                    </a:lnL>
+                    <a:lnR w="12700" cmpd="sng">
+                      <a:solidFill>
+                        <a:schemeClr val="tx1"/>
+                      </a:solidFill>
+                      <a:prstDash val="solid"/>
+                    </a:lnR>
+                    <a:lnT w="12700" cmpd="sng">
+                      <a:solidFill>
+                        <a:schemeClr val="tx1"/>
+                      </a:solidFill>
+                      <a:prstDash val="solid"/>
+                    </a:lnT>
+                    <a:lnB w="12700" cap="flat" cmpd="sng" algn="ctr">
+                      <a:solidFill>
+                        <a:schemeClr val="tx1"/>
+                      </a:solidFill>
+                      <a:prstDash val="solid"/>
+                      <a:round/>
+                      <a:headEnd type="none" w="med" len="med"/>
+                      <a:tailEnd type="none" w="med" len="med"/>
+                    </a:lnB>
+                  </a:tcPr>
+                </a:tc>
+                <a:extLst>
+                  <a:ext uri="{0D108BD9-81ED-4DB2-BD59-A6C34878D82A}">
+                    <a16:rowId xmlns:a16="http://schemas.microsoft.com/office/drawing/2014/main" val="2648448771"/>
+                  </a:ext>
+                </a:extLst>
+              </a:tr>
+              <a:tr h="315532">
+                <a:tc>
+                  <a:txBody>
+                    <a:bodyPr/>
+                    <a:lstStyle/>
+                    <a:p>
+                      <a:pPr marL="0" marR="0" lvl="0" indent="0" algn="l" defTabSz="914400" rtl="0" eaLnBrk="1" fontAlgn="auto" latinLnBrk="0" hangingPunct="1">
+                        <a:lnSpc>
+                          <a:spcPct val="100000"/>
+                        </a:lnSpc>
+                        <a:spcBef>
+                          <a:spcPts val="0"/>
+                        </a:spcBef>
+                        <a:spcAft>
+                          <a:spcPts val="0"/>
+                        </a:spcAft>
+                        <a:buClrTx/>
+                        <a:buSzTx/>
+                        <a:buFontTx/>
+                        <a:buNone/>
+                        <a:tabLst/>
+                        <a:defRPr/>
+                      </a:pPr>
+                      <a:r>
+                        <a:rPr lang="tr-TR" dirty="0"/>
+                        <a:t>152kHz</a:t>
+                      </a:r>
+                      <a:endParaRPr lang="en-US" dirty="0"/>
+                    </a:p>
+                  </a:txBody>
+                  <a:tcPr>
+                    <a:lnL w="12700" cmpd="sng">
+                      <a:solidFill>
+                        <a:schemeClr val="tx1"/>
+                      </a:solidFill>
+                      <a:prstDash val="solid"/>
+                    </a:lnL>
+                    <a:lnR w="12700" cap="flat" cmpd="sng" algn="ctr">
+                      <a:solidFill>
+                        <a:schemeClr val="tx1"/>
+                      </a:solidFill>
+                      <a:prstDash val="solid"/>
+                      <a:round/>
+                      <a:headEnd type="none" w="med" len="med"/>
+                      <a:tailEnd type="none" w="med" len="med"/>
+                    </a:lnR>
+                    <a:lnT w="12700" cap="flat" cmpd="sng" algn="ctr">
+                      <a:solidFill>
+                        <a:schemeClr val="tx1"/>
+                      </a:solidFill>
+                      <a:prstDash val="solid"/>
+                      <a:round/>
+                      <a:headEnd type="none" w="med" len="med"/>
+                      <a:tailEnd type="none" w="med" len="med"/>
+                    </a:lnT>
+                    <a:lnB w="12700" cmpd="sng">
+                      <a:solidFill>
+                        <a:schemeClr val="tx1"/>
+                      </a:solidFill>
+                      <a:prstDash val="solid"/>
+                    </a:lnB>
+                  </a:tcPr>
+                </a:tc>
+                <a:tc>
+                  <a:txBody>
+                    <a:bodyPr/>
+                    <a:lstStyle/>
+                    <a:p>
+                      <a:pPr marL="0" marR="0" lvl="0" indent="0" algn="l" defTabSz="914400" rtl="0" eaLnBrk="1" fontAlgn="auto" latinLnBrk="0" hangingPunct="1">
+                        <a:lnSpc>
+                          <a:spcPct val="100000"/>
+                        </a:lnSpc>
+                        <a:spcBef>
+                          <a:spcPts val="0"/>
+                        </a:spcBef>
+                        <a:spcAft>
+                          <a:spcPts val="0"/>
+                        </a:spcAft>
+                        <a:buClrTx/>
+                        <a:buSzTx/>
+                        <a:buFontTx/>
+                        <a:buNone/>
+                        <a:tabLst/>
+                        <a:defRPr/>
+                      </a:pPr>
+                      <a:r>
+                        <a:rPr lang="tr-TR" dirty="0"/>
+                        <a:t>7.17A</a:t>
+                      </a:r>
+                      <a:endParaRPr lang="en-US" dirty="0"/>
+                    </a:p>
+                  </a:txBody>
+                  <a:tcPr>
+                    <a:lnL w="12700" cap="flat" cmpd="sng" algn="ctr">
+                      <a:solidFill>
+                        <a:schemeClr val="tx1"/>
+                      </a:solidFill>
+                      <a:prstDash val="solid"/>
+                      <a:round/>
+                      <a:headEnd type="none" w="med" len="med"/>
+                      <a:tailEnd type="none" w="med" len="med"/>
+                    </a:lnL>
+                    <a:lnR w="12700" cap="flat" cmpd="sng" algn="ctr">
+                      <a:solidFill>
+                        <a:schemeClr val="tx1"/>
+                      </a:solidFill>
+                      <a:prstDash val="solid"/>
+                      <a:round/>
+                      <a:headEnd type="none" w="med" len="med"/>
+                      <a:tailEnd type="none" w="med" len="med"/>
+                    </a:lnR>
+                    <a:lnT w="12700" cap="flat" cmpd="sng" algn="ctr">
+                      <a:solidFill>
+                        <a:schemeClr val="tx1"/>
+                      </a:solidFill>
+                      <a:prstDash val="solid"/>
+                      <a:round/>
+                      <a:headEnd type="none" w="med" len="med"/>
+                      <a:tailEnd type="none" w="med" len="med"/>
+                    </a:lnT>
+                    <a:lnB w="12700" cmpd="sng">
+                      <a:solidFill>
+                        <a:schemeClr val="tx1"/>
+                      </a:solidFill>
+                      <a:prstDash val="solid"/>
+                    </a:lnB>
+                  </a:tcPr>
+                </a:tc>
+                <a:tc>
+                  <a:txBody>
+                    <a:bodyPr/>
+                    <a:lstStyle/>
+                    <a:p>
+                      <a:r>
+                        <a:rPr lang="tr-TR" dirty="0"/>
+                        <a:t>2.93A</a:t>
+                      </a:r>
+                      <a:endParaRPr lang="en-US" dirty="0"/>
+                    </a:p>
+                  </a:txBody>
+                  <a:tcPr>
+                    <a:lnL w="12700" cap="flat" cmpd="sng" algn="ctr">
+                      <a:solidFill>
+                        <a:schemeClr val="tx1"/>
+                      </a:solidFill>
+                      <a:prstDash val="solid"/>
+                      <a:round/>
+                      <a:headEnd type="none" w="med" len="med"/>
+                      <a:tailEnd type="none" w="med" len="med"/>
+                    </a:lnL>
+                    <a:lnR w="12700" cap="flat" cmpd="sng" algn="ctr">
+                      <a:solidFill>
+                        <a:schemeClr val="tx1"/>
+                      </a:solidFill>
+                      <a:prstDash val="solid"/>
+                      <a:round/>
+                      <a:headEnd type="none" w="med" len="med"/>
+                      <a:tailEnd type="none" w="med" len="med"/>
+                    </a:lnR>
+                    <a:lnT w="12700" cap="flat" cmpd="sng" algn="ctr">
+                      <a:solidFill>
+                        <a:schemeClr val="tx1"/>
+                      </a:solidFill>
+                      <a:prstDash val="solid"/>
+                      <a:round/>
+                      <a:headEnd type="none" w="med" len="med"/>
+                      <a:tailEnd type="none" w="med" len="med"/>
+                    </a:lnT>
+                    <a:lnB w="12700" cmpd="sng">
+                      <a:solidFill>
+                        <a:schemeClr val="tx1"/>
+                      </a:solidFill>
+                      <a:prstDash val="solid"/>
+                    </a:lnB>
+                  </a:tcPr>
+                </a:tc>
+                <a:tc>
+                  <a:txBody>
+                    <a:bodyPr/>
+                    <a:lstStyle/>
+                    <a:p>
+                      <a:r>
+                        <a:rPr lang="tr-TR" dirty="0"/>
+                        <a:t>3.57A</a:t>
+                      </a:r>
+                      <a:endParaRPr lang="en-US" dirty="0"/>
+                    </a:p>
+                  </a:txBody>
+                  <a:tcPr>
+                    <a:lnL w="12700" cap="flat" cmpd="sng" algn="ctr">
+                      <a:solidFill>
+                        <a:schemeClr val="tx1"/>
+                      </a:solidFill>
+                      <a:prstDash val="solid"/>
+                      <a:round/>
+                      <a:headEnd type="none" w="med" len="med"/>
+                      <a:tailEnd type="none" w="med" len="med"/>
+                    </a:lnL>
+                    <a:lnR w="12700" cap="flat" cmpd="sng" algn="ctr">
+                      <a:solidFill>
+                        <a:schemeClr val="tx1"/>
+                      </a:solidFill>
+                      <a:prstDash val="solid"/>
+                      <a:round/>
+                      <a:headEnd type="none" w="med" len="med"/>
+                      <a:tailEnd type="none" w="med" len="med"/>
+                    </a:lnR>
+                    <a:lnT w="12700" cap="flat" cmpd="sng" algn="ctr">
+                      <a:solidFill>
+                        <a:schemeClr val="tx1"/>
+                      </a:solidFill>
+                      <a:prstDash val="solid"/>
+                      <a:round/>
+                      <a:headEnd type="none" w="med" len="med"/>
+                      <a:tailEnd type="none" w="med" len="med"/>
+                    </a:lnT>
+                    <a:lnB w="12700" cmpd="sng">
+                      <a:solidFill>
+                        <a:schemeClr val="tx1"/>
+                      </a:solidFill>
+                      <a:prstDash val="solid"/>
+                    </a:lnB>
+                  </a:tcPr>
+                </a:tc>
+                <a:tc>
+                  <a:txBody>
+                    <a:bodyPr/>
+                    <a:lstStyle/>
+                    <a:p>
+                      <a:r>
+                        <a:rPr lang="tr-TR" dirty="0"/>
+                        <a:t>19.93</a:t>
+                      </a:r>
+                      <a:endParaRPr lang="en-US" dirty="0"/>
+                    </a:p>
+                  </a:txBody>
+                  <a:tcPr>
+                    <a:lnL w="12700" cap="flat" cmpd="sng" algn="ctr">
+                      <a:solidFill>
+                        <a:schemeClr val="tx1"/>
+                      </a:solidFill>
+                      <a:prstDash val="solid"/>
+                      <a:round/>
+                      <a:headEnd type="none" w="med" len="med"/>
+                      <a:tailEnd type="none" w="med" len="med"/>
+                    </a:lnL>
+                    <a:lnR w="12700" cap="flat" cmpd="sng" algn="ctr">
+                      <a:solidFill>
+                        <a:schemeClr val="tx1"/>
+                      </a:solidFill>
+                      <a:prstDash val="solid"/>
+                      <a:round/>
+                      <a:headEnd type="none" w="med" len="med"/>
+                      <a:tailEnd type="none" w="med" len="med"/>
+                    </a:lnR>
+                    <a:lnT w="12700" cap="flat" cmpd="sng" algn="ctr">
+                      <a:solidFill>
+                        <a:schemeClr val="tx1"/>
+                      </a:solidFill>
+                      <a:prstDash val="solid"/>
+                      <a:round/>
+                      <a:headEnd type="none" w="med" len="med"/>
+                      <a:tailEnd type="none" w="med" len="med"/>
+                    </a:lnT>
+                    <a:lnB w="12700" cmpd="sng">
+                      <a:solidFill>
+                        <a:schemeClr val="tx1"/>
+                      </a:solidFill>
+                      <a:prstDash val="solid"/>
+                    </a:lnB>
+                  </a:tcPr>
+                </a:tc>
+                <a:tc>
+                  <a:txBody>
+                    <a:bodyPr/>
+                    <a:lstStyle/>
+                    <a:p>
+                      <a:r>
+                        <a:rPr lang="tr-TR" dirty="0"/>
+                        <a:t>67.5</a:t>
+                      </a:r>
+                      <a:endParaRPr lang="en-US" dirty="0"/>
+                    </a:p>
+                  </a:txBody>
+                  <a:tcPr>
+                    <a:lnL w="12700" cap="flat" cmpd="sng" algn="ctr">
+                      <a:solidFill>
+                        <a:schemeClr val="tx1"/>
+                      </a:solidFill>
+                      <a:prstDash val="solid"/>
+                      <a:round/>
+                      <a:headEnd type="none" w="med" len="med"/>
+                      <a:tailEnd type="none" w="med" len="med"/>
+                    </a:lnL>
+                    <a:lnR w="12700" cap="flat" cmpd="sng" algn="ctr">
+                      <a:solidFill>
+                        <a:schemeClr val="tx1"/>
+                      </a:solidFill>
+                      <a:prstDash val="solid"/>
+                      <a:round/>
+                      <a:headEnd type="none" w="med" len="med"/>
+                      <a:tailEnd type="none" w="med" len="med"/>
+                    </a:lnR>
+                    <a:lnT w="12700" cap="flat" cmpd="sng" algn="ctr">
+                      <a:solidFill>
+                        <a:schemeClr val="tx1"/>
+                      </a:solidFill>
+                      <a:prstDash val="solid"/>
+                      <a:round/>
+                      <a:headEnd type="none" w="med" len="med"/>
+                      <a:tailEnd type="none" w="med" len="med"/>
+                    </a:lnT>
+                    <a:lnB w="12700" cmpd="sng">
+                      <a:solidFill>
+                        <a:schemeClr val="tx1"/>
+                      </a:solidFill>
+                      <a:prstDash val="solid"/>
+                    </a:lnB>
+                  </a:tcPr>
+                </a:tc>
+                <a:tc>
+                  <a:txBody>
+                    <a:bodyPr/>
+                    <a:lstStyle/>
+                    <a:p>
+                      <a:r>
+                        <a:rPr lang="tr-TR" dirty="0"/>
+                        <a:t>65.2</a:t>
+                      </a:r>
+                      <a:endParaRPr lang="en-US" dirty="0"/>
+                    </a:p>
+                  </a:txBody>
+                  <a:tcPr>
+                    <a:lnL w="12700" cap="flat" cmpd="sng" algn="ctr">
+                      <a:solidFill>
+                        <a:schemeClr val="tx1"/>
+                      </a:solidFill>
+                      <a:prstDash val="solid"/>
+                      <a:round/>
+                      <a:headEnd type="none" w="med" len="med"/>
+                      <a:tailEnd type="none" w="med" len="med"/>
+                    </a:lnL>
+                    <a:lnR w="12700" cmpd="sng">
+                      <a:solidFill>
+                        <a:schemeClr val="tx1"/>
+                      </a:solidFill>
+                      <a:prstDash val="solid"/>
+                    </a:lnR>
+                    <a:lnT w="12700" cap="flat" cmpd="sng" algn="ctr">
+                      <a:solidFill>
+                        <a:schemeClr val="tx1"/>
+                      </a:solidFill>
+                      <a:prstDash val="solid"/>
+                      <a:round/>
+                      <a:headEnd type="none" w="med" len="med"/>
+                      <a:tailEnd type="none" w="med" len="med"/>
+                    </a:lnT>
+                    <a:lnB w="12700" cmpd="sng">
+                      <a:solidFill>
+                        <a:schemeClr val="tx1"/>
+                      </a:solidFill>
+                      <a:prstDash val="solid"/>
+                    </a:lnB>
+                  </a:tcPr>
+                </a:tc>
+                <a:extLst>
+                  <a:ext uri="{0D108BD9-81ED-4DB2-BD59-A6C34878D82A}">
+                    <a16:rowId xmlns:a16="http://schemas.microsoft.com/office/drawing/2014/main" val="4134305895"/>
+                  </a:ext>
+                </a:extLst>
+              </a:tr>
+            </a:tbl>
+          </a:graphicData>
+        </a:graphic>
+      </p:graphicFrame>
+      <p:pic>
+        <p:nvPicPr>
+          <p:cNvPr id="2" name="Picture 1">
+            <a:extLst>
+              <a:ext uri="{FF2B5EF4-FFF2-40B4-BE49-F238E27FC236}">
+                <a16:creationId xmlns:a16="http://schemas.microsoft.com/office/drawing/2014/main" id="{6B0EC8AE-6F95-42DE-BCDB-02F340BF2485}"/>
+              </a:ext>
+            </a:extLst>
+          </p:cNvPr>
+          <p:cNvPicPr>
+            <a:picLocks noChangeAspect="1"/>
+          </p:cNvPicPr>
+          <p:nvPr/>
+        </p:nvPicPr>
+        <p:blipFill>
+          <a:blip r:embed="rId2"/>
+          <a:stretch>
+            <a:fillRect/>
+          </a:stretch>
+        </p:blipFill>
+        <p:spPr>
+          <a:xfrm>
+            <a:off x="920839" y="663220"/>
+            <a:ext cx="9616225" cy="4868214"/>
+          </a:xfrm>
+          <a:prstGeom prst="rect">
+            <a:avLst/>
+          </a:prstGeom>
+        </p:spPr>
+      </p:pic>
+    </p:spTree>
+    <p:extLst>
+      <p:ext uri="{BB962C8B-B14F-4D97-AF65-F5344CB8AC3E}">
+        <p14:creationId xmlns:p14="http://schemas.microsoft.com/office/powerpoint/2010/main" val="3064016666"/>
+      </p:ext>
+    </p:extLst>
+  </p:cSld>
+  <p:clrMapOvr>
+    <a:masterClrMapping/>
+  </p:clrMapOvr>
+</p:sld>
+</file>
+
+<file path=ppt/slides/slide14.xml><?xml version="1.0" encoding="utf-8"?>
+<p:sld xmlns:a="http://schemas.openxmlformats.org/drawingml/2006/main" xmlns:r="http://schemas.openxmlformats.org/officeDocument/2006/relationships" xmlns:p="http://schemas.openxmlformats.org/presentationml/2006/main">
+  <p:cSld>
+    <p:spTree>
+      <p:nvGrpSpPr>
+        <p:cNvPr id="1" name=""/>
+        <p:cNvGrpSpPr/>
+        <p:nvPr/>
+      </p:nvGrpSpPr>
+      <p:grpSpPr>
+        <a:xfrm>
+          <a:off x="0" y="0"/>
+          <a:ext cx="0" cy="0"/>
+          <a:chOff x="0" y="0"/>
+          <a:chExt cx="0" cy="0"/>
+        </a:xfrm>
+      </p:grpSpPr>
+      <p:sp>
+        <p:nvSpPr>
+          <p:cNvPr id="4" name="TextBox 3">
+            <a:extLst>
+              <a:ext uri="{FF2B5EF4-FFF2-40B4-BE49-F238E27FC236}">
+                <a16:creationId xmlns:a16="http://schemas.microsoft.com/office/drawing/2014/main" id="{30D46B1F-898C-42FD-9C77-F9AAB88D12B5}"/>
+              </a:ext>
+            </a:extLst>
+          </p:cNvPr>
+          <p:cNvSpPr txBox="1"/>
+          <p:nvPr/>
+        </p:nvSpPr>
+        <p:spPr>
+          <a:xfrm>
+            <a:off x="3825026" y="197296"/>
+            <a:ext cx="5183747" cy="369332"/>
+          </a:xfrm>
+          <a:prstGeom prst="rect">
+            <a:avLst/>
+          </a:prstGeom>
+          <a:noFill/>
+        </p:spPr>
+        <p:txBody>
+          <a:bodyPr wrap="square" rtlCol="0">
+            <a:spAutoFit/>
+          </a:bodyPr>
+          <a:lstStyle/>
+          <a:p>
+            <a:r>
+              <a:rPr lang="tr-TR" dirty="0"/>
+              <a:t>FA-Decoupled-135kHz (2)</a:t>
+            </a:r>
+            <a:endParaRPr lang="en-US" dirty="0"/>
+          </a:p>
+        </p:txBody>
+      </p:sp>
+      <p:graphicFrame>
+        <p:nvGraphicFramePr>
+          <p:cNvPr id="6" name="Table 5">
+            <a:extLst>
+              <a:ext uri="{FF2B5EF4-FFF2-40B4-BE49-F238E27FC236}">
+                <a16:creationId xmlns:a16="http://schemas.microsoft.com/office/drawing/2014/main" id="{3236E169-B333-4F09-8960-C27FA01561E2}"/>
+              </a:ext>
+            </a:extLst>
+          </p:cNvPr>
+          <p:cNvGraphicFramePr>
+            <a:graphicFrameLocks noGrp="1"/>
+          </p:cNvGraphicFramePr>
+          <p:nvPr>
+            <p:extLst>
+              <p:ext uri="{D42A27DB-BD31-4B8C-83A1-F6EECF244321}">
+                <p14:modId xmlns:p14="http://schemas.microsoft.com/office/powerpoint/2010/main" val="1459805765"/>
+              </p:ext>
+            </p:extLst>
+          </p:nvPr>
+        </p:nvGraphicFramePr>
+        <p:xfrm>
+          <a:off x="441102" y="5804760"/>
+          <a:ext cx="10760295" cy="731520"/>
+        </p:xfrm>
+        <a:graphic>
+          <a:graphicData uri="http://schemas.openxmlformats.org/drawingml/2006/table">
+            <a:tbl>
+              <a:tblPr/>
+              <a:tblGrid>
+                <a:gridCol w="1537185">
+                  <a:extLst>
+                    <a:ext uri="{9D8B030D-6E8A-4147-A177-3AD203B41FA5}">
+                      <a16:colId xmlns:a16="http://schemas.microsoft.com/office/drawing/2014/main" val="3339891136"/>
+                    </a:ext>
+                  </a:extLst>
+                </a:gridCol>
+                <a:gridCol w="1537185">
+                  <a:extLst>
+                    <a:ext uri="{9D8B030D-6E8A-4147-A177-3AD203B41FA5}">
+                      <a16:colId xmlns:a16="http://schemas.microsoft.com/office/drawing/2014/main" val="1471215429"/>
+                    </a:ext>
+                  </a:extLst>
+                </a:gridCol>
+                <a:gridCol w="1537185">
+                  <a:extLst>
+                    <a:ext uri="{9D8B030D-6E8A-4147-A177-3AD203B41FA5}">
+                      <a16:colId xmlns:a16="http://schemas.microsoft.com/office/drawing/2014/main" val="268356510"/>
+                    </a:ext>
+                  </a:extLst>
+                </a:gridCol>
+                <a:gridCol w="1537185">
+                  <a:extLst>
+                    <a:ext uri="{9D8B030D-6E8A-4147-A177-3AD203B41FA5}">
+                      <a16:colId xmlns:a16="http://schemas.microsoft.com/office/drawing/2014/main" val="414559488"/>
+                    </a:ext>
+                  </a:extLst>
+                </a:gridCol>
+                <a:gridCol w="1537185">
+                  <a:extLst>
+                    <a:ext uri="{9D8B030D-6E8A-4147-A177-3AD203B41FA5}">
+                      <a16:colId xmlns:a16="http://schemas.microsoft.com/office/drawing/2014/main" val="1780938479"/>
+                    </a:ext>
+                  </a:extLst>
+                </a:gridCol>
+                <a:gridCol w="1537185">
+                  <a:extLst>
+                    <a:ext uri="{9D8B030D-6E8A-4147-A177-3AD203B41FA5}">
+                      <a16:colId xmlns:a16="http://schemas.microsoft.com/office/drawing/2014/main" val="757650095"/>
+                    </a:ext>
+                  </a:extLst>
+                </a:gridCol>
+                <a:gridCol w="1537185">
+                  <a:extLst>
+                    <a:ext uri="{9D8B030D-6E8A-4147-A177-3AD203B41FA5}">
+                      <a16:colId xmlns:a16="http://schemas.microsoft.com/office/drawing/2014/main" val="4161997266"/>
+                    </a:ext>
+                  </a:extLst>
+                </a:gridCol>
+              </a:tblGrid>
+              <a:tr h="315532">
+                <a:tc>
+                  <a:txBody>
+                    <a:bodyPr/>
+                    <a:lstStyle/>
+                    <a:p>
+                      <a:r>
+                        <a:rPr lang="tr-TR" dirty="0" err="1"/>
+                        <a:t>Frequency</a:t>
+                      </a:r>
+                      <a:endParaRPr lang="en-US" dirty="0"/>
+                    </a:p>
+                  </a:txBody>
+                  <a:tcPr>
+                    <a:lnL w="12700" cmpd="sng">
+                      <a:solidFill>
+                        <a:schemeClr val="tx1"/>
+                      </a:solidFill>
+                      <a:prstDash val="solid"/>
+                    </a:lnL>
+                    <a:lnR w="12700" cmpd="sng">
+                      <a:solidFill>
+                        <a:schemeClr val="tx1"/>
+                      </a:solidFill>
+                      <a:prstDash val="solid"/>
+                    </a:lnR>
+                    <a:lnT w="12700" cmpd="sng">
+                      <a:solidFill>
+                        <a:schemeClr val="tx1"/>
+                      </a:solidFill>
+                      <a:prstDash val="solid"/>
+                    </a:lnT>
+                    <a:lnB w="12700" cap="flat" cmpd="sng" algn="ctr">
+                      <a:solidFill>
+                        <a:schemeClr val="tx1"/>
+                      </a:solidFill>
+                      <a:prstDash val="solid"/>
+                      <a:round/>
+                      <a:headEnd type="none" w="med" len="med"/>
+                      <a:tailEnd type="none" w="med" len="med"/>
+                    </a:lnB>
+                  </a:tcPr>
+                </a:tc>
+                <a:tc>
+                  <a:txBody>
+                    <a:bodyPr/>
+                    <a:lstStyle/>
+                    <a:p>
+                      <a:r>
+                        <a:rPr lang="tr-TR" dirty="0" err="1"/>
+                        <a:t>Ip</a:t>
+                      </a:r>
+                      <a:r>
+                        <a:rPr lang="tr-TR" dirty="0"/>
+                        <a:t> (</a:t>
+                      </a:r>
+                      <a:r>
+                        <a:rPr lang="tr-TR" dirty="0" err="1"/>
+                        <a:t>peak</a:t>
+                      </a:r>
+                      <a:r>
+                        <a:rPr lang="tr-TR" dirty="0"/>
+                        <a:t>)</a:t>
+                      </a:r>
+                      <a:endParaRPr lang="en-US" dirty="0"/>
+                    </a:p>
+                  </a:txBody>
+                  <a:tcPr>
+                    <a:lnL w="12700" cap="flat" cmpd="sng" algn="ctr">
+                      <a:solidFill>
+                        <a:schemeClr val="tx1"/>
+                      </a:solidFill>
+                      <a:prstDash val="solid"/>
+                      <a:round/>
+                      <a:headEnd type="none" w="med" len="med"/>
+                      <a:tailEnd type="none" w="med" len="med"/>
+                    </a:lnL>
+                    <a:lnR w="12700" cmpd="sng">
+                      <a:solidFill>
+                        <a:schemeClr val="tx1"/>
+                      </a:solidFill>
+                      <a:prstDash val="solid"/>
+                    </a:lnR>
+                    <a:lnT w="12700" cmpd="sng">
+                      <a:solidFill>
+                        <a:schemeClr val="tx1"/>
+                      </a:solidFill>
+                      <a:prstDash val="solid"/>
+                    </a:lnT>
+                    <a:lnB w="12700" cap="flat" cmpd="sng" algn="ctr">
+                      <a:solidFill>
+                        <a:schemeClr val="tx1"/>
+                      </a:solidFill>
+                      <a:prstDash val="solid"/>
+                      <a:round/>
+                      <a:headEnd type="none" w="med" len="med"/>
+                      <a:tailEnd type="none" w="med" len="med"/>
+                    </a:lnB>
+                  </a:tcPr>
+                </a:tc>
+                <a:tc>
+                  <a:txBody>
+                    <a:bodyPr/>
+                    <a:lstStyle/>
+                    <a:p>
+                      <a:r>
+                        <a:rPr lang="tr-TR" dirty="0"/>
+                        <a:t>Is1(</a:t>
+                      </a:r>
+                      <a:r>
+                        <a:rPr lang="tr-TR" dirty="0" err="1"/>
+                        <a:t>peak</a:t>
+                      </a:r>
+                      <a:r>
+                        <a:rPr lang="tr-TR" dirty="0"/>
+                        <a:t>)</a:t>
+                      </a:r>
+                      <a:endParaRPr lang="en-US" dirty="0"/>
+                    </a:p>
+                  </a:txBody>
+                  <a:tcPr>
+                    <a:lnL w="12700" cap="flat" cmpd="sng" algn="ctr">
+                      <a:solidFill>
+                        <a:schemeClr val="tx1"/>
+                      </a:solidFill>
+                      <a:prstDash val="solid"/>
+                      <a:round/>
+                      <a:headEnd type="none" w="med" len="med"/>
+                      <a:tailEnd type="none" w="med" len="med"/>
+                    </a:lnL>
+                    <a:lnR w="12700" cmpd="sng">
+                      <a:solidFill>
+                        <a:schemeClr val="tx1"/>
+                      </a:solidFill>
+                      <a:prstDash val="solid"/>
+                    </a:lnR>
+                    <a:lnT w="12700" cmpd="sng">
+                      <a:solidFill>
+                        <a:schemeClr val="tx1"/>
+                      </a:solidFill>
+                      <a:prstDash val="solid"/>
+                    </a:lnT>
+                    <a:lnB w="12700" cap="flat" cmpd="sng" algn="ctr">
+                      <a:solidFill>
+                        <a:schemeClr val="tx1"/>
+                      </a:solidFill>
+                      <a:prstDash val="solid"/>
+                      <a:round/>
+                      <a:headEnd type="none" w="med" len="med"/>
+                      <a:tailEnd type="none" w="med" len="med"/>
+                    </a:lnB>
+                  </a:tcPr>
+                </a:tc>
+                <a:tc>
+                  <a:txBody>
+                    <a:bodyPr/>
+                    <a:lstStyle/>
+                    <a:p>
+                      <a:r>
+                        <a:rPr lang="tr-TR" dirty="0"/>
+                        <a:t>Is2(</a:t>
+                      </a:r>
+                      <a:r>
+                        <a:rPr lang="tr-TR" dirty="0" err="1"/>
+                        <a:t>peak</a:t>
+                      </a:r>
+                      <a:r>
+                        <a:rPr lang="tr-TR" dirty="0"/>
+                        <a:t>)</a:t>
+                      </a:r>
+                      <a:endParaRPr lang="en-US" dirty="0"/>
+                    </a:p>
+                  </a:txBody>
+                  <a:tcPr>
+                    <a:lnL w="12700" cap="flat" cmpd="sng" algn="ctr">
+                      <a:solidFill>
+                        <a:schemeClr val="tx1"/>
+                      </a:solidFill>
+                      <a:prstDash val="solid"/>
+                      <a:round/>
+                      <a:headEnd type="none" w="med" len="med"/>
+                      <a:tailEnd type="none" w="med" len="med"/>
+                    </a:lnL>
+                    <a:lnR w="12700" cap="flat" cmpd="sng" algn="ctr">
+                      <a:solidFill>
+                        <a:schemeClr val="tx1"/>
+                      </a:solidFill>
+                      <a:prstDash val="solid"/>
+                      <a:round/>
+                      <a:headEnd type="none" w="med" len="med"/>
+                      <a:tailEnd type="none" w="med" len="med"/>
+                    </a:lnR>
+                    <a:lnT w="12700" cmpd="sng">
+                      <a:solidFill>
+                        <a:schemeClr val="tx1"/>
+                      </a:solidFill>
+                      <a:prstDash val="solid"/>
+                    </a:lnT>
+                    <a:lnB w="12700" cap="flat" cmpd="sng" algn="ctr">
+                      <a:solidFill>
+                        <a:schemeClr val="tx1"/>
+                      </a:solidFill>
+                      <a:prstDash val="solid"/>
+                      <a:round/>
+                      <a:headEnd type="none" w="med" len="med"/>
+                      <a:tailEnd type="none" w="med" len="med"/>
+                    </a:lnB>
+                  </a:tcPr>
+                </a:tc>
+                <a:tc>
+                  <a:txBody>
+                    <a:bodyPr/>
+                    <a:lstStyle/>
+                    <a:p>
+                      <a:r>
+                        <a:rPr lang="tr-TR" dirty="0" err="1"/>
+                        <a:t>Ip</a:t>
+                      </a:r>
+                      <a:r>
+                        <a:rPr lang="tr-TR" dirty="0"/>
+                        <a:t> (</a:t>
+                      </a:r>
+                      <a:r>
+                        <a:rPr lang="tr-TR" dirty="0" err="1"/>
+                        <a:t>angle</a:t>
+                      </a:r>
+                      <a:r>
+                        <a:rPr lang="tr-TR" dirty="0"/>
+                        <a:t>)</a:t>
+                      </a:r>
+                      <a:endParaRPr lang="en-US" dirty="0"/>
+                    </a:p>
+                  </a:txBody>
+                  <a:tcPr>
+                    <a:lnL w="12700" cap="flat" cmpd="sng" algn="ctr">
+                      <a:solidFill>
+                        <a:schemeClr val="tx1"/>
+                      </a:solidFill>
+                      <a:prstDash val="solid"/>
+                      <a:round/>
+                      <a:headEnd type="none" w="med" len="med"/>
+                      <a:tailEnd type="none" w="med" len="med"/>
+                    </a:lnL>
+                    <a:lnR w="12700" cmpd="sng">
+                      <a:solidFill>
+                        <a:schemeClr val="tx1"/>
+                      </a:solidFill>
+                      <a:prstDash val="solid"/>
+                    </a:lnR>
+                    <a:lnT w="12700" cmpd="sng">
+                      <a:solidFill>
+                        <a:schemeClr val="tx1"/>
+                      </a:solidFill>
+                      <a:prstDash val="solid"/>
+                    </a:lnT>
+                    <a:lnB w="12700" cap="flat" cmpd="sng" algn="ctr">
+                      <a:solidFill>
+                        <a:schemeClr val="tx1"/>
+                      </a:solidFill>
+                      <a:prstDash val="solid"/>
+                      <a:round/>
+                      <a:headEnd type="none" w="med" len="med"/>
+                      <a:tailEnd type="none" w="med" len="med"/>
+                    </a:lnB>
+                  </a:tcPr>
+                </a:tc>
+                <a:tc>
+                  <a:txBody>
+                    <a:bodyPr/>
+                    <a:lstStyle/>
+                    <a:p>
+                      <a:r>
+                        <a:rPr lang="tr-TR" dirty="0"/>
+                        <a:t>Is1(</a:t>
+                      </a:r>
+                      <a:r>
+                        <a:rPr lang="tr-TR" dirty="0" err="1"/>
+                        <a:t>angle</a:t>
+                      </a:r>
+                      <a:r>
+                        <a:rPr lang="tr-TR" dirty="0"/>
+                        <a:t>)</a:t>
+                      </a:r>
+                      <a:endParaRPr lang="en-US" dirty="0"/>
+                    </a:p>
+                  </a:txBody>
+                  <a:tcPr>
+                    <a:lnL w="12700" cap="flat" cmpd="sng" algn="ctr">
+                      <a:solidFill>
+                        <a:schemeClr val="tx1"/>
+                      </a:solidFill>
+                      <a:prstDash val="solid"/>
+                      <a:round/>
+                      <a:headEnd type="none" w="med" len="med"/>
+                      <a:tailEnd type="none" w="med" len="med"/>
+                    </a:lnL>
+                    <a:lnR w="12700" cmpd="sng">
+                      <a:solidFill>
+                        <a:schemeClr val="tx1"/>
+                      </a:solidFill>
+                      <a:prstDash val="solid"/>
+                    </a:lnR>
+                    <a:lnT w="12700" cmpd="sng">
+                      <a:solidFill>
+                        <a:schemeClr val="tx1"/>
+                      </a:solidFill>
+                      <a:prstDash val="solid"/>
+                    </a:lnT>
+                    <a:lnB w="12700" cap="flat" cmpd="sng" algn="ctr">
+                      <a:solidFill>
+                        <a:schemeClr val="tx1"/>
+                      </a:solidFill>
+                      <a:prstDash val="solid"/>
+                      <a:round/>
+                      <a:headEnd type="none" w="med" len="med"/>
+                      <a:tailEnd type="none" w="med" len="med"/>
+                    </a:lnB>
+                  </a:tcPr>
+                </a:tc>
+                <a:tc>
+                  <a:txBody>
+                    <a:bodyPr/>
+                    <a:lstStyle/>
+                    <a:p>
+                      <a:r>
+                        <a:rPr lang="tr-TR" dirty="0"/>
+                        <a:t>Is2(</a:t>
+                      </a:r>
+                      <a:r>
+                        <a:rPr lang="tr-TR" dirty="0" err="1"/>
+                        <a:t>angle</a:t>
+                      </a:r>
+                      <a:r>
+                        <a:rPr lang="tr-TR" dirty="0"/>
+                        <a:t>)</a:t>
+                      </a:r>
+                      <a:endParaRPr lang="en-US" dirty="0"/>
+                    </a:p>
+                  </a:txBody>
+                  <a:tcPr>
+                    <a:lnL w="12700" cap="flat" cmpd="sng" algn="ctr">
+                      <a:solidFill>
+                        <a:schemeClr val="tx1"/>
+                      </a:solidFill>
+                      <a:prstDash val="solid"/>
+                      <a:round/>
+                      <a:headEnd type="none" w="med" len="med"/>
+                      <a:tailEnd type="none" w="med" len="med"/>
+                    </a:lnL>
+                    <a:lnR w="12700" cmpd="sng">
+                      <a:solidFill>
+                        <a:schemeClr val="tx1"/>
+                      </a:solidFill>
+                      <a:prstDash val="solid"/>
+                    </a:lnR>
+                    <a:lnT w="12700" cmpd="sng">
+                      <a:solidFill>
+                        <a:schemeClr val="tx1"/>
+                      </a:solidFill>
+                      <a:prstDash val="solid"/>
+                    </a:lnT>
+                    <a:lnB w="12700" cap="flat" cmpd="sng" algn="ctr">
+                      <a:solidFill>
+                        <a:schemeClr val="tx1"/>
+                      </a:solidFill>
+                      <a:prstDash val="solid"/>
+                      <a:round/>
+                      <a:headEnd type="none" w="med" len="med"/>
+                      <a:tailEnd type="none" w="med" len="med"/>
+                    </a:lnB>
+                  </a:tcPr>
+                </a:tc>
+                <a:extLst>
+                  <a:ext uri="{0D108BD9-81ED-4DB2-BD59-A6C34878D82A}">
+                    <a16:rowId xmlns:a16="http://schemas.microsoft.com/office/drawing/2014/main" val="2648448771"/>
+                  </a:ext>
+                </a:extLst>
+              </a:tr>
+              <a:tr h="315532">
+                <a:tc>
+                  <a:txBody>
+                    <a:bodyPr/>
+                    <a:lstStyle/>
+                    <a:p>
+                      <a:pPr marL="0" marR="0" lvl="0" indent="0" algn="l" defTabSz="914400" rtl="0" eaLnBrk="1" fontAlgn="auto" latinLnBrk="0" hangingPunct="1">
+                        <a:lnSpc>
+                          <a:spcPct val="100000"/>
+                        </a:lnSpc>
+                        <a:spcBef>
+                          <a:spcPts val="0"/>
+                        </a:spcBef>
+                        <a:spcAft>
+                          <a:spcPts val="0"/>
+                        </a:spcAft>
+                        <a:buClrTx/>
+                        <a:buSzTx/>
+                        <a:buFontTx/>
+                        <a:buNone/>
+                        <a:tabLst/>
+                        <a:defRPr/>
+                      </a:pPr>
+                      <a:r>
+                        <a:rPr lang="tr-TR" dirty="0"/>
+                        <a:t>154.75kHz</a:t>
+                      </a:r>
+                      <a:endParaRPr lang="en-US" dirty="0"/>
+                    </a:p>
+                  </a:txBody>
+                  <a:tcPr>
+                    <a:lnL w="12700" cmpd="sng">
+                      <a:solidFill>
+                        <a:schemeClr val="tx1"/>
+                      </a:solidFill>
+                      <a:prstDash val="solid"/>
+                    </a:lnL>
+                    <a:lnR w="12700" cap="flat" cmpd="sng" algn="ctr">
+                      <a:solidFill>
+                        <a:schemeClr val="tx1"/>
+                      </a:solidFill>
+                      <a:prstDash val="solid"/>
+                      <a:round/>
+                      <a:headEnd type="none" w="med" len="med"/>
+                      <a:tailEnd type="none" w="med" len="med"/>
+                    </a:lnR>
+                    <a:lnT w="12700" cap="flat" cmpd="sng" algn="ctr">
+                      <a:solidFill>
+                        <a:schemeClr val="tx1"/>
+                      </a:solidFill>
+                      <a:prstDash val="solid"/>
+                      <a:round/>
+                      <a:headEnd type="none" w="med" len="med"/>
+                      <a:tailEnd type="none" w="med" len="med"/>
+                    </a:lnT>
+                    <a:lnB w="12700" cmpd="sng">
+                      <a:solidFill>
+                        <a:schemeClr val="tx1"/>
+                      </a:solidFill>
+                      <a:prstDash val="solid"/>
+                    </a:lnB>
+                  </a:tcPr>
+                </a:tc>
+                <a:tc>
+                  <a:txBody>
+                    <a:bodyPr/>
+                    <a:lstStyle/>
+                    <a:p>
+                      <a:pPr marL="0" marR="0" lvl="0" indent="0" algn="l" defTabSz="914400" rtl="0" eaLnBrk="1" fontAlgn="auto" latinLnBrk="0" hangingPunct="1">
+                        <a:lnSpc>
+                          <a:spcPct val="100000"/>
+                        </a:lnSpc>
+                        <a:spcBef>
+                          <a:spcPts val="0"/>
+                        </a:spcBef>
+                        <a:spcAft>
+                          <a:spcPts val="0"/>
+                        </a:spcAft>
+                        <a:buClrTx/>
+                        <a:buSzTx/>
+                        <a:buFontTx/>
+                        <a:buNone/>
+                        <a:tabLst/>
+                        <a:defRPr/>
+                      </a:pPr>
+                      <a:r>
+                        <a:rPr lang="tr-TR" dirty="0"/>
+                        <a:t>7.41A</a:t>
+                      </a:r>
+                      <a:endParaRPr lang="en-US" dirty="0"/>
+                    </a:p>
+                  </a:txBody>
+                  <a:tcPr>
+                    <a:lnL w="12700" cap="flat" cmpd="sng" algn="ctr">
+                      <a:solidFill>
+                        <a:schemeClr val="tx1"/>
+                      </a:solidFill>
+                      <a:prstDash val="solid"/>
+                      <a:round/>
+                      <a:headEnd type="none" w="med" len="med"/>
+                      <a:tailEnd type="none" w="med" len="med"/>
+                    </a:lnL>
+                    <a:lnR w="12700" cap="flat" cmpd="sng" algn="ctr">
+                      <a:solidFill>
+                        <a:schemeClr val="tx1"/>
+                      </a:solidFill>
+                      <a:prstDash val="solid"/>
+                      <a:round/>
+                      <a:headEnd type="none" w="med" len="med"/>
+                      <a:tailEnd type="none" w="med" len="med"/>
+                    </a:lnR>
+                    <a:lnT w="12700" cap="flat" cmpd="sng" algn="ctr">
+                      <a:solidFill>
+                        <a:schemeClr val="tx1"/>
+                      </a:solidFill>
+                      <a:prstDash val="solid"/>
+                      <a:round/>
+                      <a:headEnd type="none" w="med" len="med"/>
+                      <a:tailEnd type="none" w="med" len="med"/>
+                    </a:lnT>
+                    <a:lnB w="12700" cmpd="sng">
+                      <a:solidFill>
+                        <a:schemeClr val="tx1"/>
+                      </a:solidFill>
+                      <a:prstDash val="solid"/>
+                    </a:lnB>
+                  </a:tcPr>
+                </a:tc>
+                <a:tc>
+                  <a:txBody>
+                    <a:bodyPr/>
+                    <a:lstStyle/>
+                    <a:p>
+                      <a:r>
+                        <a:rPr lang="tr-TR" dirty="0"/>
+                        <a:t>3.33A</a:t>
+                      </a:r>
+                      <a:endParaRPr lang="en-US" dirty="0"/>
+                    </a:p>
+                  </a:txBody>
+                  <a:tcPr>
+                    <a:lnL w="12700" cap="flat" cmpd="sng" algn="ctr">
+                      <a:solidFill>
+                        <a:schemeClr val="tx1"/>
+                      </a:solidFill>
+                      <a:prstDash val="solid"/>
+                      <a:round/>
+                      <a:headEnd type="none" w="med" len="med"/>
+                      <a:tailEnd type="none" w="med" len="med"/>
+                    </a:lnL>
+                    <a:lnR w="12700" cap="flat" cmpd="sng" algn="ctr">
+                      <a:solidFill>
+                        <a:schemeClr val="tx1"/>
+                      </a:solidFill>
+                      <a:prstDash val="solid"/>
+                      <a:round/>
+                      <a:headEnd type="none" w="med" len="med"/>
+                      <a:tailEnd type="none" w="med" len="med"/>
+                    </a:lnR>
+                    <a:lnT w="12700" cap="flat" cmpd="sng" algn="ctr">
+                      <a:solidFill>
+                        <a:schemeClr val="tx1"/>
+                      </a:solidFill>
+                      <a:prstDash val="solid"/>
+                      <a:round/>
+                      <a:headEnd type="none" w="med" len="med"/>
+                      <a:tailEnd type="none" w="med" len="med"/>
+                    </a:lnT>
+                    <a:lnB w="12700" cmpd="sng">
+                      <a:solidFill>
+                        <a:schemeClr val="tx1"/>
+                      </a:solidFill>
+                      <a:prstDash val="solid"/>
+                    </a:lnB>
+                  </a:tcPr>
+                </a:tc>
+                <a:tc>
+                  <a:txBody>
+                    <a:bodyPr/>
+                    <a:lstStyle/>
+                    <a:p>
+                      <a:r>
+                        <a:rPr lang="tr-TR" dirty="0"/>
+                        <a:t>3.17A</a:t>
+                      </a:r>
+                      <a:endParaRPr lang="en-US" dirty="0"/>
+                    </a:p>
+                  </a:txBody>
+                  <a:tcPr>
+                    <a:lnL w="12700" cap="flat" cmpd="sng" algn="ctr">
+                      <a:solidFill>
+                        <a:schemeClr val="tx1"/>
+                      </a:solidFill>
+                      <a:prstDash val="solid"/>
+                      <a:round/>
+                      <a:headEnd type="none" w="med" len="med"/>
+                      <a:tailEnd type="none" w="med" len="med"/>
+                    </a:lnL>
+                    <a:lnR w="12700" cap="flat" cmpd="sng" algn="ctr">
+                      <a:solidFill>
+                        <a:schemeClr val="tx1"/>
+                      </a:solidFill>
+                      <a:prstDash val="solid"/>
+                      <a:round/>
+                      <a:headEnd type="none" w="med" len="med"/>
+                      <a:tailEnd type="none" w="med" len="med"/>
+                    </a:lnR>
+                    <a:lnT w="12700" cap="flat" cmpd="sng" algn="ctr">
+                      <a:solidFill>
+                        <a:schemeClr val="tx1"/>
+                      </a:solidFill>
+                      <a:prstDash val="solid"/>
+                      <a:round/>
+                      <a:headEnd type="none" w="med" len="med"/>
+                      <a:tailEnd type="none" w="med" len="med"/>
+                    </a:lnT>
+                    <a:lnB w="12700" cmpd="sng">
+                      <a:solidFill>
+                        <a:schemeClr val="tx1"/>
+                      </a:solidFill>
+                      <a:prstDash val="solid"/>
+                    </a:lnB>
+                  </a:tcPr>
+                </a:tc>
+                <a:tc>
+                  <a:txBody>
+                    <a:bodyPr/>
+                    <a:lstStyle/>
+                    <a:p>
+                      <a:r>
+                        <a:rPr lang="tr-TR" dirty="0"/>
+                        <a:t>20.310</a:t>
+                      </a:r>
+                      <a:endParaRPr lang="en-US" dirty="0"/>
+                    </a:p>
+                  </a:txBody>
+                  <a:tcPr>
+                    <a:lnL w="12700" cap="flat" cmpd="sng" algn="ctr">
+                      <a:solidFill>
+                        <a:schemeClr val="tx1"/>
+                      </a:solidFill>
+                      <a:prstDash val="solid"/>
+                      <a:round/>
+                      <a:headEnd type="none" w="med" len="med"/>
+                      <a:tailEnd type="none" w="med" len="med"/>
+                    </a:lnL>
+                    <a:lnR w="12700" cap="flat" cmpd="sng" algn="ctr">
+                      <a:solidFill>
+                        <a:schemeClr val="tx1"/>
+                      </a:solidFill>
+                      <a:prstDash val="solid"/>
+                      <a:round/>
+                      <a:headEnd type="none" w="med" len="med"/>
+                      <a:tailEnd type="none" w="med" len="med"/>
+                    </a:lnR>
+                    <a:lnT w="12700" cap="flat" cmpd="sng" algn="ctr">
+                      <a:solidFill>
+                        <a:schemeClr val="tx1"/>
+                      </a:solidFill>
+                      <a:prstDash val="solid"/>
+                      <a:round/>
+                      <a:headEnd type="none" w="med" len="med"/>
+                      <a:tailEnd type="none" w="med" len="med"/>
+                    </a:lnT>
+                    <a:lnB w="12700" cmpd="sng">
+                      <a:solidFill>
+                        <a:schemeClr val="tx1"/>
+                      </a:solidFill>
+                      <a:prstDash val="solid"/>
+                    </a:lnB>
+                  </a:tcPr>
+                </a:tc>
+                <a:tc>
+                  <a:txBody>
+                    <a:bodyPr/>
+                    <a:lstStyle/>
+                    <a:p>
+                      <a:r>
+                        <a:rPr lang="tr-TR" dirty="0"/>
+                        <a:t>46.752</a:t>
+                      </a:r>
+                      <a:endParaRPr lang="en-US" dirty="0"/>
+                    </a:p>
+                  </a:txBody>
+                  <a:tcPr>
+                    <a:lnL w="12700" cap="flat" cmpd="sng" algn="ctr">
+                      <a:solidFill>
+                        <a:schemeClr val="tx1"/>
+                      </a:solidFill>
+                      <a:prstDash val="solid"/>
+                      <a:round/>
+                      <a:headEnd type="none" w="med" len="med"/>
+                      <a:tailEnd type="none" w="med" len="med"/>
+                    </a:lnL>
+                    <a:lnR w="12700" cap="flat" cmpd="sng" algn="ctr">
+                      <a:solidFill>
+                        <a:schemeClr val="tx1"/>
+                      </a:solidFill>
+                      <a:prstDash val="solid"/>
+                      <a:round/>
+                      <a:headEnd type="none" w="med" len="med"/>
+                      <a:tailEnd type="none" w="med" len="med"/>
+                    </a:lnR>
+                    <a:lnT w="12700" cap="flat" cmpd="sng" algn="ctr">
+                      <a:solidFill>
+                        <a:schemeClr val="tx1"/>
+                      </a:solidFill>
+                      <a:prstDash val="solid"/>
+                      <a:round/>
+                      <a:headEnd type="none" w="med" len="med"/>
+                      <a:tailEnd type="none" w="med" len="med"/>
+                    </a:lnT>
+                    <a:lnB w="12700" cmpd="sng">
+                      <a:solidFill>
+                        <a:schemeClr val="tx1"/>
+                      </a:solidFill>
+                      <a:prstDash val="solid"/>
+                    </a:lnB>
+                  </a:tcPr>
+                </a:tc>
+                <a:tc>
+                  <a:txBody>
+                    <a:bodyPr/>
+                    <a:lstStyle/>
+                    <a:p>
+                      <a:r>
+                        <a:rPr lang="tr-TR" dirty="0"/>
+                        <a:t>51.4652</a:t>
+                      </a:r>
+                      <a:endParaRPr lang="en-US" dirty="0"/>
+                    </a:p>
+                  </a:txBody>
+                  <a:tcPr>
+                    <a:lnL w="12700" cap="flat" cmpd="sng" algn="ctr">
+                      <a:solidFill>
+                        <a:schemeClr val="tx1"/>
+                      </a:solidFill>
+                      <a:prstDash val="solid"/>
+                      <a:round/>
+                      <a:headEnd type="none" w="med" len="med"/>
+                      <a:tailEnd type="none" w="med" len="med"/>
+                    </a:lnL>
+                    <a:lnR w="12700" cmpd="sng">
+                      <a:solidFill>
+                        <a:schemeClr val="tx1"/>
+                      </a:solidFill>
+                      <a:prstDash val="solid"/>
+                    </a:lnR>
+                    <a:lnT w="12700" cap="flat" cmpd="sng" algn="ctr">
+                      <a:solidFill>
+                        <a:schemeClr val="tx1"/>
+                      </a:solidFill>
+                      <a:prstDash val="solid"/>
+                      <a:round/>
+                      <a:headEnd type="none" w="med" len="med"/>
+                      <a:tailEnd type="none" w="med" len="med"/>
+                    </a:lnT>
+                    <a:lnB w="12700" cmpd="sng">
+                      <a:solidFill>
+                        <a:schemeClr val="tx1"/>
+                      </a:solidFill>
+                      <a:prstDash val="solid"/>
+                    </a:lnB>
+                  </a:tcPr>
+                </a:tc>
+                <a:extLst>
+                  <a:ext uri="{0D108BD9-81ED-4DB2-BD59-A6C34878D82A}">
+                    <a16:rowId xmlns:a16="http://schemas.microsoft.com/office/drawing/2014/main" val="4134305895"/>
+                  </a:ext>
+                </a:extLst>
+              </a:tr>
+            </a:tbl>
+          </a:graphicData>
+        </a:graphic>
+      </p:graphicFrame>
+      <p:pic>
+        <p:nvPicPr>
+          <p:cNvPr id="3" name="Picture 2">
+            <a:extLst>
+              <a:ext uri="{FF2B5EF4-FFF2-40B4-BE49-F238E27FC236}">
+                <a16:creationId xmlns:a16="http://schemas.microsoft.com/office/drawing/2014/main" id="{8C801172-9D29-4CF1-942A-06A6E13323F1}"/>
+              </a:ext>
+            </a:extLst>
+          </p:cNvPr>
+          <p:cNvPicPr>
+            <a:picLocks noChangeAspect="1"/>
+          </p:cNvPicPr>
+          <p:nvPr/>
+        </p:nvPicPr>
+        <p:blipFill>
+          <a:blip r:embed="rId2"/>
+          <a:stretch>
+            <a:fillRect/>
+          </a:stretch>
+        </p:blipFill>
+        <p:spPr>
+          <a:xfrm>
+            <a:off x="810294" y="648898"/>
+            <a:ext cx="10021910" cy="5073592"/>
+          </a:xfrm>
+          <a:prstGeom prst="rect">
+            <a:avLst/>
+          </a:prstGeom>
+        </p:spPr>
+      </p:pic>
+    </p:spTree>
+    <p:extLst>
+      <p:ext uri="{BB962C8B-B14F-4D97-AF65-F5344CB8AC3E}">
+        <p14:creationId xmlns:p14="http://schemas.microsoft.com/office/powerpoint/2010/main" val="4077402224"/>
+      </p:ext>
+    </p:extLst>
+  </p:cSld>
+  <p:clrMapOvr>
+    <a:masterClrMapping/>
+  </p:clrMapOvr>
+</p:sld>
+</file>
+
+<file path=ppt/slides/slide15.xml><?xml version="1.0" encoding="utf-8"?>
+<p:sld xmlns:a="http://schemas.openxmlformats.org/drawingml/2006/main" xmlns:r="http://schemas.openxmlformats.org/officeDocument/2006/relationships" xmlns:p="http://schemas.openxmlformats.org/presentationml/2006/main">
+  <p:cSld>
+    <p:spTree>
+      <p:nvGrpSpPr>
+        <p:cNvPr id="1" name=""/>
+        <p:cNvGrpSpPr/>
+        <p:nvPr/>
+      </p:nvGrpSpPr>
+      <p:grpSpPr>
+        <a:xfrm>
+          <a:off x="0" y="0"/>
+          <a:ext cx="0" cy="0"/>
+          <a:chOff x="0" y="0"/>
+          <a:chExt cx="0" cy="0"/>
+        </a:xfrm>
+      </p:grpSpPr>
+      <p:sp>
+        <p:nvSpPr>
+          <p:cNvPr id="4" name="TextBox 3">
+            <a:extLst>
+              <a:ext uri="{FF2B5EF4-FFF2-40B4-BE49-F238E27FC236}">
+                <a16:creationId xmlns:a16="http://schemas.microsoft.com/office/drawing/2014/main" id="{30D46B1F-898C-42FD-9C77-F9AAB88D12B5}"/>
+              </a:ext>
+            </a:extLst>
+          </p:cNvPr>
+          <p:cNvSpPr txBox="1"/>
+          <p:nvPr/>
+        </p:nvSpPr>
+        <p:spPr>
+          <a:xfrm>
+            <a:off x="3825026" y="197296"/>
+            <a:ext cx="5183747" cy="369332"/>
+          </a:xfrm>
+          <a:prstGeom prst="rect">
+            <a:avLst/>
+          </a:prstGeom>
+          <a:noFill/>
+        </p:spPr>
+        <p:txBody>
+          <a:bodyPr wrap="square" rtlCol="0">
+            <a:spAutoFit/>
+          </a:bodyPr>
+          <a:lstStyle/>
+          <a:p>
+            <a:r>
+              <a:rPr lang="tr-TR" dirty="0"/>
+              <a:t>MA-Decoupled-150kHz (3)</a:t>
+            </a:r>
+            <a:endParaRPr lang="en-US" dirty="0"/>
+          </a:p>
+        </p:txBody>
+      </p:sp>
+      <p:graphicFrame>
+        <p:nvGraphicFramePr>
+          <p:cNvPr id="6" name="Table 5">
+            <a:extLst>
+              <a:ext uri="{FF2B5EF4-FFF2-40B4-BE49-F238E27FC236}">
+                <a16:creationId xmlns:a16="http://schemas.microsoft.com/office/drawing/2014/main" id="{3236E169-B333-4F09-8960-C27FA01561E2}"/>
+              </a:ext>
+            </a:extLst>
+          </p:cNvPr>
+          <p:cNvGraphicFramePr>
+            <a:graphicFrameLocks noGrp="1"/>
+          </p:cNvGraphicFramePr>
+          <p:nvPr>
+            <p:extLst/>
+          </p:nvPr>
+        </p:nvGraphicFramePr>
+        <p:xfrm>
+          <a:off x="441102" y="5804760"/>
+          <a:ext cx="10760295" cy="731520"/>
+        </p:xfrm>
+        <a:graphic>
+          <a:graphicData uri="http://schemas.openxmlformats.org/drawingml/2006/table">
+            <a:tbl>
+              <a:tblPr/>
+              <a:tblGrid>
+                <a:gridCol w="1537185">
+                  <a:extLst>
+                    <a:ext uri="{9D8B030D-6E8A-4147-A177-3AD203B41FA5}">
+                      <a16:colId xmlns:a16="http://schemas.microsoft.com/office/drawing/2014/main" val="3339891136"/>
+                    </a:ext>
+                  </a:extLst>
+                </a:gridCol>
+                <a:gridCol w="1537185">
+                  <a:extLst>
+                    <a:ext uri="{9D8B030D-6E8A-4147-A177-3AD203B41FA5}">
+                      <a16:colId xmlns:a16="http://schemas.microsoft.com/office/drawing/2014/main" val="1471215429"/>
+                    </a:ext>
+                  </a:extLst>
+                </a:gridCol>
+                <a:gridCol w="1537185">
+                  <a:extLst>
+                    <a:ext uri="{9D8B030D-6E8A-4147-A177-3AD203B41FA5}">
+                      <a16:colId xmlns:a16="http://schemas.microsoft.com/office/drawing/2014/main" val="268356510"/>
+                    </a:ext>
+                  </a:extLst>
+                </a:gridCol>
+                <a:gridCol w="1537185">
+                  <a:extLst>
+                    <a:ext uri="{9D8B030D-6E8A-4147-A177-3AD203B41FA5}">
+                      <a16:colId xmlns:a16="http://schemas.microsoft.com/office/drawing/2014/main" val="414559488"/>
+                    </a:ext>
+                  </a:extLst>
+                </a:gridCol>
+                <a:gridCol w="1537185">
+                  <a:extLst>
+                    <a:ext uri="{9D8B030D-6E8A-4147-A177-3AD203B41FA5}">
+                      <a16:colId xmlns:a16="http://schemas.microsoft.com/office/drawing/2014/main" val="1780938479"/>
+                    </a:ext>
+                  </a:extLst>
+                </a:gridCol>
+                <a:gridCol w="1537185">
+                  <a:extLst>
+                    <a:ext uri="{9D8B030D-6E8A-4147-A177-3AD203B41FA5}">
+                      <a16:colId xmlns:a16="http://schemas.microsoft.com/office/drawing/2014/main" val="757650095"/>
+                    </a:ext>
+                  </a:extLst>
+                </a:gridCol>
+                <a:gridCol w="1537185">
+                  <a:extLst>
+                    <a:ext uri="{9D8B030D-6E8A-4147-A177-3AD203B41FA5}">
+                      <a16:colId xmlns:a16="http://schemas.microsoft.com/office/drawing/2014/main" val="4161997266"/>
+                    </a:ext>
+                  </a:extLst>
+                </a:gridCol>
+              </a:tblGrid>
+              <a:tr h="315532">
+                <a:tc>
+                  <a:txBody>
+                    <a:bodyPr/>
+                    <a:lstStyle/>
+                    <a:p>
+                      <a:r>
+                        <a:rPr lang="tr-TR" dirty="0" err="1"/>
+                        <a:t>Frequency</a:t>
+                      </a:r>
+                      <a:endParaRPr lang="en-US" dirty="0"/>
+                    </a:p>
+                  </a:txBody>
+                  <a:tcPr>
+                    <a:lnL w="12700" cmpd="sng">
+                      <a:solidFill>
+                        <a:schemeClr val="tx1"/>
+                      </a:solidFill>
+                      <a:prstDash val="solid"/>
+                    </a:lnL>
+                    <a:lnR w="12700" cmpd="sng">
+                      <a:solidFill>
+                        <a:schemeClr val="tx1"/>
+                      </a:solidFill>
+                      <a:prstDash val="solid"/>
+                    </a:lnR>
+                    <a:lnT w="12700" cmpd="sng">
+                      <a:solidFill>
+                        <a:schemeClr val="tx1"/>
+                      </a:solidFill>
+                      <a:prstDash val="solid"/>
+                    </a:lnT>
+                    <a:lnB w="12700" cap="flat" cmpd="sng" algn="ctr">
+                      <a:solidFill>
+                        <a:schemeClr val="tx1"/>
+                      </a:solidFill>
+                      <a:prstDash val="solid"/>
+                      <a:round/>
+                      <a:headEnd type="none" w="med" len="med"/>
+                      <a:tailEnd type="none" w="med" len="med"/>
+                    </a:lnB>
+                  </a:tcPr>
+                </a:tc>
+                <a:tc>
+                  <a:txBody>
+                    <a:bodyPr/>
+                    <a:lstStyle/>
+                    <a:p>
+                      <a:r>
+                        <a:rPr lang="tr-TR" dirty="0" err="1"/>
+                        <a:t>Ip</a:t>
+                      </a:r>
+                      <a:r>
+                        <a:rPr lang="tr-TR" dirty="0"/>
+                        <a:t> (</a:t>
+                      </a:r>
+                      <a:r>
+                        <a:rPr lang="tr-TR" dirty="0" err="1"/>
+                        <a:t>peak</a:t>
+                      </a:r>
+                      <a:r>
+                        <a:rPr lang="tr-TR" dirty="0"/>
+                        <a:t>)</a:t>
+                      </a:r>
+                      <a:endParaRPr lang="en-US" dirty="0"/>
+                    </a:p>
+                  </a:txBody>
+                  <a:tcPr>
+                    <a:lnL w="12700" cap="flat" cmpd="sng" algn="ctr">
+                      <a:solidFill>
+                        <a:schemeClr val="tx1"/>
+                      </a:solidFill>
+                      <a:prstDash val="solid"/>
+                      <a:round/>
+                      <a:headEnd type="none" w="med" len="med"/>
+                      <a:tailEnd type="none" w="med" len="med"/>
+                    </a:lnL>
+                    <a:lnR w="12700" cmpd="sng">
+                      <a:solidFill>
+                        <a:schemeClr val="tx1"/>
+                      </a:solidFill>
+                      <a:prstDash val="solid"/>
+                    </a:lnR>
+                    <a:lnT w="12700" cmpd="sng">
+                      <a:solidFill>
+                        <a:schemeClr val="tx1"/>
+                      </a:solidFill>
+                      <a:prstDash val="solid"/>
+                    </a:lnT>
+                    <a:lnB w="12700" cap="flat" cmpd="sng" algn="ctr">
+                      <a:solidFill>
+                        <a:schemeClr val="tx1"/>
+                      </a:solidFill>
+                      <a:prstDash val="solid"/>
+                      <a:round/>
+                      <a:headEnd type="none" w="med" len="med"/>
+                      <a:tailEnd type="none" w="med" len="med"/>
+                    </a:lnB>
+                  </a:tcPr>
+                </a:tc>
+                <a:tc>
+                  <a:txBody>
+                    <a:bodyPr/>
+                    <a:lstStyle/>
+                    <a:p>
+                      <a:r>
+                        <a:rPr lang="tr-TR" dirty="0"/>
+                        <a:t>Is1(</a:t>
+                      </a:r>
+                      <a:r>
+                        <a:rPr lang="tr-TR" dirty="0" err="1"/>
+                        <a:t>peak</a:t>
+                      </a:r>
+                      <a:r>
+                        <a:rPr lang="tr-TR" dirty="0"/>
+                        <a:t>)</a:t>
+                      </a:r>
+                      <a:endParaRPr lang="en-US" dirty="0"/>
+                    </a:p>
+                  </a:txBody>
+                  <a:tcPr>
+                    <a:lnL w="12700" cap="flat" cmpd="sng" algn="ctr">
+                      <a:solidFill>
+                        <a:schemeClr val="tx1"/>
+                      </a:solidFill>
+                      <a:prstDash val="solid"/>
+                      <a:round/>
+                      <a:headEnd type="none" w="med" len="med"/>
+                      <a:tailEnd type="none" w="med" len="med"/>
+                    </a:lnL>
+                    <a:lnR w="12700" cmpd="sng">
+                      <a:solidFill>
+                        <a:schemeClr val="tx1"/>
+                      </a:solidFill>
+                      <a:prstDash val="solid"/>
+                    </a:lnR>
+                    <a:lnT w="12700" cmpd="sng">
+                      <a:solidFill>
+                        <a:schemeClr val="tx1"/>
+                      </a:solidFill>
+                      <a:prstDash val="solid"/>
+                    </a:lnT>
+                    <a:lnB w="12700" cap="flat" cmpd="sng" algn="ctr">
+                      <a:solidFill>
+                        <a:schemeClr val="tx1"/>
+                      </a:solidFill>
+                      <a:prstDash val="solid"/>
+                      <a:round/>
+                      <a:headEnd type="none" w="med" len="med"/>
+                      <a:tailEnd type="none" w="med" len="med"/>
+                    </a:lnB>
+                  </a:tcPr>
+                </a:tc>
+                <a:tc>
+                  <a:txBody>
+                    <a:bodyPr/>
+                    <a:lstStyle/>
+                    <a:p>
+                      <a:r>
+                        <a:rPr lang="tr-TR" dirty="0"/>
+                        <a:t>Is2(</a:t>
+                      </a:r>
+                      <a:r>
+                        <a:rPr lang="tr-TR" dirty="0" err="1"/>
+                        <a:t>peak</a:t>
+                      </a:r>
+                      <a:r>
+                        <a:rPr lang="tr-TR" dirty="0"/>
+                        <a:t>)</a:t>
+                      </a:r>
+                      <a:endParaRPr lang="en-US" dirty="0"/>
+                    </a:p>
+                  </a:txBody>
+                  <a:tcPr>
+                    <a:lnL w="12700" cap="flat" cmpd="sng" algn="ctr">
+                      <a:solidFill>
+                        <a:schemeClr val="tx1"/>
+                      </a:solidFill>
+                      <a:prstDash val="solid"/>
+                      <a:round/>
+                      <a:headEnd type="none" w="med" len="med"/>
+                      <a:tailEnd type="none" w="med" len="med"/>
+                    </a:lnL>
+                    <a:lnR w="12700" cap="flat" cmpd="sng" algn="ctr">
+                      <a:solidFill>
+                        <a:schemeClr val="tx1"/>
+                      </a:solidFill>
+                      <a:prstDash val="solid"/>
+                      <a:round/>
+                      <a:headEnd type="none" w="med" len="med"/>
+                      <a:tailEnd type="none" w="med" len="med"/>
+                    </a:lnR>
+                    <a:lnT w="12700" cmpd="sng">
+                      <a:solidFill>
+                        <a:schemeClr val="tx1"/>
+                      </a:solidFill>
+                      <a:prstDash val="solid"/>
+                    </a:lnT>
+                    <a:lnB w="12700" cap="flat" cmpd="sng" algn="ctr">
+                      <a:solidFill>
+                        <a:schemeClr val="tx1"/>
+                      </a:solidFill>
+                      <a:prstDash val="solid"/>
+                      <a:round/>
+                      <a:headEnd type="none" w="med" len="med"/>
+                      <a:tailEnd type="none" w="med" len="med"/>
+                    </a:lnB>
+                  </a:tcPr>
+                </a:tc>
+                <a:tc>
+                  <a:txBody>
+                    <a:bodyPr/>
+                    <a:lstStyle/>
+                    <a:p>
+                      <a:r>
+                        <a:rPr lang="tr-TR" dirty="0" err="1"/>
+                        <a:t>Ip</a:t>
+                      </a:r>
+                      <a:r>
+                        <a:rPr lang="tr-TR" dirty="0"/>
+                        <a:t> (</a:t>
+                      </a:r>
+                      <a:r>
+                        <a:rPr lang="tr-TR" dirty="0" err="1"/>
+                        <a:t>angle</a:t>
+                      </a:r>
+                      <a:r>
+                        <a:rPr lang="tr-TR" dirty="0"/>
+                        <a:t>)</a:t>
+                      </a:r>
+                      <a:endParaRPr lang="en-US" dirty="0"/>
+                    </a:p>
+                  </a:txBody>
+                  <a:tcPr>
+                    <a:lnL w="12700" cap="flat" cmpd="sng" algn="ctr">
+                      <a:solidFill>
+                        <a:schemeClr val="tx1"/>
+                      </a:solidFill>
+                      <a:prstDash val="solid"/>
+                      <a:round/>
+                      <a:headEnd type="none" w="med" len="med"/>
+                      <a:tailEnd type="none" w="med" len="med"/>
+                    </a:lnL>
+                    <a:lnR w="12700" cmpd="sng">
+                      <a:solidFill>
+                        <a:schemeClr val="tx1"/>
+                      </a:solidFill>
+                      <a:prstDash val="solid"/>
+                    </a:lnR>
+                    <a:lnT w="12700" cmpd="sng">
+                      <a:solidFill>
+                        <a:schemeClr val="tx1"/>
+                      </a:solidFill>
+                      <a:prstDash val="solid"/>
+                    </a:lnT>
+                    <a:lnB w="12700" cap="flat" cmpd="sng" algn="ctr">
+                      <a:solidFill>
+                        <a:schemeClr val="tx1"/>
+                      </a:solidFill>
+                      <a:prstDash val="solid"/>
+                      <a:round/>
+                      <a:headEnd type="none" w="med" len="med"/>
+                      <a:tailEnd type="none" w="med" len="med"/>
+                    </a:lnB>
+                  </a:tcPr>
+                </a:tc>
+                <a:tc>
+                  <a:txBody>
+                    <a:bodyPr/>
+                    <a:lstStyle/>
+                    <a:p>
+                      <a:r>
+                        <a:rPr lang="tr-TR" dirty="0"/>
+                        <a:t>Is1(</a:t>
+                      </a:r>
+                      <a:r>
+                        <a:rPr lang="tr-TR" dirty="0" err="1"/>
+                        <a:t>angle</a:t>
+                      </a:r>
+                      <a:r>
+                        <a:rPr lang="tr-TR" dirty="0"/>
+                        <a:t>)</a:t>
+                      </a:r>
+                      <a:endParaRPr lang="en-US" dirty="0"/>
+                    </a:p>
+                  </a:txBody>
+                  <a:tcPr>
+                    <a:lnL w="12700" cap="flat" cmpd="sng" algn="ctr">
+                      <a:solidFill>
+                        <a:schemeClr val="tx1"/>
+                      </a:solidFill>
+                      <a:prstDash val="solid"/>
+                      <a:round/>
+                      <a:headEnd type="none" w="med" len="med"/>
+                      <a:tailEnd type="none" w="med" len="med"/>
+                    </a:lnL>
+                    <a:lnR w="12700" cmpd="sng">
+                      <a:solidFill>
+                        <a:schemeClr val="tx1"/>
+                      </a:solidFill>
+                      <a:prstDash val="solid"/>
+                    </a:lnR>
+                    <a:lnT w="12700" cmpd="sng">
+                      <a:solidFill>
+                        <a:schemeClr val="tx1"/>
+                      </a:solidFill>
+                      <a:prstDash val="solid"/>
+                    </a:lnT>
+                    <a:lnB w="12700" cap="flat" cmpd="sng" algn="ctr">
+                      <a:solidFill>
+                        <a:schemeClr val="tx1"/>
+                      </a:solidFill>
+                      <a:prstDash val="solid"/>
+                      <a:round/>
+                      <a:headEnd type="none" w="med" len="med"/>
+                      <a:tailEnd type="none" w="med" len="med"/>
+                    </a:lnB>
+                  </a:tcPr>
+                </a:tc>
+                <a:tc>
+                  <a:txBody>
+                    <a:bodyPr/>
+                    <a:lstStyle/>
+                    <a:p>
+                      <a:r>
+                        <a:rPr lang="tr-TR" dirty="0"/>
+                        <a:t>Is2(</a:t>
+                      </a:r>
+                      <a:r>
+                        <a:rPr lang="tr-TR" dirty="0" err="1"/>
+                        <a:t>angle</a:t>
+                      </a:r>
+                      <a:r>
+                        <a:rPr lang="tr-TR" dirty="0"/>
+                        <a:t>)</a:t>
+                      </a:r>
+                      <a:endParaRPr lang="en-US" dirty="0"/>
+                    </a:p>
+                  </a:txBody>
+                  <a:tcPr>
+                    <a:lnL w="12700" cap="flat" cmpd="sng" algn="ctr">
+                      <a:solidFill>
+                        <a:schemeClr val="tx1"/>
+                      </a:solidFill>
+                      <a:prstDash val="solid"/>
+                      <a:round/>
+                      <a:headEnd type="none" w="med" len="med"/>
+                      <a:tailEnd type="none" w="med" len="med"/>
+                    </a:lnL>
+                    <a:lnR w="12700" cmpd="sng">
+                      <a:solidFill>
+                        <a:schemeClr val="tx1"/>
+                      </a:solidFill>
+                      <a:prstDash val="solid"/>
+                    </a:lnR>
+                    <a:lnT w="12700" cmpd="sng">
+                      <a:solidFill>
+                        <a:schemeClr val="tx1"/>
+                      </a:solidFill>
+                      <a:prstDash val="solid"/>
+                    </a:lnT>
+                    <a:lnB w="12700" cap="flat" cmpd="sng" algn="ctr">
+                      <a:solidFill>
+                        <a:schemeClr val="tx1"/>
+                      </a:solidFill>
+                      <a:prstDash val="solid"/>
+                      <a:round/>
+                      <a:headEnd type="none" w="med" len="med"/>
+                      <a:tailEnd type="none" w="med" len="med"/>
+                    </a:lnB>
+                  </a:tcPr>
+                </a:tc>
+                <a:extLst>
+                  <a:ext uri="{0D108BD9-81ED-4DB2-BD59-A6C34878D82A}">
+                    <a16:rowId xmlns:a16="http://schemas.microsoft.com/office/drawing/2014/main" val="2648448771"/>
+                  </a:ext>
+                </a:extLst>
+              </a:tr>
+              <a:tr h="315532">
+                <a:tc>
+                  <a:txBody>
+                    <a:bodyPr/>
+                    <a:lstStyle/>
+                    <a:p>
+                      <a:pPr marL="0" marR="0" lvl="0" indent="0" algn="l" defTabSz="914400" rtl="0" eaLnBrk="1" fontAlgn="auto" latinLnBrk="0" hangingPunct="1">
+                        <a:lnSpc>
+                          <a:spcPct val="100000"/>
+                        </a:lnSpc>
+                        <a:spcBef>
+                          <a:spcPts val="0"/>
+                        </a:spcBef>
+                        <a:spcAft>
+                          <a:spcPts val="0"/>
+                        </a:spcAft>
+                        <a:buClrTx/>
+                        <a:buSzTx/>
+                        <a:buFontTx/>
+                        <a:buNone/>
+                        <a:tabLst/>
+                        <a:defRPr/>
+                      </a:pPr>
+                      <a:r>
+                        <a:rPr lang="tr-TR" dirty="0"/>
+                        <a:t>156.8kHz</a:t>
+                      </a:r>
+                      <a:endParaRPr lang="en-US" dirty="0"/>
+                    </a:p>
+                  </a:txBody>
+                  <a:tcPr>
+                    <a:lnL w="12700" cmpd="sng">
+                      <a:solidFill>
+                        <a:schemeClr val="tx1"/>
+                      </a:solidFill>
+                      <a:prstDash val="solid"/>
+                    </a:lnL>
+                    <a:lnR w="12700" cap="flat" cmpd="sng" algn="ctr">
+                      <a:solidFill>
+                        <a:schemeClr val="tx1"/>
+                      </a:solidFill>
+                      <a:prstDash val="solid"/>
+                      <a:round/>
+                      <a:headEnd type="none" w="med" len="med"/>
+                      <a:tailEnd type="none" w="med" len="med"/>
+                    </a:lnR>
+                    <a:lnT w="12700" cap="flat" cmpd="sng" algn="ctr">
+                      <a:solidFill>
+                        <a:schemeClr val="tx1"/>
+                      </a:solidFill>
+                      <a:prstDash val="solid"/>
+                      <a:round/>
+                      <a:headEnd type="none" w="med" len="med"/>
+                      <a:tailEnd type="none" w="med" len="med"/>
+                    </a:lnT>
+                    <a:lnB w="12700" cmpd="sng">
+                      <a:solidFill>
+                        <a:schemeClr val="tx1"/>
+                      </a:solidFill>
+                      <a:prstDash val="solid"/>
+                    </a:lnB>
+                  </a:tcPr>
+                </a:tc>
+                <a:tc>
+                  <a:txBody>
+                    <a:bodyPr/>
+                    <a:lstStyle/>
+                    <a:p>
+                      <a:pPr marL="0" marR="0" lvl="0" indent="0" algn="l" defTabSz="914400" rtl="0" eaLnBrk="1" fontAlgn="auto" latinLnBrk="0" hangingPunct="1">
+                        <a:lnSpc>
+                          <a:spcPct val="100000"/>
+                        </a:lnSpc>
+                        <a:spcBef>
+                          <a:spcPts val="0"/>
+                        </a:spcBef>
+                        <a:spcAft>
+                          <a:spcPts val="0"/>
+                        </a:spcAft>
+                        <a:buClrTx/>
+                        <a:buSzTx/>
+                        <a:buFontTx/>
+                        <a:buNone/>
+                        <a:tabLst/>
+                        <a:defRPr/>
+                      </a:pPr>
+                      <a:r>
+                        <a:rPr lang="tr-TR" dirty="0"/>
+                        <a:t>7.25A</a:t>
+                      </a:r>
+                      <a:endParaRPr lang="en-US" dirty="0"/>
+                    </a:p>
+                  </a:txBody>
+                  <a:tcPr>
+                    <a:lnL w="12700" cap="flat" cmpd="sng" algn="ctr">
+                      <a:solidFill>
+                        <a:schemeClr val="tx1"/>
+                      </a:solidFill>
+                      <a:prstDash val="solid"/>
+                      <a:round/>
+                      <a:headEnd type="none" w="med" len="med"/>
+                      <a:tailEnd type="none" w="med" len="med"/>
+                    </a:lnL>
+                    <a:lnR w="12700" cap="flat" cmpd="sng" algn="ctr">
+                      <a:solidFill>
+                        <a:schemeClr val="tx1"/>
+                      </a:solidFill>
+                      <a:prstDash val="solid"/>
+                      <a:round/>
+                      <a:headEnd type="none" w="med" len="med"/>
+                      <a:tailEnd type="none" w="med" len="med"/>
+                    </a:lnR>
+                    <a:lnT w="12700" cap="flat" cmpd="sng" algn="ctr">
+                      <a:solidFill>
+                        <a:schemeClr val="tx1"/>
+                      </a:solidFill>
+                      <a:prstDash val="solid"/>
+                      <a:round/>
+                      <a:headEnd type="none" w="med" len="med"/>
+                      <a:tailEnd type="none" w="med" len="med"/>
+                    </a:lnT>
+                    <a:lnB w="12700" cmpd="sng">
+                      <a:solidFill>
+                        <a:schemeClr val="tx1"/>
+                      </a:solidFill>
+                      <a:prstDash val="solid"/>
+                    </a:lnB>
+                  </a:tcPr>
+                </a:tc>
+                <a:tc>
+                  <a:txBody>
+                    <a:bodyPr/>
+                    <a:lstStyle/>
+                    <a:p>
+                      <a:r>
+                        <a:rPr lang="tr-TR" dirty="0"/>
+                        <a:t>1.17A</a:t>
+                      </a:r>
+                      <a:endParaRPr lang="en-US" dirty="0"/>
+                    </a:p>
+                  </a:txBody>
+                  <a:tcPr>
+                    <a:lnL w="12700" cap="flat" cmpd="sng" algn="ctr">
+                      <a:solidFill>
+                        <a:schemeClr val="tx1"/>
+                      </a:solidFill>
+                      <a:prstDash val="solid"/>
+                      <a:round/>
+                      <a:headEnd type="none" w="med" len="med"/>
+                      <a:tailEnd type="none" w="med" len="med"/>
+                    </a:lnL>
+                    <a:lnR w="12700" cap="flat" cmpd="sng" algn="ctr">
+                      <a:solidFill>
+                        <a:schemeClr val="tx1"/>
+                      </a:solidFill>
+                      <a:prstDash val="solid"/>
+                      <a:round/>
+                      <a:headEnd type="none" w="med" len="med"/>
+                      <a:tailEnd type="none" w="med" len="med"/>
+                    </a:lnR>
+                    <a:lnT w="12700" cap="flat" cmpd="sng" algn="ctr">
+                      <a:solidFill>
+                        <a:schemeClr val="tx1"/>
+                      </a:solidFill>
+                      <a:prstDash val="solid"/>
+                      <a:round/>
+                      <a:headEnd type="none" w="med" len="med"/>
+                      <a:tailEnd type="none" w="med" len="med"/>
+                    </a:lnT>
+                    <a:lnB w="12700" cmpd="sng">
+                      <a:solidFill>
+                        <a:schemeClr val="tx1"/>
+                      </a:solidFill>
+                      <a:prstDash val="solid"/>
+                    </a:lnB>
+                  </a:tcPr>
+                </a:tc>
+                <a:tc>
+                  <a:txBody>
+                    <a:bodyPr/>
+                    <a:lstStyle/>
+                    <a:p>
+                      <a:r>
+                        <a:rPr lang="tr-TR" dirty="0"/>
+                        <a:t>5.09A</a:t>
+                      </a:r>
+                      <a:endParaRPr lang="en-US" dirty="0"/>
+                    </a:p>
+                  </a:txBody>
+                  <a:tcPr>
+                    <a:lnL w="12700" cap="flat" cmpd="sng" algn="ctr">
+                      <a:solidFill>
+                        <a:schemeClr val="tx1"/>
+                      </a:solidFill>
+                      <a:prstDash val="solid"/>
+                      <a:round/>
+                      <a:headEnd type="none" w="med" len="med"/>
+                      <a:tailEnd type="none" w="med" len="med"/>
+                    </a:lnL>
+                    <a:lnR w="12700" cap="flat" cmpd="sng" algn="ctr">
+                      <a:solidFill>
+                        <a:schemeClr val="tx1"/>
+                      </a:solidFill>
+                      <a:prstDash val="solid"/>
+                      <a:round/>
+                      <a:headEnd type="none" w="med" len="med"/>
+                      <a:tailEnd type="none" w="med" len="med"/>
+                    </a:lnR>
+                    <a:lnT w="12700" cap="flat" cmpd="sng" algn="ctr">
+                      <a:solidFill>
+                        <a:schemeClr val="tx1"/>
+                      </a:solidFill>
+                      <a:prstDash val="solid"/>
+                      <a:round/>
+                      <a:headEnd type="none" w="med" len="med"/>
+                      <a:tailEnd type="none" w="med" len="med"/>
+                    </a:lnT>
+                    <a:lnB w="12700" cmpd="sng">
+                      <a:solidFill>
+                        <a:schemeClr val="tx1"/>
+                      </a:solidFill>
+                      <a:prstDash val="solid"/>
+                    </a:lnB>
+                  </a:tcPr>
+                </a:tc>
+                <a:tc>
+                  <a:txBody>
+                    <a:bodyPr/>
+                    <a:lstStyle/>
+                    <a:p>
+                      <a:r>
+                        <a:rPr lang="tr-TR" dirty="0"/>
+                        <a:t>22.8711</a:t>
+                      </a:r>
+                      <a:endParaRPr lang="en-US" dirty="0"/>
+                    </a:p>
+                  </a:txBody>
+                  <a:tcPr>
+                    <a:lnL w="12700" cap="flat" cmpd="sng" algn="ctr">
+                      <a:solidFill>
+                        <a:schemeClr val="tx1"/>
+                      </a:solidFill>
+                      <a:prstDash val="solid"/>
+                      <a:round/>
+                      <a:headEnd type="none" w="med" len="med"/>
+                      <a:tailEnd type="none" w="med" len="med"/>
+                    </a:lnL>
+                    <a:lnR w="12700" cap="flat" cmpd="sng" algn="ctr">
+                      <a:solidFill>
+                        <a:schemeClr val="tx1"/>
+                      </a:solidFill>
+                      <a:prstDash val="solid"/>
+                      <a:round/>
+                      <a:headEnd type="none" w="med" len="med"/>
+                      <a:tailEnd type="none" w="med" len="med"/>
+                    </a:lnR>
+                    <a:lnT w="12700" cap="flat" cmpd="sng" algn="ctr">
+                      <a:solidFill>
+                        <a:schemeClr val="tx1"/>
+                      </a:solidFill>
+                      <a:prstDash val="solid"/>
+                      <a:round/>
+                      <a:headEnd type="none" w="med" len="med"/>
+                      <a:tailEnd type="none" w="med" len="med"/>
+                    </a:lnT>
+                    <a:lnB w="12700" cmpd="sng">
+                      <a:solidFill>
+                        <a:schemeClr val="tx1"/>
+                      </a:solidFill>
+                      <a:prstDash val="solid"/>
+                    </a:lnB>
+                  </a:tcPr>
+                </a:tc>
+                <a:tc>
+                  <a:txBody>
+                    <a:bodyPr/>
+                    <a:lstStyle/>
+                    <a:p>
+                      <a:r>
+                        <a:rPr lang="tr-TR" dirty="0"/>
+                        <a:t>74.8448</a:t>
+                      </a:r>
+                      <a:endParaRPr lang="en-US" dirty="0"/>
+                    </a:p>
+                  </a:txBody>
+                  <a:tcPr>
+                    <a:lnL w="12700" cap="flat" cmpd="sng" algn="ctr">
+                      <a:solidFill>
+                        <a:schemeClr val="tx1"/>
+                      </a:solidFill>
+                      <a:prstDash val="solid"/>
+                      <a:round/>
+                      <a:headEnd type="none" w="med" len="med"/>
+                      <a:tailEnd type="none" w="med" len="med"/>
+                    </a:lnL>
+                    <a:lnR w="12700" cap="flat" cmpd="sng" algn="ctr">
+                      <a:solidFill>
+                        <a:schemeClr val="tx1"/>
+                      </a:solidFill>
+                      <a:prstDash val="solid"/>
+                      <a:round/>
+                      <a:headEnd type="none" w="med" len="med"/>
+                      <a:tailEnd type="none" w="med" len="med"/>
+                    </a:lnR>
+                    <a:lnT w="12700" cap="flat" cmpd="sng" algn="ctr">
+                      <a:solidFill>
+                        <a:schemeClr val="tx1"/>
+                      </a:solidFill>
+                      <a:prstDash val="solid"/>
+                      <a:round/>
+                      <a:headEnd type="none" w="med" len="med"/>
+                      <a:tailEnd type="none" w="med" len="med"/>
+                    </a:lnT>
+                    <a:lnB w="12700" cmpd="sng">
+                      <a:solidFill>
+                        <a:schemeClr val="tx1"/>
+                      </a:solidFill>
+                      <a:prstDash val="solid"/>
+                    </a:lnB>
+                  </a:tcPr>
+                </a:tc>
+                <a:tc>
+                  <a:txBody>
+                    <a:bodyPr/>
+                    <a:lstStyle/>
+                    <a:p>
+                      <a:r>
+                        <a:rPr lang="tr-TR" dirty="0"/>
+                        <a:t>44.1957</a:t>
+                      </a:r>
+                      <a:endParaRPr lang="en-US" dirty="0"/>
+                    </a:p>
+                  </a:txBody>
+                  <a:tcPr>
+                    <a:lnL w="12700" cap="flat" cmpd="sng" algn="ctr">
+                      <a:solidFill>
+                        <a:schemeClr val="tx1"/>
+                      </a:solidFill>
+                      <a:prstDash val="solid"/>
+                      <a:round/>
+                      <a:headEnd type="none" w="med" len="med"/>
+                      <a:tailEnd type="none" w="med" len="med"/>
+                    </a:lnL>
+                    <a:lnR w="12700" cmpd="sng">
+                      <a:solidFill>
+                        <a:schemeClr val="tx1"/>
+                      </a:solidFill>
+                      <a:prstDash val="solid"/>
+                    </a:lnR>
+                    <a:lnT w="12700" cap="flat" cmpd="sng" algn="ctr">
+                      <a:solidFill>
+                        <a:schemeClr val="tx1"/>
+                      </a:solidFill>
+                      <a:prstDash val="solid"/>
+                      <a:round/>
+                      <a:headEnd type="none" w="med" len="med"/>
+                      <a:tailEnd type="none" w="med" len="med"/>
+                    </a:lnT>
+                    <a:lnB w="12700" cmpd="sng">
+                      <a:solidFill>
+                        <a:schemeClr val="tx1"/>
+                      </a:solidFill>
+                      <a:prstDash val="solid"/>
+                    </a:lnB>
+                  </a:tcPr>
+                </a:tc>
+                <a:extLst>
+                  <a:ext uri="{0D108BD9-81ED-4DB2-BD59-A6C34878D82A}">
+                    <a16:rowId xmlns:a16="http://schemas.microsoft.com/office/drawing/2014/main" val="4134305895"/>
+                  </a:ext>
+                </a:extLst>
+              </a:tr>
+            </a:tbl>
+          </a:graphicData>
+        </a:graphic>
+      </p:graphicFrame>
+      <p:pic>
+        <p:nvPicPr>
+          <p:cNvPr id="3" name="Picture 2">
+            <a:extLst>
+              <a:ext uri="{FF2B5EF4-FFF2-40B4-BE49-F238E27FC236}">
+                <a16:creationId xmlns:a16="http://schemas.microsoft.com/office/drawing/2014/main" id="{CAFDC721-3C6F-4D61-BCFB-BC640F8A50FB}"/>
+              </a:ext>
+            </a:extLst>
+          </p:cNvPr>
+          <p:cNvPicPr>
+            <a:picLocks noChangeAspect="1"/>
+          </p:cNvPicPr>
+          <p:nvPr/>
+        </p:nvPicPr>
+        <p:blipFill>
+          <a:blip r:embed="rId2"/>
+          <a:stretch>
+            <a:fillRect/>
+          </a:stretch>
+        </p:blipFill>
+        <p:spPr>
+          <a:xfrm>
+            <a:off x="839271" y="631022"/>
+            <a:ext cx="9641983" cy="4881254"/>
+          </a:xfrm>
+          <a:prstGeom prst="rect">
+            <a:avLst/>
+          </a:prstGeom>
+        </p:spPr>
+      </p:pic>
+    </p:spTree>
+    <p:extLst>
+      <p:ext uri="{BB962C8B-B14F-4D97-AF65-F5344CB8AC3E}">
+        <p14:creationId xmlns:p14="http://schemas.microsoft.com/office/powerpoint/2010/main" val="155743455"/>
+      </p:ext>
+    </p:extLst>
+  </p:cSld>
+  <p:clrMapOvr>
+    <a:masterClrMapping/>
+  </p:clrMapOvr>
+</p:sld>
+</file>
+
+<file path=ppt/slides/slide16.xml><?xml version="1.0" encoding="utf-8"?>
+<p:sld xmlns:a="http://schemas.openxmlformats.org/drawingml/2006/main" xmlns:r="http://schemas.openxmlformats.org/officeDocument/2006/relationships" xmlns:p="http://schemas.openxmlformats.org/presentationml/2006/main">
+  <p:cSld>
+    <p:spTree>
+      <p:nvGrpSpPr>
+        <p:cNvPr id="1" name=""/>
+        <p:cNvGrpSpPr/>
+        <p:nvPr/>
+      </p:nvGrpSpPr>
+      <p:grpSpPr>
+        <a:xfrm>
+          <a:off x="0" y="0"/>
+          <a:ext cx="0" cy="0"/>
+          <a:chOff x="0" y="0"/>
+          <a:chExt cx="0" cy="0"/>
+        </a:xfrm>
+      </p:grpSpPr>
+      <p:sp>
+        <p:nvSpPr>
+          <p:cNvPr id="4" name="TextBox 3">
+            <a:extLst>
+              <a:ext uri="{FF2B5EF4-FFF2-40B4-BE49-F238E27FC236}">
+                <a16:creationId xmlns:a16="http://schemas.microsoft.com/office/drawing/2014/main" id="{30D46B1F-898C-42FD-9C77-F9AAB88D12B5}"/>
+              </a:ext>
+            </a:extLst>
+          </p:cNvPr>
+          <p:cNvSpPr txBox="1"/>
+          <p:nvPr/>
+        </p:nvSpPr>
+        <p:spPr>
+          <a:xfrm>
+            <a:off x="3825026" y="197296"/>
+            <a:ext cx="5183747" cy="369332"/>
+          </a:xfrm>
+          <a:prstGeom prst="rect">
+            <a:avLst/>
+          </a:prstGeom>
+          <a:noFill/>
+        </p:spPr>
+        <p:txBody>
+          <a:bodyPr wrap="square" rtlCol="0">
+            <a:spAutoFit/>
+          </a:bodyPr>
+          <a:lstStyle/>
+          <a:p>
+            <a:r>
+              <a:rPr lang="tr-TR" dirty="0"/>
+              <a:t>MA-Decoupled-135kHz (4)</a:t>
+            </a:r>
+            <a:endParaRPr lang="en-US" dirty="0"/>
+          </a:p>
+        </p:txBody>
+      </p:sp>
+      <p:graphicFrame>
+        <p:nvGraphicFramePr>
+          <p:cNvPr id="6" name="Table 5">
+            <a:extLst>
+              <a:ext uri="{FF2B5EF4-FFF2-40B4-BE49-F238E27FC236}">
+                <a16:creationId xmlns:a16="http://schemas.microsoft.com/office/drawing/2014/main" id="{3236E169-B333-4F09-8960-C27FA01561E2}"/>
+              </a:ext>
+            </a:extLst>
+          </p:cNvPr>
+          <p:cNvGraphicFramePr>
+            <a:graphicFrameLocks noGrp="1"/>
+          </p:cNvGraphicFramePr>
+          <p:nvPr>
+            <p:extLst>
+              <p:ext uri="{D42A27DB-BD31-4B8C-83A1-F6EECF244321}">
+                <p14:modId xmlns:p14="http://schemas.microsoft.com/office/powerpoint/2010/main" val="947852613"/>
+              </p:ext>
+            </p:extLst>
+          </p:nvPr>
+        </p:nvGraphicFramePr>
+        <p:xfrm>
+          <a:off x="441102" y="5804760"/>
+          <a:ext cx="10760295" cy="731520"/>
+        </p:xfrm>
+        <a:graphic>
+          <a:graphicData uri="http://schemas.openxmlformats.org/drawingml/2006/table">
+            <a:tbl>
+              <a:tblPr/>
+              <a:tblGrid>
+                <a:gridCol w="1537185">
+                  <a:extLst>
+                    <a:ext uri="{9D8B030D-6E8A-4147-A177-3AD203B41FA5}">
+                      <a16:colId xmlns:a16="http://schemas.microsoft.com/office/drawing/2014/main" val="3339891136"/>
+                    </a:ext>
+                  </a:extLst>
+                </a:gridCol>
+                <a:gridCol w="1537185">
+                  <a:extLst>
+                    <a:ext uri="{9D8B030D-6E8A-4147-A177-3AD203B41FA5}">
+                      <a16:colId xmlns:a16="http://schemas.microsoft.com/office/drawing/2014/main" val="1471215429"/>
+                    </a:ext>
+                  </a:extLst>
+                </a:gridCol>
+                <a:gridCol w="1537185">
+                  <a:extLst>
+                    <a:ext uri="{9D8B030D-6E8A-4147-A177-3AD203B41FA5}">
+                      <a16:colId xmlns:a16="http://schemas.microsoft.com/office/drawing/2014/main" val="268356510"/>
+                    </a:ext>
+                  </a:extLst>
+                </a:gridCol>
+                <a:gridCol w="1537185">
+                  <a:extLst>
+                    <a:ext uri="{9D8B030D-6E8A-4147-A177-3AD203B41FA5}">
+                      <a16:colId xmlns:a16="http://schemas.microsoft.com/office/drawing/2014/main" val="414559488"/>
+                    </a:ext>
+                  </a:extLst>
+                </a:gridCol>
+                <a:gridCol w="1537185">
+                  <a:extLst>
+                    <a:ext uri="{9D8B030D-6E8A-4147-A177-3AD203B41FA5}">
+                      <a16:colId xmlns:a16="http://schemas.microsoft.com/office/drawing/2014/main" val="1780938479"/>
+                    </a:ext>
+                  </a:extLst>
+                </a:gridCol>
+                <a:gridCol w="1537185">
+                  <a:extLst>
+                    <a:ext uri="{9D8B030D-6E8A-4147-A177-3AD203B41FA5}">
+                      <a16:colId xmlns:a16="http://schemas.microsoft.com/office/drawing/2014/main" val="757650095"/>
+                    </a:ext>
+                  </a:extLst>
+                </a:gridCol>
+                <a:gridCol w="1537185">
+                  <a:extLst>
+                    <a:ext uri="{9D8B030D-6E8A-4147-A177-3AD203B41FA5}">
+                      <a16:colId xmlns:a16="http://schemas.microsoft.com/office/drawing/2014/main" val="4161997266"/>
+                    </a:ext>
+                  </a:extLst>
+                </a:gridCol>
+              </a:tblGrid>
+              <a:tr h="315532">
+                <a:tc>
+                  <a:txBody>
+                    <a:bodyPr/>
+                    <a:lstStyle/>
+                    <a:p>
+                      <a:r>
+                        <a:rPr lang="tr-TR" dirty="0" err="1"/>
+                        <a:t>Frequency</a:t>
+                      </a:r>
+                      <a:endParaRPr lang="en-US" dirty="0"/>
+                    </a:p>
+                  </a:txBody>
+                  <a:tcPr>
+                    <a:lnL w="12700" cmpd="sng">
+                      <a:solidFill>
+                        <a:schemeClr val="tx1"/>
+                      </a:solidFill>
+                      <a:prstDash val="solid"/>
+                    </a:lnL>
+                    <a:lnR w="12700" cmpd="sng">
+                      <a:solidFill>
+                        <a:schemeClr val="tx1"/>
+                      </a:solidFill>
+                      <a:prstDash val="solid"/>
+                    </a:lnR>
+                    <a:lnT w="12700" cmpd="sng">
+                      <a:solidFill>
+                        <a:schemeClr val="tx1"/>
+                      </a:solidFill>
+                      <a:prstDash val="solid"/>
+                    </a:lnT>
+                    <a:lnB w="12700" cap="flat" cmpd="sng" algn="ctr">
+                      <a:solidFill>
+                        <a:schemeClr val="tx1"/>
+                      </a:solidFill>
+                      <a:prstDash val="solid"/>
+                      <a:round/>
+                      <a:headEnd type="none" w="med" len="med"/>
+                      <a:tailEnd type="none" w="med" len="med"/>
+                    </a:lnB>
+                  </a:tcPr>
+                </a:tc>
+                <a:tc>
+                  <a:txBody>
+                    <a:bodyPr/>
+                    <a:lstStyle/>
+                    <a:p>
+                      <a:r>
+                        <a:rPr lang="tr-TR" dirty="0" err="1"/>
+                        <a:t>Ip</a:t>
+                      </a:r>
+                      <a:r>
+                        <a:rPr lang="tr-TR" dirty="0"/>
+                        <a:t> (</a:t>
+                      </a:r>
+                      <a:r>
+                        <a:rPr lang="tr-TR" dirty="0" err="1"/>
+                        <a:t>peak</a:t>
+                      </a:r>
+                      <a:r>
+                        <a:rPr lang="tr-TR" dirty="0"/>
+                        <a:t>)</a:t>
+                      </a:r>
+                      <a:endParaRPr lang="en-US" dirty="0"/>
+                    </a:p>
+                  </a:txBody>
+                  <a:tcPr>
+                    <a:lnL w="12700" cap="flat" cmpd="sng" algn="ctr">
+                      <a:solidFill>
+                        <a:schemeClr val="tx1"/>
+                      </a:solidFill>
+                      <a:prstDash val="solid"/>
+                      <a:round/>
+                      <a:headEnd type="none" w="med" len="med"/>
+                      <a:tailEnd type="none" w="med" len="med"/>
+                    </a:lnL>
+                    <a:lnR w="12700" cmpd="sng">
+                      <a:solidFill>
+                        <a:schemeClr val="tx1"/>
+                      </a:solidFill>
+                      <a:prstDash val="solid"/>
+                    </a:lnR>
+                    <a:lnT w="12700" cmpd="sng">
+                      <a:solidFill>
+                        <a:schemeClr val="tx1"/>
+                      </a:solidFill>
+                      <a:prstDash val="solid"/>
+                    </a:lnT>
+                    <a:lnB w="12700" cap="flat" cmpd="sng" algn="ctr">
+                      <a:solidFill>
+                        <a:schemeClr val="tx1"/>
+                      </a:solidFill>
+                      <a:prstDash val="solid"/>
+                      <a:round/>
+                      <a:headEnd type="none" w="med" len="med"/>
+                      <a:tailEnd type="none" w="med" len="med"/>
+                    </a:lnB>
+                  </a:tcPr>
+                </a:tc>
+                <a:tc>
+                  <a:txBody>
+                    <a:bodyPr/>
+                    <a:lstStyle/>
+                    <a:p>
+                      <a:r>
+                        <a:rPr lang="tr-TR" dirty="0"/>
+                        <a:t>Is1(</a:t>
+                      </a:r>
+                      <a:r>
+                        <a:rPr lang="tr-TR" dirty="0" err="1"/>
+                        <a:t>peak</a:t>
+                      </a:r>
+                      <a:r>
+                        <a:rPr lang="tr-TR" dirty="0"/>
+                        <a:t>)</a:t>
+                      </a:r>
+                      <a:endParaRPr lang="en-US" dirty="0"/>
+                    </a:p>
+                  </a:txBody>
+                  <a:tcPr>
+                    <a:lnL w="12700" cap="flat" cmpd="sng" algn="ctr">
+                      <a:solidFill>
+                        <a:schemeClr val="tx1"/>
+                      </a:solidFill>
+                      <a:prstDash val="solid"/>
+                      <a:round/>
+                      <a:headEnd type="none" w="med" len="med"/>
+                      <a:tailEnd type="none" w="med" len="med"/>
+                    </a:lnL>
+                    <a:lnR w="12700" cmpd="sng">
+                      <a:solidFill>
+                        <a:schemeClr val="tx1"/>
+                      </a:solidFill>
+                      <a:prstDash val="solid"/>
+                    </a:lnR>
+                    <a:lnT w="12700" cmpd="sng">
+                      <a:solidFill>
+                        <a:schemeClr val="tx1"/>
+                      </a:solidFill>
+                      <a:prstDash val="solid"/>
+                    </a:lnT>
+                    <a:lnB w="12700" cap="flat" cmpd="sng" algn="ctr">
+                      <a:solidFill>
+                        <a:schemeClr val="tx1"/>
+                      </a:solidFill>
+                      <a:prstDash val="solid"/>
+                      <a:round/>
+                      <a:headEnd type="none" w="med" len="med"/>
+                      <a:tailEnd type="none" w="med" len="med"/>
+                    </a:lnB>
+                  </a:tcPr>
+                </a:tc>
+                <a:tc>
+                  <a:txBody>
+                    <a:bodyPr/>
+                    <a:lstStyle/>
+                    <a:p>
+                      <a:r>
+                        <a:rPr lang="tr-TR" dirty="0"/>
+                        <a:t>Is2(</a:t>
+                      </a:r>
+                      <a:r>
+                        <a:rPr lang="tr-TR" dirty="0" err="1"/>
+                        <a:t>peak</a:t>
+                      </a:r>
+                      <a:r>
+                        <a:rPr lang="tr-TR" dirty="0"/>
+                        <a:t>)</a:t>
+                      </a:r>
+                      <a:endParaRPr lang="en-US" dirty="0"/>
+                    </a:p>
+                  </a:txBody>
+                  <a:tcPr>
+                    <a:lnL w="12700" cap="flat" cmpd="sng" algn="ctr">
+                      <a:solidFill>
+                        <a:schemeClr val="tx1"/>
+                      </a:solidFill>
+                      <a:prstDash val="solid"/>
+                      <a:round/>
+                      <a:headEnd type="none" w="med" len="med"/>
+                      <a:tailEnd type="none" w="med" len="med"/>
+                    </a:lnL>
+                    <a:lnR w="12700" cap="flat" cmpd="sng" algn="ctr">
+                      <a:solidFill>
+                        <a:schemeClr val="tx1"/>
+                      </a:solidFill>
+                      <a:prstDash val="solid"/>
+                      <a:round/>
+                      <a:headEnd type="none" w="med" len="med"/>
+                      <a:tailEnd type="none" w="med" len="med"/>
+                    </a:lnR>
+                    <a:lnT w="12700" cmpd="sng">
+                      <a:solidFill>
+                        <a:schemeClr val="tx1"/>
+                      </a:solidFill>
+                      <a:prstDash val="solid"/>
+                    </a:lnT>
+                    <a:lnB w="12700" cap="flat" cmpd="sng" algn="ctr">
+                      <a:solidFill>
+                        <a:schemeClr val="tx1"/>
+                      </a:solidFill>
+                      <a:prstDash val="solid"/>
+                      <a:round/>
+                      <a:headEnd type="none" w="med" len="med"/>
+                      <a:tailEnd type="none" w="med" len="med"/>
+                    </a:lnB>
+                  </a:tcPr>
+                </a:tc>
+                <a:tc>
+                  <a:txBody>
+                    <a:bodyPr/>
+                    <a:lstStyle/>
+                    <a:p>
+                      <a:r>
+                        <a:rPr lang="tr-TR" dirty="0" err="1"/>
+                        <a:t>Ip</a:t>
+                      </a:r>
+                      <a:r>
+                        <a:rPr lang="tr-TR" dirty="0"/>
+                        <a:t> (</a:t>
+                      </a:r>
+                      <a:r>
+                        <a:rPr lang="tr-TR" dirty="0" err="1"/>
+                        <a:t>angle</a:t>
+                      </a:r>
+                      <a:r>
+                        <a:rPr lang="tr-TR" dirty="0"/>
+                        <a:t>)</a:t>
+                      </a:r>
+                      <a:endParaRPr lang="en-US" dirty="0"/>
+                    </a:p>
+                  </a:txBody>
+                  <a:tcPr>
+                    <a:lnL w="12700" cap="flat" cmpd="sng" algn="ctr">
+                      <a:solidFill>
+                        <a:schemeClr val="tx1"/>
+                      </a:solidFill>
+                      <a:prstDash val="solid"/>
+                      <a:round/>
+                      <a:headEnd type="none" w="med" len="med"/>
+                      <a:tailEnd type="none" w="med" len="med"/>
+                    </a:lnL>
+                    <a:lnR w="12700" cmpd="sng">
+                      <a:solidFill>
+                        <a:schemeClr val="tx1"/>
+                      </a:solidFill>
+                      <a:prstDash val="solid"/>
+                    </a:lnR>
+                    <a:lnT w="12700" cmpd="sng">
+                      <a:solidFill>
+                        <a:schemeClr val="tx1"/>
+                      </a:solidFill>
+                      <a:prstDash val="solid"/>
+                    </a:lnT>
+                    <a:lnB w="12700" cap="flat" cmpd="sng" algn="ctr">
+                      <a:solidFill>
+                        <a:schemeClr val="tx1"/>
+                      </a:solidFill>
+                      <a:prstDash val="solid"/>
+                      <a:round/>
+                      <a:headEnd type="none" w="med" len="med"/>
+                      <a:tailEnd type="none" w="med" len="med"/>
+                    </a:lnB>
+                  </a:tcPr>
+                </a:tc>
+                <a:tc>
+                  <a:txBody>
+                    <a:bodyPr/>
+                    <a:lstStyle/>
+                    <a:p>
+                      <a:r>
+                        <a:rPr lang="tr-TR" dirty="0"/>
+                        <a:t>Is1(</a:t>
+                      </a:r>
+                      <a:r>
+                        <a:rPr lang="tr-TR" dirty="0" err="1"/>
+                        <a:t>angle</a:t>
+                      </a:r>
+                      <a:r>
+                        <a:rPr lang="tr-TR" dirty="0"/>
+                        <a:t>)</a:t>
+                      </a:r>
+                      <a:endParaRPr lang="en-US" dirty="0"/>
+                    </a:p>
+                  </a:txBody>
+                  <a:tcPr>
+                    <a:lnL w="12700" cap="flat" cmpd="sng" algn="ctr">
+                      <a:solidFill>
+                        <a:schemeClr val="tx1"/>
+                      </a:solidFill>
+                      <a:prstDash val="solid"/>
+                      <a:round/>
+                      <a:headEnd type="none" w="med" len="med"/>
+                      <a:tailEnd type="none" w="med" len="med"/>
+                    </a:lnL>
+                    <a:lnR w="12700" cmpd="sng">
+                      <a:solidFill>
+                        <a:schemeClr val="tx1"/>
+                      </a:solidFill>
+                      <a:prstDash val="solid"/>
+                    </a:lnR>
+                    <a:lnT w="12700" cmpd="sng">
+                      <a:solidFill>
+                        <a:schemeClr val="tx1"/>
+                      </a:solidFill>
+                      <a:prstDash val="solid"/>
+                    </a:lnT>
+                    <a:lnB w="12700" cap="flat" cmpd="sng" algn="ctr">
+                      <a:solidFill>
+                        <a:schemeClr val="tx1"/>
+                      </a:solidFill>
+                      <a:prstDash val="solid"/>
+                      <a:round/>
+                      <a:headEnd type="none" w="med" len="med"/>
+                      <a:tailEnd type="none" w="med" len="med"/>
+                    </a:lnB>
+                  </a:tcPr>
+                </a:tc>
+                <a:tc>
+                  <a:txBody>
+                    <a:bodyPr/>
+                    <a:lstStyle/>
+                    <a:p>
+                      <a:r>
+                        <a:rPr lang="tr-TR" dirty="0"/>
+                        <a:t>Is2(</a:t>
+                      </a:r>
+                      <a:r>
+                        <a:rPr lang="tr-TR" dirty="0" err="1"/>
+                        <a:t>angle</a:t>
+                      </a:r>
+                      <a:r>
+                        <a:rPr lang="tr-TR" dirty="0"/>
+                        <a:t>)</a:t>
+                      </a:r>
+                      <a:endParaRPr lang="en-US" dirty="0"/>
+                    </a:p>
+                  </a:txBody>
+                  <a:tcPr>
+                    <a:lnL w="12700" cap="flat" cmpd="sng" algn="ctr">
+                      <a:solidFill>
+                        <a:schemeClr val="tx1"/>
+                      </a:solidFill>
+                      <a:prstDash val="solid"/>
+                      <a:round/>
+                      <a:headEnd type="none" w="med" len="med"/>
+                      <a:tailEnd type="none" w="med" len="med"/>
+                    </a:lnL>
+                    <a:lnR w="12700" cmpd="sng">
+                      <a:solidFill>
+                        <a:schemeClr val="tx1"/>
+                      </a:solidFill>
+                      <a:prstDash val="solid"/>
+                    </a:lnR>
+                    <a:lnT w="12700" cmpd="sng">
+                      <a:solidFill>
+                        <a:schemeClr val="tx1"/>
+                      </a:solidFill>
+                      <a:prstDash val="solid"/>
+                    </a:lnT>
+                    <a:lnB w="12700" cap="flat" cmpd="sng" algn="ctr">
+                      <a:solidFill>
+                        <a:schemeClr val="tx1"/>
+                      </a:solidFill>
+                      <a:prstDash val="solid"/>
+                      <a:round/>
+                      <a:headEnd type="none" w="med" len="med"/>
+                      <a:tailEnd type="none" w="med" len="med"/>
+                    </a:lnB>
+                  </a:tcPr>
+                </a:tc>
+                <a:extLst>
+                  <a:ext uri="{0D108BD9-81ED-4DB2-BD59-A6C34878D82A}">
+                    <a16:rowId xmlns:a16="http://schemas.microsoft.com/office/drawing/2014/main" val="2648448771"/>
+                  </a:ext>
+                </a:extLst>
+              </a:tr>
+              <a:tr h="315532">
+                <a:tc>
+                  <a:txBody>
+                    <a:bodyPr/>
+                    <a:lstStyle/>
+                    <a:p>
+                      <a:pPr marL="0" marR="0" lvl="0" indent="0" algn="l" defTabSz="914400" rtl="0" eaLnBrk="1" fontAlgn="auto" latinLnBrk="0" hangingPunct="1">
+                        <a:lnSpc>
+                          <a:spcPct val="100000"/>
+                        </a:lnSpc>
+                        <a:spcBef>
+                          <a:spcPts val="0"/>
+                        </a:spcBef>
+                        <a:spcAft>
+                          <a:spcPts val="0"/>
+                        </a:spcAft>
+                        <a:buClrTx/>
+                        <a:buSzTx/>
+                        <a:buFontTx/>
+                        <a:buNone/>
+                        <a:tabLst/>
+                        <a:defRPr/>
+                      </a:pPr>
+                      <a:r>
+                        <a:rPr lang="tr-TR" dirty="0"/>
+                        <a:t>155.3kHz</a:t>
+                      </a:r>
+                      <a:endParaRPr lang="en-US" dirty="0"/>
+                    </a:p>
+                  </a:txBody>
+                  <a:tcPr>
+                    <a:lnL w="12700" cmpd="sng">
+                      <a:solidFill>
+                        <a:schemeClr val="tx1"/>
+                      </a:solidFill>
+                      <a:prstDash val="solid"/>
+                    </a:lnL>
+                    <a:lnR w="12700" cap="flat" cmpd="sng" algn="ctr">
+                      <a:solidFill>
+                        <a:schemeClr val="tx1"/>
+                      </a:solidFill>
+                      <a:prstDash val="solid"/>
+                      <a:round/>
+                      <a:headEnd type="none" w="med" len="med"/>
+                      <a:tailEnd type="none" w="med" len="med"/>
+                    </a:lnR>
+                    <a:lnT w="12700" cap="flat" cmpd="sng" algn="ctr">
+                      <a:solidFill>
+                        <a:schemeClr val="tx1"/>
+                      </a:solidFill>
+                      <a:prstDash val="solid"/>
+                      <a:round/>
+                      <a:headEnd type="none" w="med" len="med"/>
+                      <a:tailEnd type="none" w="med" len="med"/>
+                    </a:lnT>
+                    <a:lnB w="12700" cmpd="sng">
+                      <a:solidFill>
+                        <a:schemeClr val="tx1"/>
+                      </a:solidFill>
+                      <a:prstDash val="solid"/>
+                    </a:lnB>
+                  </a:tcPr>
+                </a:tc>
+                <a:tc>
+                  <a:txBody>
+                    <a:bodyPr/>
+                    <a:lstStyle/>
+                    <a:p>
+                      <a:pPr marL="0" marR="0" lvl="0" indent="0" algn="l" defTabSz="914400" rtl="0" eaLnBrk="1" fontAlgn="auto" latinLnBrk="0" hangingPunct="1">
+                        <a:lnSpc>
+                          <a:spcPct val="100000"/>
+                        </a:lnSpc>
+                        <a:spcBef>
+                          <a:spcPts val="0"/>
+                        </a:spcBef>
+                        <a:spcAft>
+                          <a:spcPts val="0"/>
+                        </a:spcAft>
+                        <a:buClrTx/>
+                        <a:buSzTx/>
+                        <a:buFontTx/>
+                        <a:buNone/>
+                        <a:tabLst/>
+                        <a:defRPr/>
+                      </a:pPr>
+                      <a:r>
+                        <a:rPr lang="tr-TR" dirty="0"/>
+                        <a:t>7.49A</a:t>
+                      </a:r>
+                      <a:endParaRPr lang="en-US" dirty="0"/>
+                    </a:p>
+                  </a:txBody>
+                  <a:tcPr>
+                    <a:lnL w="12700" cap="flat" cmpd="sng" algn="ctr">
+                      <a:solidFill>
+                        <a:schemeClr val="tx1"/>
+                      </a:solidFill>
+                      <a:prstDash val="solid"/>
+                      <a:round/>
+                      <a:headEnd type="none" w="med" len="med"/>
+                      <a:tailEnd type="none" w="med" len="med"/>
+                    </a:lnL>
+                    <a:lnR w="12700" cap="flat" cmpd="sng" algn="ctr">
+                      <a:solidFill>
+                        <a:schemeClr val="tx1"/>
+                      </a:solidFill>
+                      <a:prstDash val="solid"/>
+                      <a:round/>
+                      <a:headEnd type="none" w="med" len="med"/>
+                      <a:tailEnd type="none" w="med" len="med"/>
+                    </a:lnR>
+                    <a:lnT w="12700" cap="flat" cmpd="sng" algn="ctr">
+                      <a:solidFill>
+                        <a:schemeClr val="tx1"/>
+                      </a:solidFill>
+                      <a:prstDash val="solid"/>
+                      <a:round/>
+                      <a:headEnd type="none" w="med" len="med"/>
+                      <a:tailEnd type="none" w="med" len="med"/>
+                    </a:lnT>
+                    <a:lnB w="12700" cmpd="sng">
+                      <a:solidFill>
+                        <a:schemeClr val="tx1"/>
+                      </a:solidFill>
+                      <a:prstDash val="solid"/>
+                    </a:lnB>
+                  </a:tcPr>
+                </a:tc>
+                <a:tc>
+                  <a:txBody>
+                    <a:bodyPr/>
+                    <a:lstStyle/>
+                    <a:p>
+                      <a:r>
+                        <a:rPr lang="tr-TR" dirty="0"/>
+                        <a:t>2.13A</a:t>
+                      </a:r>
+                      <a:endParaRPr lang="en-US" dirty="0"/>
+                    </a:p>
+                  </a:txBody>
+                  <a:tcPr>
+                    <a:lnL w="12700" cap="flat" cmpd="sng" algn="ctr">
+                      <a:solidFill>
+                        <a:schemeClr val="tx1"/>
+                      </a:solidFill>
+                      <a:prstDash val="solid"/>
+                      <a:round/>
+                      <a:headEnd type="none" w="med" len="med"/>
+                      <a:tailEnd type="none" w="med" len="med"/>
+                    </a:lnL>
+                    <a:lnR w="12700" cap="flat" cmpd="sng" algn="ctr">
+                      <a:solidFill>
+                        <a:schemeClr val="tx1"/>
+                      </a:solidFill>
+                      <a:prstDash val="solid"/>
+                      <a:round/>
+                      <a:headEnd type="none" w="med" len="med"/>
+                      <a:tailEnd type="none" w="med" len="med"/>
+                    </a:lnR>
+                    <a:lnT w="12700" cap="flat" cmpd="sng" algn="ctr">
+                      <a:solidFill>
+                        <a:schemeClr val="tx1"/>
+                      </a:solidFill>
+                      <a:prstDash val="solid"/>
+                      <a:round/>
+                      <a:headEnd type="none" w="med" len="med"/>
+                      <a:tailEnd type="none" w="med" len="med"/>
+                    </a:lnT>
+                    <a:lnB w="12700" cmpd="sng">
+                      <a:solidFill>
+                        <a:schemeClr val="tx1"/>
+                      </a:solidFill>
+                      <a:prstDash val="solid"/>
+                    </a:lnB>
+                  </a:tcPr>
+                </a:tc>
+                <a:tc>
+                  <a:txBody>
+                    <a:bodyPr/>
+                    <a:lstStyle/>
+                    <a:p>
+                      <a:r>
+                        <a:rPr lang="tr-TR" dirty="0"/>
+                        <a:t>4.29A</a:t>
+                      </a:r>
+                      <a:endParaRPr lang="en-US" dirty="0"/>
+                    </a:p>
+                  </a:txBody>
+                  <a:tcPr>
+                    <a:lnL w="12700" cap="flat" cmpd="sng" algn="ctr">
+                      <a:solidFill>
+                        <a:schemeClr val="tx1"/>
+                      </a:solidFill>
+                      <a:prstDash val="solid"/>
+                      <a:round/>
+                      <a:headEnd type="none" w="med" len="med"/>
+                      <a:tailEnd type="none" w="med" len="med"/>
+                    </a:lnL>
+                    <a:lnR w="12700" cap="flat" cmpd="sng" algn="ctr">
+                      <a:solidFill>
+                        <a:schemeClr val="tx1"/>
+                      </a:solidFill>
+                      <a:prstDash val="solid"/>
+                      <a:round/>
+                      <a:headEnd type="none" w="med" len="med"/>
+                      <a:tailEnd type="none" w="med" len="med"/>
+                    </a:lnR>
+                    <a:lnT w="12700" cap="flat" cmpd="sng" algn="ctr">
+                      <a:solidFill>
+                        <a:schemeClr val="tx1"/>
+                      </a:solidFill>
+                      <a:prstDash val="solid"/>
+                      <a:round/>
+                      <a:headEnd type="none" w="med" len="med"/>
+                      <a:tailEnd type="none" w="med" len="med"/>
+                    </a:lnT>
+                    <a:lnB w="12700" cmpd="sng">
+                      <a:solidFill>
+                        <a:schemeClr val="tx1"/>
+                      </a:solidFill>
+                      <a:prstDash val="solid"/>
+                    </a:lnB>
+                  </a:tcPr>
+                </a:tc>
+                <a:tc>
+                  <a:txBody>
+                    <a:bodyPr/>
+                    <a:lstStyle/>
+                    <a:p>
+                      <a:r>
+                        <a:rPr lang="tr-TR" dirty="0"/>
+                        <a:t>18.34</a:t>
+                      </a:r>
+                      <a:endParaRPr lang="en-US" dirty="0"/>
+                    </a:p>
+                  </a:txBody>
+                  <a:tcPr>
+                    <a:lnL w="12700" cap="flat" cmpd="sng" algn="ctr">
+                      <a:solidFill>
+                        <a:schemeClr val="tx1"/>
+                      </a:solidFill>
+                      <a:prstDash val="solid"/>
+                      <a:round/>
+                      <a:headEnd type="none" w="med" len="med"/>
+                      <a:tailEnd type="none" w="med" len="med"/>
+                    </a:lnL>
+                    <a:lnR w="12700" cap="flat" cmpd="sng" algn="ctr">
+                      <a:solidFill>
+                        <a:schemeClr val="tx1"/>
+                      </a:solidFill>
+                      <a:prstDash val="solid"/>
+                      <a:round/>
+                      <a:headEnd type="none" w="med" len="med"/>
+                      <a:tailEnd type="none" w="med" len="med"/>
+                    </a:lnR>
+                    <a:lnT w="12700" cap="flat" cmpd="sng" algn="ctr">
+                      <a:solidFill>
+                        <a:schemeClr val="tx1"/>
+                      </a:solidFill>
+                      <a:prstDash val="solid"/>
+                      <a:round/>
+                      <a:headEnd type="none" w="med" len="med"/>
+                      <a:tailEnd type="none" w="med" len="med"/>
+                    </a:lnT>
+                    <a:lnB w="12700" cmpd="sng">
+                      <a:solidFill>
+                        <a:schemeClr val="tx1"/>
+                      </a:solidFill>
+                      <a:prstDash val="solid"/>
+                    </a:lnB>
+                  </a:tcPr>
+                </a:tc>
+                <a:tc>
+                  <a:txBody>
+                    <a:bodyPr/>
+                    <a:lstStyle/>
+                    <a:p>
+                      <a:r>
+                        <a:rPr lang="tr-TR" dirty="0"/>
+                        <a:t>65.75</a:t>
+                      </a:r>
+                      <a:endParaRPr lang="en-US" dirty="0"/>
+                    </a:p>
+                  </a:txBody>
+                  <a:tcPr>
+                    <a:lnL w="12700" cap="flat" cmpd="sng" algn="ctr">
+                      <a:solidFill>
+                        <a:schemeClr val="tx1"/>
+                      </a:solidFill>
+                      <a:prstDash val="solid"/>
+                      <a:round/>
+                      <a:headEnd type="none" w="med" len="med"/>
+                      <a:tailEnd type="none" w="med" len="med"/>
+                    </a:lnL>
+                    <a:lnR w="12700" cap="flat" cmpd="sng" algn="ctr">
+                      <a:solidFill>
+                        <a:schemeClr val="tx1"/>
+                      </a:solidFill>
+                      <a:prstDash val="solid"/>
+                      <a:round/>
+                      <a:headEnd type="none" w="med" len="med"/>
+                      <a:tailEnd type="none" w="med" len="med"/>
+                    </a:lnR>
+                    <a:lnT w="12700" cap="flat" cmpd="sng" algn="ctr">
+                      <a:solidFill>
+                        <a:schemeClr val="tx1"/>
+                      </a:solidFill>
+                      <a:prstDash val="solid"/>
+                      <a:round/>
+                      <a:headEnd type="none" w="med" len="med"/>
+                      <a:tailEnd type="none" w="med" len="med"/>
+                    </a:lnT>
+                    <a:lnB w="12700" cmpd="sng">
+                      <a:solidFill>
+                        <a:schemeClr val="tx1"/>
+                      </a:solidFill>
+                      <a:prstDash val="solid"/>
+                    </a:lnB>
+                  </a:tcPr>
+                </a:tc>
+                <a:tc>
+                  <a:txBody>
+                    <a:bodyPr/>
+                    <a:lstStyle/>
+                    <a:p>
+                      <a:r>
+                        <a:rPr lang="tr-TR" dirty="0"/>
+                        <a:t>47.75</a:t>
+                      </a:r>
+                      <a:endParaRPr lang="en-US" dirty="0"/>
+                    </a:p>
+                  </a:txBody>
+                  <a:tcPr>
+                    <a:lnL w="12700" cap="flat" cmpd="sng" algn="ctr">
+                      <a:solidFill>
+                        <a:schemeClr val="tx1"/>
+                      </a:solidFill>
+                      <a:prstDash val="solid"/>
+                      <a:round/>
+                      <a:headEnd type="none" w="med" len="med"/>
+                      <a:tailEnd type="none" w="med" len="med"/>
+                    </a:lnL>
+                    <a:lnR w="12700" cmpd="sng">
+                      <a:solidFill>
+                        <a:schemeClr val="tx1"/>
+                      </a:solidFill>
+                      <a:prstDash val="solid"/>
+                    </a:lnR>
+                    <a:lnT w="12700" cap="flat" cmpd="sng" algn="ctr">
+                      <a:solidFill>
+                        <a:schemeClr val="tx1"/>
+                      </a:solidFill>
+                      <a:prstDash val="solid"/>
+                      <a:round/>
+                      <a:headEnd type="none" w="med" len="med"/>
+                      <a:tailEnd type="none" w="med" len="med"/>
+                    </a:lnT>
+                    <a:lnB w="12700" cmpd="sng">
+                      <a:solidFill>
+                        <a:schemeClr val="tx1"/>
+                      </a:solidFill>
+                      <a:prstDash val="solid"/>
+                    </a:lnB>
+                  </a:tcPr>
+                </a:tc>
+                <a:extLst>
+                  <a:ext uri="{0D108BD9-81ED-4DB2-BD59-A6C34878D82A}">
+                    <a16:rowId xmlns:a16="http://schemas.microsoft.com/office/drawing/2014/main" val="4134305895"/>
+                  </a:ext>
+                </a:extLst>
+              </a:tr>
+            </a:tbl>
+          </a:graphicData>
+        </a:graphic>
+      </p:graphicFrame>
+      <p:pic>
+        <p:nvPicPr>
+          <p:cNvPr id="2" name="Picture 1">
+            <a:extLst>
+              <a:ext uri="{FF2B5EF4-FFF2-40B4-BE49-F238E27FC236}">
+                <a16:creationId xmlns:a16="http://schemas.microsoft.com/office/drawing/2014/main" id="{887F4EB3-DD46-41A5-BDE2-D5EF93B270BB}"/>
+              </a:ext>
+            </a:extLst>
+          </p:cNvPr>
+          <p:cNvPicPr>
+            <a:picLocks noChangeAspect="1"/>
+          </p:cNvPicPr>
+          <p:nvPr/>
+        </p:nvPicPr>
+        <p:blipFill>
+          <a:blip r:embed="rId2"/>
+          <a:stretch>
+            <a:fillRect/>
+          </a:stretch>
+        </p:blipFill>
+        <p:spPr>
+          <a:xfrm>
+            <a:off x="780443" y="676139"/>
+            <a:ext cx="9460407" cy="4789331"/>
+          </a:xfrm>
+          <a:prstGeom prst="rect">
+            <a:avLst/>
+          </a:prstGeom>
+        </p:spPr>
+      </p:pic>
+    </p:spTree>
+    <p:extLst>
+      <p:ext uri="{BB962C8B-B14F-4D97-AF65-F5344CB8AC3E}">
+        <p14:creationId xmlns:p14="http://schemas.microsoft.com/office/powerpoint/2010/main" val="3517718263"/>
+      </p:ext>
+    </p:extLst>
+  </p:cSld>
+  <p:clrMapOvr>
+    <a:masterClrMapping/>
+  </p:clrMapOvr>
+</p:sld>
+</file>
+
+<file path=ppt/slides/slide17.xml><?xml version="1.0" encoding="utf-8"?>
+<p:sld xmlns:a="http://schemas.openxmlformats.org/drawingml/2006/main" xmlns:r="http://schemas.openxmlformats.org/officeDocument/2006/relationships" xmlns:p="http://schemas.openxmlformats.org/presentationml/2006/main">
+  <p:cSld>
+    <p:spTree>
+      <p:nvGrpSpPr>
+        <p:cNvPr id="1" name=""/>
+        <p:cNvGrpSpPr/>
+        <p:nvPr/>
+      </p:nvGrpSpPr>
+      <p:grpSpPr>
+        <a:xfrm>
+          <a:off x="0" y="0"/>
+          <a:ext cx="0" cy="0"/>
+          <a:chOff x="0" y="0"/>
+          <a:chExt cx="0" cy="0"/>
+        </a:xfrm>
+      </p:grpSpPr>
+      <p:sp>
+        <p:nvSpPr>
           <p:cNvPr id="2" name="Title 1">
             <a:extLst>
               <a:ext uri="{FF2B5EF4-FFF2-40B4-BE49-F238E27FC236}">
@@ -5592,21 +9755,60 @@
             <p:ph type="title"/>
           </p:nvPr>
         </p:nvSpPr>
-        <p:spPr/>
+        <p:spPr>
+          <a:xfrm>
+            <a:off x="3381778" y="2348472"/>
+            <a:ext cx="4762303" cy="1325563"/>
+          </a:xfrm>
+        </p:spPr>
         <p:txBody>
           <a:bodyPr/>
           <a:lstStyle/>
           <a:p>
-            <a:endParaRPr lang="en-US"/>
+            <a:r>
+              <a:rPr lang="tr-TR" dirty="0"/>
+              <a:t>SPICE MODELS</a:t>
+            </a:r>
+            <a:endParaRPr lang="en-US" dirty="0"/>
           </a:p>
         </p:txBody>
       </p:sp>
+    </p:spTree>
+    <p:extLst>
+      <p:ext uri="{BB962C8B-B14F-4D97-AF65-F5344CB8AC3E}">
+        <p14:creationId xmlns:p14="http://schemas.microsoft.com/office/powerpoint/2010/main" val="2427900278"/>
+      </p:ext>
+    </p:extLst>
+  </p:cSld>
+  <p:clrMapOvr>
+    <a:masterClrMapping/>
+  </p:clrMapOvr>
+</p:sld>
+</file>
+
+<file path=ppt/slides/slide18.xml><?xml version="1.0" encoding="utf-8"?>
+<p:sld xmlns:a="http://schemas.openxmlformats.org/drawingml/2006/main" xmlns:r="http://schemas.openxmlformats.org/officeDocument/2006/relationships" xmlns:p="http://schemas.openxmlformats.org/presentationml/2006/main">
+  <p:cSld>
+    <p:spTree>
+      <p:nvGrpSpPr>
+        <p:cNvPr id="1" name=""/>
+        <p:cNvGrpSpPr/>
+        <p:nvPr/>
+      </p:nvGrpSpPr>
+      <p:grpSpPr>
+        <a:xfrm>
+          <a:off x="0" y="0"/>
+          <a:ext cx="0" cy="0"/>
+          <a:chOff x="0" y="0"/>
+          <a:chExt cx="0" cy="0"/>
+        </a:xfrm>
+      </p:grpSpPr>
       <p:sp>
         <p:nvSpPr>
-          <p:cNvPr id="3" name="Content Placeholder 2">
+          <p:cNvPr id="2" name="Title 1">
             <a:extLst>
               <a:ext uri="{FF2B5EF4-FFF2-40B4-BE49-F238E27FC236}">
-                <a16:creationId xmlns:a16="http://schemas.microsoft.com/office/drawing/2014/main" id="{AFFDB712-E043-4F88-B5D4-207CBAFC2B79}"/>
+                <a16:creationId xmlns:a16="http://schemas.microsoft.com/office/drawing/2014/main" id="{1FDE9658-8423-4BD8-8307-30CA3ADFE834}"/>
               </a:ext>
             </a:extLst>
           </p:cNvPr>
@@ -5614,22 +9816,3265 @@
             <a:spLocks noGrp="1"/>
           </p:cNvSpPr>
           <p:nvPr>
-            <p:ph idx="1"/>
+            <p:ph type="title"/>
           </p:nvPr>
         </p:nvSpPr>
-        <p:spPr/>
+        <p:spPr>
+          <a:xfrm>
+            <a:off x="4766256" y="62471"/>
+            <a:ext cx="1950076" cy="1012915"/>
+          </a:xfrm>
+        </p:spPr>
         <p:txBody>
           <a:bodyPr/>
           <a:lstStyle/>
           <a:p>
-            <a:endParaRPr lang="en-US"/>
+            <a:r>
+              <a:rPr lang="tr-TR" dirty="0"/>
+              <a:t>Case-1</a:t>
+            </a:r>
+            <a:endParaRPr lang="en-US" dirty="0"/>
           </a:p>
         </p:txBody>
       </p:sp>
+      <p:graphicFrame>
+        <p:nvGraphicFramePr>
+          <p:cNvPr id="4" name="Table 3">
+            <a:extLst>
+              <a:ext uri="{FF2B5EF4-FFF2-40B4-BE49-F238E27FC236}">
+                <a16:creationId xmlns:a16="http://schemas.microsoft.com/office/drawing/2014/main" id="{36DE2A9C-1C65-4CFA-9AEE-85D7EE7870E9}"/>
+              </a:ext>
+            </a:extLst>
+          </p:cNvPr>
+          <p:cNvGraphicFramePr>
+            <a:graphicFrameLocks noGrp="1"/>
+          </p:cNvGraphicFramePr>
+          <p:nvPr>
+            <p:extLst>
+              <p:ext uri="{D42A27DB-BD31-4B8C-83A1-F6EECF244321}">
+                <p14:modId xmlns:p14="http://schemas.microsoft.com/office/powerpoint/2010/main" val="2758169521"/>
+              </p:ext>
+            </p:extLst>
+          </p:nvPr>
+        </p:nvGraphicFramePr>
+        <p:xfrm>
+          <a:off x="135229" y="1036977"/>
+          <a:ext cx="10760295" cy="731520"/>
+        </p:xfrm>
+        <a:graphic>
+          <a:graphicData uri="http://schemas.openxmlformats.org/drawingml/2006/table">
+            <a:tbl>
+              <a:tblPr/>
+              <a:tblGrid>
+                <a:gridCol w="1537185">
+                  <a:extLst>
+                    <a:ext uri="{9D8B030D-6E8A-4147-A177-3AD203B41FA5}">
+                      <a16:colId xmlns:a16="http://schemas.microsoft.com/office/drawing/2014/main" val="3339891136"/>
+                    </a:ext>
+                  </a:extLst>
+                </a:gridCol>
+                <a:gridCol w="1537185">
+                  <a:extLst>
+                    <a:ext uri="{9D8B030D-6E8A-4147-A177-3AD203B41FA5}">
+                      <a16:colId xmlns:a16="http://schemas.microsoft.com/office/drawing/2014/main" val="1471215429"/>
+                    </a:ext>
+                  </a:extLst>
+                </a:gridCol>
+                <a:gridCol w="1537185">
+                  <a:extLst>
+                    <a:ext uri="{9D8B030D-6E8A-4147-A177-3AD203B41FA5}">
+                      <a16:colId xmlns:a16="http://schemas.microsoft.com/office/drawing/2014/main" val="268356510"/>
+                    </a:ext>
+                  </a:extLst>
+                </a:gridCol>
+                <a:gridCol w="1537185">
+                  <a:extLst>
+                    <a:ext uri="{9D8B030D-6E8A-4147-A177-3AD203B41FA5}">
+                      <a16:colId xmlns:a16="http://schemas.microsoft.com/office/drawing/2014/main" val="414559488"/>
+                    </a:ext>
+                  </a:extLst>
+                </a:gridCol>
+                <a:gridCol w="1537185">
+                  <a:extLst>
+                    <a:ext uri="{9D8B030D-6E8A-4147-A177-3AD203B41FA5}">
+                      <a16:colId xmlns:a16="http://schemas.microsoft.com/office/drawing/2014/main" val="1780938479"/>
+                    </a:ext>
+                  </a:extLst>
+                </a:gridCol>
+                <a:gridCol w="1537185">
+                  <a:extLst>
+                    <a:ext uri="{9D8B030D-6E8A-4147-A177-3AD203B41FA5}">
+                      <a16:colId xmlns:a16="http://schemas.microsoft.com/office/drawing/2014/main" val="757650095"/>
+                    </a:ext>
+                  </a:extLst>
+                </a:gridCol>
+                <a:gridCol w="1537185">
+                  <a:extLst>
+                    <a:ext uri="{9D8B030D-6E8A-4147-A177-3AD203B41FA5}">
+                      <a16:colId xmlns:a16="http://schemas.microsoft.com/office/drawing/2014/main" val="4161997266"/>
+                    </a:ext>
+                  </a:extLst>
+                </a:gridCol>
+              </a:tblGrid>
+              <a:tr h="315532">
+                <a:tc>
+                  <a:txBody>
+                    <a:bodyPr/>
+                    <a:lstStyle/>
+                    <a:p>
+                      <a:r>
+                        <a:rPr lang="tr-TR" dirty="0" err="1"/>
+                        <a:t>Frequency</a:t>
+                      </a:r>
+                      <a:endParaRPr lang="en-US" dirty="0"/>
+                    </a:p>
+                  </a:txBody>
+                  <a:tcPr>
+                    <a:lnL w="12700" cmpd="sng">
+                      <a:solidFill>
+                        <a:schemeClr val="tx1"/>
+                      </a:solidFill>
+                      <a:prstDash val="solid"/>
+                    </a:lnL>
+                    <a:lnR w="12700" cmpd="sng">
+                      <a:solidFill>
+                        <a:schemeClr val="tx1"/>
+                      </a:solidFill>
+                      <a:prstDash val="solid"/>
+                    </a:lnR>
+                    <a:lnT w="12700" cmpd="sng">
+                      <a:solidFill>
+                        <a:schemeClr val="tx1"/>
+                      </a:solidFill>
+                      <a:prstDash val="solid"/>
+                    </a:lnT>
+                    <a:lnB w="12700" cap="flat" cmpd="sng" algn="ctr">
+                      <a:solidFill>
+                        <a:schemeClr val="tx1"/>
+                      </a:solidFill>
+                      <a:prstDash val="solid"/>
+                      <a:round/>
+                      <a:headEnd type="none" w="med" len="med"/>
+                      <a:tailEnd type="none" w="med" len="med"/>
+                    </a:lnB>
+                  </a:tcPr>
+                </a:tc>
+                <a:tc>
+                  <a:txBody>
+                    <a:bodyPr/>
+                    <a:lstStyle/>
+                    <a:p>
+                      <a:r>
+                        <a:rPr lang="tr-TR" dirty="0" err="1"/>
+                        <a:t>Ip</a:t>
+                      </a:r>
+                      <a:r>
+                        <a:rPr lang="tr-TR" dirty="0"/>
+                        <a:t> (</a:t>
+                      </a:r>
+                      <a:r>
+                        <a:rPr lang="tr-TR" dirty="0" err="1"/>
+                        <a:t>peak</a:t>
+                      </a:r>
+                      <a:r>
+                        <a:rPr lang="tr-TR" dirty="0"/>
+                        <a:t>)</a:t>
+                      </a:r>
+                      <a:endParaRPr lang="en-US" dirty="0"/>
+                    </a:p>
+                  </a:txBody>
+                  <a:tcPr>
+                    <a:lnL w="12700" cap="flat" cmpd="sng" algn="ctr">
+                      <a:solidFill>
+                        <a:schemeClr val="tx1"/>
+                      </a:solidFill>
+                      <a:prstDash val="solid"/>
+                      <a:round/>
+                      <a:headEnd type="none" w="med" len="med"/>
+                      <a:tailEnd type="none" w="med" len="med"/>
+                    </a:lnL>
+                    <a:lnR w="12700" cmpd="sng">
+                      <a:solidFill>
+                        <a:schemeClr val="tx1"/>
+                      </a:solidFill>
+                      <a:prstDash val="solid"/>
+                    </a:lnR>
+                    <a:lnT w="12700" cmpd="sng">
+                      <a:solidFill>
+                        <a:schemeClr val="tx1"/>
+                      </a:solidFill>
+                      <a:prstDash val="solid"/>
+                    </a:lnT>
+                    <a:lnB w="12700" cap="flat" cmpd="sng" algn="ctr">
+                      <a:solidFill>
+                        <a:schemeClr val="tx1"/>
+                      </a:solidFill>
+                      <a:prstDash val="solid"/>
+                      <a:round/>
+                      <a:headEnd type="none" w="med" len="med"/>
+                      <a:tailEnd type="none" w="med" len="med"/>
+                    </a:lnB>
+                  </a:tcPr>
+                </a:tc>
+                <a:tc>
+                  <a:txBody>
+                    <a:bodyPr/>
+                    <a:lstStyle/>
+                    <a:p>
+                      <a:r>
+                        <a:rPr lang="tr-TR" dirty="0"/>
+                        <a:t>Is1(</a:t>
+                      </a:r>
+                      <a:r>
+                        <a:rPr lang="tr-TR" dirty="0" err="1"/>
+                        <a:t>peak</a:t>
+                      </a:r>
+                      <a:r>
+                        <a:rPr lang="tr-TR" dirty="0"/>
+                        <a:t>)</a:t>
+                      </a:r>
+                      <a:endParaRPr lang="en-US" dirty="0"/>
+                    </a:p>
+                  </a:txBody>
+                  <a:tcPr>
+                    <a:lnL w="12700" cap="flat" cmpd="sng" algn="ctr">
+                      <a:solidFill>
+                        <a:schemeClr val="tx1"/>
+                      </a:solidFill>
+                      <a:prstDash val="solid"/>
+                      <a:round/>
+                      <a:headEnd type="none" w="med" len="med"/>
+                      <a:tailEnd type="none" w="med" len="med"/>
+                    </a:lnL>
+                    <a:lnR w="12700" cmpd="sng">
+                      <a:solidFill>
+                        <a:schemeClr val="tx1"/>
+                      </a:solidFill>
+                      <a:prstDash val="solid"/>
+                    </a:lnR>
+                    <a:lnT w="12700" cmpd="sng">
+                      <a:solidFill>
+                        <a:schemeClr val="tx1"/>
+                      </a:solidFill>
+                      <a:prstDash val="solid"/>
+                    </a:lnT>
+                    <a:lnB w="12700" cap="flat" cmpd="sng" algn="ctr">
+                      <a:solidFill>
+                        <a:schemeClr val="tx1"/>
+                      </a:solidFill>
+                      <a:prstDash val="solid"/>
+                      <a:round/>
+                      <a:headEnd type="none" w="med" len="med"/>
+                      <a:tailEnd type="none" w="med" len="med"/>
+                    </a:lnB>
+                  </a:tcPr>
+                </a:tc>
+                <a:tc>
+                  <a:txBody>
+                    <a:bodyPr/>
+                    <a:lstStyle/>
+                    <a:p>
+                      <a:r>
+                        <a:rPr lang="tr-TR" dirty="0"/>
+                        <a:t>Is2(</a:t>
+                      </a:r>
+                      <a:r>
+                        <a:rPr lang="tr-TR" dirty="0" err="1"/>
+                        <a:t>peak</a:t>
+                      </a:r>
+                      <a:r>
+                        <a:rPr lang="tr-TR" dirty="0"/>
+                        <a:t>)</a:t>
+                      </a:r>
+                      <a:endParaRPr lang="en-US" dirty="0"/>
+                    </a:p>
+                  </a:txBody>
+                  <a:tcPr>
+                    <a:lnL w="12700" cap="flat" cmpd="sng" algn="ctr">
+                      <a:solidFill>
+                        <a:schemeClr val="tx1"/>
+                      </a:solidFill>
+                      <a:prstDash val="solid"/>
+                      <a:round/>
+                      <a:headEnd type="none" w="med" len="med"/>
+                      <a:tailEnd type="none" w="med" len="med"/>
+                    </a:lnL>
+                    <a:lnR w="12700" cap="flat" cmpd="sng" algn="ctr">
+                      <a:solidFill>
+                        <a:schemeClr val="tx1"/>
+                      </a:solidFill>
+                      <a:prstDash val="solid"/>
+                      <a:round/>
+                      <a:headEnd type="none" w="med" len="med"/>
+                      <a:tailEnd type="none" w="med" len="med"/>
+                    </a:lnR>
+                    <a:lnT w="12700" cmpd="sng">
+                      <a:solidFill>
+                        <a:schemeClr val="tx1"/>
+                      </a:solidFill>
+                      <a:prstDash val="solid"/>
+                    </a:lnT>
+                    <a:lnB w="12700" cap="flat" cmpd="sng" algn="ctr">
+                      <a:solidFill>
+                        <a:schemeClr val="tx1"/>
+                      </a:solidFill>
+                      <a:prstDash val="solid"/>
+                      <a:round/>
+                      <a:headEnd type="none" w="med" len="med"/>
+                      <a:tailEnd type="none" w="med" len="med"/>
+                    </a:lnB>
+                  </a:tcPr>
+                </a:tc>
+                <a:tc>
+                  <a:txBody>
+                    <a:bodyPr/>
+                    <a:lstStyle/>
+                    <a:p>
+                      <a:r>
+                        <a:rPr lang="tr-TR" dirty="0" err="1"/>
+                        <a:t>Ip</a:t>
+                      </a:r>
+                      <a:r>
+                        <a:rPr lang="tr-TR" dirty="0"/>
+                        <a:t> (</a:t>
+                      </a:r>
+                      <a:r>
+                        <a:rPr lang="tr-TR" dirty="0" err="1"/>
+                        <a:t>angle</a:t>
+                      </a:r>
+                      <a:r>
+                        <a:rPr lang="tr-TR" dirty="0"/>
+                        <a:t>)</a:t>
+                      </a:r>
+                      <a:endParaRPr lang="en-US" dirty="0"/>
+                    </a:p>
+                  </a:txBody>
+                  <a:tcPr>
+                    <a:lnL w="12700" cap="flat" cmpd="sng" algn="ctr">
+                      <a:solidFill>
+                        <a:schemeClr val="tx1"/>
+                      </a:solidFill>
+                      <a:prstDash val="solid"/>
+                      <a:round/>
+                      <a:headEnd type="none" w="med" len="med"/>
+                      <a:tailEnd type="none" w="med" len="med"/>
+                    </a:lnL>
+                    <a:lnR w="12700" cmpd="sng">
+                      <a:solidFill>
+                        <a:schemeClr val="tx1"/>
+                      </a:solidFill>
+                      <a:prstDash val="solid"/>
+                    </a:lnR>
+                    <a:lnT w="12700" cmpd="sng">
+                      <a:solidFill>
+                        <a:schemeClr val="tx1"/>
+                      </a:solidFill>
+                      <a:prstDash val="solid"/>
+                    </a:lnT>
+                    <a:lnB w="12700" cap="flat" cmpd="sng" algn="ctr">
+                      <a:solidFill>
+                        <a:schemeClr val="tx1"/>
+                      </a:solidFill>
+                      <a:prstDash val="solid"/>
+                      <a:round/>
+                      <a:headEnd type="none" w="med" len="med"/>
+                      <a:tailEnd type="none" w="med" len="med"/>
+                    </a:lnB>
+                  </a:tcPr>
+                </a:tc>
+                <a:tc>
+                  <a:txBody>
+                    <a:bodyPr/>
+                    <a:lstStyle/>
+                    <a:p>
+                      <a:r>
+                        <a:rPr lang="tr-TR" dirty="0"/>
+                        <a:t>Is1(</a:t>
+                      </a:r>
+                      <a:r>
+                        <a:rPr lang="tr-TR" dirty="0" err="1"/>
+                        <a:t>angle</a:t>
+                      </a:r>
+                      <a:r>
+                        <a:rPr lang="tr-TR" dirty="0"/>
+                        <a:t>)</a:t>
+                      </a:r>
+                      <a:endParaRPr lang="en-US" dirty="0"/>
+                    </a:p>
+                  </a:txBody>
+                  <a:tcPr>
+                    <a:lnL w="12700" cap="flat" cmpd="sng" algn="ctr">
+                      <a:solidFill>
+                        <a:schemeClr val="tx1"/>
+                      </a:solidFill>
+                      <a:prstDash val="solid"/>
+                      <a:round/>
+                      <a:headEnd type="none" w="med" len="med"/>
+                      <a:tailEnd type="none" w="med" len="med"/>
+                    </a:lnL>
+                    <a:lnR w="12700" cmpd="sng">
+                      <a:solidFill>
+                        <a:schemeClr val="tx1"/>
+                      </a:solidFill>
+                      <a:prstDash val="solid"/>
+                    </a:lnR>
+                    <a:lnT w="12700" cmpd="sng">
+                      <a:solidFill>
+                        <a:schemeClr val="tx1"/>
+                      </a:solidFill>
+                      <a:prstDash val="solid"/>
+                    </a:lnT>
+                    <a:lnB w="12700" cap="flat" cmpd="sng" algn="ctr">
+                      <a:solidFill>
+                        <a:schemeClr val="tx1"/>
+                      </a:solidFill>
+                      <a:prstDash val="solid"/>
+                      <a:round/>
+                      <a:headEnd type="none" w="med" len="med"/>
+                      <a:tailEnd type="none" w="med" len="med"/>
+                    </a:lnB>
+                  </a:tcPr>
+                </a:tc>
+                <a:tc>
+                  <a:txBody>
+                    <a:bodyPr/>
+                    <a:lstStyle/>
+                    <a:p>
+                      <a:r>
+                        <a:rPr lang="tr-TR" dirty="0"/>
+                        <a:t>Is2(</a:t>
+                      </a:r>
+                      <a:r>
+                        <a:rPr lang="tr-TR" dirty="0" err="1"/>
+                        <a:t>angle</a:t>
+                      </a:r>
+                      <a:r>
+                        <a:rPr lang="tr-TR" dirty="0"/>
+                        <a:t>)</a:t>
+                      </a:r>
+                      <a:endParaRPr lang="en-US" dirty="0"/>
+                    </a:p>
+                  </a:txBody>
+                  <a:tcPr>
+                    <a:lnL w="12700" cap="flat" cmpd="sng" algn="ctr">
+                      <a:solidFill>
+                        <a:schemeClr val="tx1"/>
+                      </a:solidFill>
+                      <a:prstDash val="solid"/>
+                      <a:round/>
+                      <a:headEnd type="none" w="med" len="med"/>
+                      <a:tailEnd type="none" w="med" len="med"/>
+                    </a:lnL>
+                    <a:lnR w="12700" cmpd="sng">
+                      <a:solidFill>
+                        <a:schemeClr val="tx1"/>
+                      </a:solidFill>
+                      <a:prstDash val="solid"/>
+                    </a:lnR>
+                    <a:lnT w="12700" cmpd="sng">
+                      <a:solidFill>
+                        <a:schemeClr val="tx1"/>
+                      </a:solidFill>
+                      <a:prstDash val="solid"/>
+                    </a:lnT>
+                    <a:lnB w="12700" cap="flat" cmpd="sng" algn="ctr">
+                      <a:solidFill>
+                        <a:schemeClr val="tx1"/>
+                      </a:solidFill>
+                      <a:prstDash val="solid"/>
+                      <a:round/>
+                      <a:headEnd type="none" w="med" len="med"/>
+                      <a:tailEnd type="none" w="med" len="med"/>
+                    </a:lnB>
+                  </a:tcPr>
+                </a:tc>
+                <a:extLst>
+                  <a:ext uri="{0D108BD9-81ED-4DB2-BD59-A6C34878D82A}">
+                    <a16:rowId xmlns:a16="http://schemas.microsoft.com/office/drawing/2014/main" val="2648448771"/>
+                  </a:ext>
+                </a:extLst>
+              </a:tr>
+              <a:tr h="315532">
+                <a:tc>
+                  <a:txBody>
+                    <a:bodyPr/>
+                    <a:lstStyle/>
+                    <a:p>
+                      <a:pPr marL="0" marR="0" lvl="0" indent="0" algn="l" defTabSz="914400" rtl="0" eaLnBrk="1" fontAlgn="auto" latinLnBrk="0" hangingPunct="1">
+                        <a:lnSpc>
+                          <a:spcPct val="100000"/>
+                        </a:lnSpc>
+                        <a:spcBef>
+                          <a:spcPts val="0"/>
+                        </a:spcBef>
+                        <a:spcAft>
+                          <a:spcPts val="0"/>
+                        </a:spcAft>
+                        <a:buClrTx/>
+                        <a:buSzTx/>
+                        <a:buFontTx/>
+                        <a:buNone/>
+                        <a:tabLst/>
+                        <a:defRPr/>
+                      </a:pPr>
+                      <a:r>
+                        <a:rPr lang="tr-TR" dirty="0"/>
+                        <a:t>152kHz</a:t>
+                      </a:r>
+                      <a:endParaRPr lang="en-US" dirty="0"/>
+                    </a:p>
+                  </a:txBody>
+                  <a:tcPr>
+                    <a:lnL w="12700" cmpd="sng">
+                      <a:solidFill>
+                        <a:schemeClr val="tx1"/>
+                      </a:solidFill>
+                      <a:prstDash val="solid"/>
+                    </a:lnL>
+                    <a:lnR w="12700" cap="flat" cmpd="sng" algn="ctr">
+                      <a:solidFill>
+                        <a:schemeClr val="tx1"/>
+                      </a:solidFill>
+                      <a:prstDash val="solid"/>
+                      <a:round/>
+                      <a:headEnd type="none" w="med" len="med"/>
+                      <a:tailEnd type="none" w="med" len="med"/>
+                    </a:lnR>
+                    <a:lnT w="12700" cap="flat" cmpd="sng" algn="ctr">
+                      <a:solidFill>
+                        <a:schemeClr val="tx1"/>
+                      </a:solidFill>
+                      <a:prstDash val="solid"/>
+                      <a:round/>
+                      <a:headEnd type="none" w="med" len="med"/>
+                      <a:tailEnd type="none" w="med" len="med"/>
+                    </a:lnT>
+                    <a:lnB w="12700" cmpd="sng">
+                      <a:solidFill>
+                        <a:schemeClr val="tx1"/>
+                      </a:solidFill>
+                      <a:prstDash val="solid"/>
+                    </a:lnB>
+                  </a:tcPr>
+                </a:tc>
+                <a:tc>
+                  <a:txBody>
+                    <a:bodyPr/>
+                    <a:lstStyle/>
+                    <a:p>
+                      <a:pPr marL="0" marR="0" lvl="0" indent="0" algn="l" defTabSz="914400" rtl="0" eaLnBrk="1" fontAlgn="auto" latinLnBrk="0" hangingPunct="1">
+                        <a:lnSpc>
+                          <a:spcPct val="100000"/>
+                        </a:lnSpc>
+                        <a:spcBef>
+                          <a:spcPts val="0"/>
+                        </a:spcBef>
+                        <a:spcAft>
+                          <a:spcPts val="0"/>
+                        </a:spcAft>
+                        <a:buClrTx/>
+                        <a:buSzTx/>
+                        <a:buFontTx/>
+                        <a:buNone/>
+                        <a:tabLst/>
+                        <a:defRPr/>
+                      </a:pPr>
+                      <a:r>
+                        <a:rPr lang="tr-TR" dirty="0"/>
+                        <a:t>7.17A</a:t>
+                      </a:r>
+                      <a:endParaRPr lang="en-US" dirty="0"/>
+                    </a:p>
+                  </a:txBody>
+                  <a:tcPr>
+                    <a:lnL w="12700" cap="flat" cmpd="sng" algn="ctr">
+                      <a:solidFill>
+                        <a:schemeClr val="tx1"/>
+                      </a:solidFill>
+                      <a:prstDash val="solid"/>
+                      <a:round/>
+                      <a:headEnd type="none" w="med" len="med"/>
+                      <a:tailEnd type="none" w="med" len="med"/>
+                    </a:lnL>
+                    <a:lnR w="12700" cap="flat" cmpd="sng" algn="ctr">
+                      <a:solidFill>
+                        <a:schemeClr val="tx1"/>
+                      </a:solidFill>
+                      <a:prstDash val="solid"/>
+                      <a:round/>
+                      <a:headEnd type="none" w="med" len="med"/>
+                      <a:tailEnd type="none" w="med" len="med"/>
+                    </a:lnR>
+                    <a:lnT w="12700" cap="flat" cmpd="sng" algn="ctr">
+                      <a:solidFill>
+                        <a:schemeClr val="tx1"/>
+                      </a:solidFill>
+                      <a:prstDash val="solid"/>
+                      <a:round/>
+                      <a:headEnd type="none" w="med" len="med"/>
+                      <a:tailEnd type="none" w="med" len="med"/>
+                    </a:lnT>
+                    <a:lnB w="12700" cmpd="sng">
+                      <a:solidFill>
+                        <a:schemeClr val="tx1"/>
+                      </a:solidFill>
+                      <a:prstDash val="solid"/>
+                    </a:lnB>
+                  </a:tcPr>
+                </a:tc>
+                <a:tc>
+                  <a:txBody>
+                    <a:bodyPr/>
+                    <a:lstStyle/>
+                    <a:p>
+                      <a:r>
+                        <a:rPr lang="tr-TR" dirty="0"/>
+                        <a:t>2.93A</a:t>
+                      </a:r>
+                      <a:endParaRPr lang="en-US" dirty="0"/>
+                    </a:p>
+                  </a:txBody>
+                  <a:tcPr>
+                    <a:lnL w="12700" cap="flat" cmpd="sng" algn="ctr">
+                      <a:solidFill>
+                        <a:schemeClr val="tx1"/>
+                      </a:solidFill>
+                      <a:prstDash val="solid"/>
+                      <a:round/>
+                      <a:headEnd type="none" w="med" len="med"/>
+                      <a:tailEnd type="none" w="med" len="med"/>
+                    </a:lnL>
+                    <a:lnR w="12700" cap="flat" cmpd="sng" algn="ctr">
+                      <a:solidFill>
+                        <a:schemeClr val="tx1"/>
+                      </a:solidFill>
+                      <a:prstDash val="solid"/>
+                      <a:round/>
+                      <a:headEnd type="none" w="med" len="med"/>
+                      <a:tailEnd type="none" w="med" len="med"/>
+                    </a:lnR>
+                    <a:lnT w="12700" cap="flat" cmpd="sng" algn="ctr">
+                      <a:solidFill>
+                        <a:schemeClr val="tx1"/>
+                      </a:solidFill>
+                      <a:prstDash val="solid"/>
+                      <a:round/>
+                      <a:headEnd type="none" w="med" len="med"/>
+                      <a:tailEnd type="none" w="med" len="med"/>
+                    </a:lnT>
+                    <a:lnB w="12700" cmpd="sng">
+                      <a:solidFill>
+                        <a:schemeClr val="tx1"/>
+                      </a:solidFill>
+                      <a:prstDash val="solid"/>
+                    </a:lnB>
+                  </a:tcPr>
+                </a:tc>
+                <a:tc>
+                  <a:txBody>
+                    <a:bodyPr/>
+                    <a:lstStyle/>
+                    <a:p>
+                      <a:r>
+                        <a:rPr lang="tr-TR" dirty="0"/>
+                        <a:t>3.57A</a:t>
+                      </a:r>
+                      <a:endParaRPr lang="en-US" dirty="0"/>
+                    </a:p>
+                  </a:txBody>
+                  <a:tcPr>
+                    <a:lnL w="12700" cap="flat" cmpd="sng" algn="ctr">
+                      <a:solidFill>
+                        <a:schemeClr val="tx1"/>
+                      </a:solidFill>
+                      <a:prstDash val="solid"/>
+                      <a:round/>
+                      <a:headEnd type="none" w="med" len="med"/>
+                      <a:tailEnd type="none" w="med" len="med"/>
+                    </a:lnL>
+                    <a:lnR w="12700" cap="flat" cmpd="sng" algn="ctr">
+                      <a:solidFill>
+                        <a:schemeClr val="tx1"/>
+                      </a:solidFill>
+                      <a:prstDash val="solid"/>
+                      <a:round/>
+                      <a:headEnd type="none" w="med" len="med"/>
+                      <a:tailEnd type="none" w="med" len="med"/>
+                    </a:lnR>
+                    <a:lnT w="12700" cap="flat" cmpd="sng" algn="ctr">
+                      <a:solidFill>
+                        <a:schemeClr val="tx1"/>
+                      </a:solidFill>
+                      <a:prstDash val="solid"/>
+                      <a:round/>
+                      <a:headEnd type="none" w="med" len="med"/>
+                      <a:tailEnd type="none" w="med" len="med"/>
+                    </a:lnT>
+                    <a:lnB w="12700" cmpd="sng">
+                      <a:solidFill>
+                        <a:schemeClr val="tx1"/>
+                      </a:solidFill>
+                      <a:prstDash val="solid"/>
+                    </a:lnB>
+                  </a:tcPr>
+                </a:tc>
+                <a:tc>
+                  <a:txBody>
+                    <a:bodyPr/>
+                    <a:lstStyle/>
+                    <a:p>
+                      <a:r>
+                        <a:rPr lang="tr-TR" dirty="0"/>
+                        <a:t>19.93</a:t>
+                      </a:r>
+                      <a:endParaRPr lang="en-US" dirty="0"/>
+                    </a:p>
+                  </a:txBody>
+                  <a:tcPr>
+                    <a:lnL w="12700" cap="flat" cmpd="sng" algn="ctr">
+                      <a:solidFill>
+                        <a:schemeClr val="tx1"/>
+                      </a:solidFill>
+                      <a:prstDash val="solid"/>
+                      <a:round/>
+                      <a:headEnd type="none" w="med" len="med"/>
+                      <a:tailEnd type="none" w="med" len="med"/>
+                    </a:lnL>
+                    <a:lnR w="12700" cap="flat" cmpd="sng" algn="ctr">
+                      <a:solidFill>
+                        <a:schemeClr val="tx1"/>
+                      </a:solidFill>
+                      <a:prstDash val="solid"/>
+                      <a:round/>
+                      <a:headEnd type="none" w="med" len="med"/>
+                      <a:tailEnd type="none" w="med" len="med"/>
+                    </a:lnR>
+                    <a:lnT w="12700" cap="flat" cmpd="sng" algn="ctr">
+                      <a:solidFill>
+                        <a:schemeClr val="tx1"/>
+                      </a:solidFill>
+                      <a:prstDash val="solid"/>
+                      <a:round/>
+                      <a:headEnd type="none" w="med" len="med"/>
+                      <a:tailEnd type="none" w="med" len="med"/>
+                    </a:lnT>
+                    <a:lnB w="12700" cmpd="sng">
+                      <a:solidFill>
+                        <a:schemeClr val="tx1"/>
+                      </a:solidFill>
+                      <a:prstDash val="solid"/>
+                    </a:lnB>
+                  </a:tcPr>
+                </a:tc>
+                <a:tc>
+                  <a:txBody>
+                    <a:bodyPr/>
+                    <a:lstStyle/>
+                    <a:p>
+                      <a:r>
+                        <a:rPr lang="tr-TR" dirty="0"/>
+                        <a:t>67.5</a:t>
+                      </a:r>
+                      <a:endParaRPr lang="en-US" dirty="0"/>
+                    </a:p>
+                  </a:txBody>
+                  <a:tcPr>
+                    <a:lnL w="12700" cap="flat" cmpd="sng" algn="ctr">
+                      <a:solidFill>
+                        <a:schemeClr val="tx1"/>
+                      </a:solidFill>
+                      <a:prstDash val="solid"/>
+                      <a:round/>
+                      <a:headEnd type="none" w="med" len="med"/>
+                      <a:tailEnd type="none" w="med" len="med"/>
+                    </a:lnL>
+                    <a:lnR w="12700" cap="flat" cmpd="sng" algn="ctr">
+                      <a:solidFill>
+                        <a:schemeClr val="tx1"/>
+                      </a:solidFill>
+                      <a:prstDash val="solid"/>
+                      <a:round/>
+                      <a:headEnd type="none" w="med" len="med"/>
+                      <a:tailEnd type="none" w="med" len="med"/>
+                    </a:lnR>
+                    <a:lnT w="12700" cap="flat" cmpd="sng" algn="ctr">
+                      <a:solidFill>
+                        <a:schemeClr val="tx1"/>
+                      </a:solidFill>
+                      <a:prstDash val="solid"/>
+                      <a:round/>
+                      <a:headEnd type="none" w="med" len="med"/>
+                      <a:tailEnd type="none" w="med" len="med"/>
+                    </a:lnT>
+                    <a:lnB w="12700" cmpd="sng">
+                      <a:solidFill>
+                        <a:schemeClr val="tx1"/>
+                      </a:solidFill>
+                      <a:prstDash val="solid"/>
+                    </a:lnB>
+                  </a:tcPr>
+                </a:tc>
+                <a:tc>
+                  <a:txBody>
+                    <a:bodyPr/>
+                    <a:lstStyle/>
+                    <a:p>
+                      <a:r>
+                        <a:rPr lang="tr-TR" dirty="0"/>
+                        <a:t>65.2</a:t>
+                      </a:r>
+                      <a:endParaRPr lang="en-US" dirty="0"/>
+                    </a:p>
+                  </a:txBody>
+                  <a:tcPr>
+                    <a:lnL w="12700" cap="flat" cmpd="sng" algn="ctr">
+                      <a:solidFill>
+                        <a:schemeClr val="tx1"/>
+                      </a:solidFill>
+                      <a:prstDash val="solid"/>
+                      <a:round/>
+                      <a:headEnd type="none" w="med" len="med"/>
+                      <a:tailEnd type="none" w="med" len="med"/>
+                    </a:lnL>
+                    <a:lnR w="12700" cmpd="sng">
+                      <a:solidFill>
+                        <a:schemeClr val="tx1"/>
+                      </a:solidFill>
+                      <a:prstDash val="solid"/>
+                    </a:lnR>
+                    <a:lnT w="12700" cap="flat" cmpd="sng" algn="ctr">
+                      <a:solidFill>
+                        <a:schemeClr val="tx1"/>
+                      </a:solidFill>
+                      <a:prstDash val="solid"/>
+                      <a:round/>
+                      <a:headEnd type="none" w="med" len="med"/>
+                      <a:tailEnd type="none" w="med" len="med"/>
+                    </a:lnT>
+                    <a:lnB w="12700" cmpd="sng">
+                      <a:solidFill>
+                        <a:schemeClr val="tx1"/>
+                      </a:solidFill>
+                      <a:prstDash val="solid"/>
+                    </a:lnB>
+                  </a:tcPr>
+                </a:tc>
+                <a:extLst>
+                  <a:ext uri="{0D108BD9-81ED-4DB2-BD59-A6C34878D82A}">
+                    <a16:rowId xmlns:a16="http://schemas.microsoft.com/office/drawing/2014/main" val="4134305895"/>
+                  </a:ext>
+                </a:extLst>
+              </a:tr>
+            </a:tbl>
+          </a:graphicData>
+        </a:graphic>
+      </p:graphicFrame>
+      <p:graphicFrame>
+        <p:nvGraphicFramePr>
+          <p:cNvPr id="5" name="Table 4">
+            <a:extLst>
+              <a:ext uri="{FF2B5EF4-FFF2-40B4-BE49-F238E27FC236}">
+                <a16:creationId xmlns:a16="http://schemas.microsoft.com/office/drawing/2014/main" id="{308CA7CB-ED1D-4F71-A0AA-CA8F75A89948}"/>
+              </a:ext>
+            </a:extLst>
+          </p:cNvPr>
+          <p:cNvGraphicFramePr>
+            <a:graphicFrameLocks noGrp="1"/>
+          </p:cNvGraphicFramePr>
+          <p:nvPr>
+            <p:extLst>
+              <p:ext uri="{D42A27DB-BD31-4B8C-83A1-F6EECF244321}">
+                <p14:modId xmlns:p14="http://schemas.microsoft.com/office/powerpoint/2010/main" val="947636061"/>
+              </p:ext>
+            </p:extLst>
+          </p:nvPr>
+        </p:nvGraphicFramePr>
+        <p:xfrm>
+          <a:off x="298973" y="2241127"/>
+          <a:ext cx="7685928" cy="731520"/>
+        </p:xfrm>
+        <a:graphic>
+          <a:graphicData uri="http://schemas.openxmlformats.org/drawingml/2006/table">
+            <a:tbl>
+              <a:tblPr/>
+              <a:tblGrid>
+                <a:gridCol w="1280988">
+                  <a:extLst>
+                    <a:ext uri="{9D8B030D-6E8A-4147-A177-3AD203B41FA5}">
+                      <a16:colId xmlns:a16="http://schemas.microsoft.com/office/drawing/2014/main" val="3360700635"/>
+                    </a:ext>
+                  </a:extLst>
+                </a:gridCol>
+                <a:gridCol w="1280988">
+                  <a:extLst>
+                    <a:ext uri="{9D8B030D-6E8A-4147-A177-3AD203B41FA5}">
+                      <a16:colId xmlns:a16="http://schemas.microsoft.com/office/drawing/2014/main" val="2787409707"/>
+                    </a:ext>
+                  </a:extLst>
+                </a:gridCol>
+                <a:gridCol w="1280988">
+                  <a:extLst>
+                    <a:ext uri="{9D8B030D-6E8A-4147-A177-3AD203B41FA5}">
+                      <a16:colId xmlns:a16="http://schemas.microsoft.com/office/drawing/2014/main" val="2454743313"/>
+                    </a:ext>
+                  </a:extLst>
+                </a:gridCol>
+                <a:gridCol w="1280988">
+                  <a:extLst>
+                    <a:ext uri="{9D8B030D-6E8A-4147-A177-3AD203B41FA5}">
+                      <a16:colId xmlns:a16="http://schemas.microsoft.com/office/drawing/2014/main" val="3381765127"/>
+                    </a:ext>
+                  </a:extLst>
+                </a:gridCol>
+                <a:gridCol w="1280988">
+                  <a:extLst>
+                    <a:ext uri="{9D8B030D-6E8A-4147-A177-3AD203B41FA5}">
+                      <a16:colId xmlns:a16="http://schemas.microsoft.com/office/drawing/2014/main" val="3146380165"/>
+                    </a:ext>
+                  </a:extLst>
+                </a:gridCol>
+                <a:gridCol w="1280988">
+                  <a:extLst>
+                    <a:ext uri="{9D8B030D-6E8A-4147-A177-3AD203B41FA5}">
+                      <a16:colId xmlns:a16="http://schemas.microsoft.com/office/drawing/2014/main" val="1270195405"/>
+                    </a:ext>
+                  </a:extLst>
+                </a:gridCol>
+              </a:tblGrid>
+              <a:tr h="315532">
+                <a:tc>
+                  <a:txBody>
+                    <a:bodyPr/>
+                    <a:lstStyle/>
+                    <a:p>
+                      <a:r>
+                        <a:rPr lang="tr-TR" dirty="0" err="1"/>
+                        <a:t>Frequency</a:t>
+                      </a:r>
+                      <a:endParaRPr lang="en-US" dirty="0"/>
+                    </a:p>
+                  </a:txBody>
+                  <a:tcPr>
+                    <a:lnL w="12700" cmpd="sng">
+                      <a:solidFill>
+                        <a:schemeClr val="tx1"/>
+                      </a:solidFill>
+                      <a:prstDash val="solid"/>
+                    </a:lnL>
+                    <a:lnR w="12700" cmpd="sng">
+                      <a:solidFill>
+                        <a:schemeClr val="tx1"/>
+                      </a:solidFill>
+                      <a:prstDash val="solid"/>
+                    </a:lnR>
+                    <a:lnT w="12700" cmpd="sng">
+                      <a:solidFill>
+                        <a:schemeClr val="tx1"/>
+                      </a:solidFill>
+                      <a:prstDash val="solid"/>
+                    </a:lnT>
+                    <a:lnB w="12700" cap="flat" cmpd="sng" algn="ctr">
+                      <a:solidFill>
+                        <a:schemeClr val="tx1"/>
+                      </a:solidFill>
+                      <a:prstDash val="solid"/>
+                      <a:round/>
+                      <a:headEnd type="none" w="med" len="med"/>
+                      <a:tailEnd type="none" w="med" len="med"/>
+                    </a:lnB>
+                  </a:tcPr>
+                </a:tc>
+                <a:tc>
+                  <a:txBody>
+                    <a:bodyPr/>
+                    <a:lstStyle/>
+                    <a:p>
+                      <a:r>
+                        <a:rPr lang="tr-TR" dirty="0" err="1"/>
+                        <a:t>Ip</a:t>
+                      </a:r>
+                      <a:r>
+                        <a:rPr lang="tr-TR" dirty="0"/>
+                        <a:t> (</a:t>
+                      </a:r>
+                      <a:r>
+                        <a:rPr lang="tr-TR" dirty="0" err="1"/>
+                        <a:t>peak</a:t>
+                      </a:r>
+                      <a:r>
+                        <a:rPr lang="tr-TR" dirty="0"/>
+                        <a:t>)</a:t>
+                      </a:r>
+                      <a:endParaRPr lang="en-US" dirty="0"/>
+                    </a:p>
+                  </a:txBody>
+                  <a:tcPr>
+                    <a:lnL w="12700" cap="flat" cmpd="sng" algn="ctr">
+                      <a:solidFill>
+                        <a:schemeClr val="tx1"/>
+                      </a:solidFill>
+                      <a:prstDash val="solid"/>
+                      <a:round/>
+                      <a:headEnd type="none" w="med" len="med"/>
+                      <a:tailEnd type="none" w="med" len="med"/>
+                    </a:lnL>
+                    <a:lnR w="12700" cmpd="sng">
+                      <a:solidFill>
+                        <a:schemeClr val="tx1"/>
+                      </a:solidFill>
+                      <a:prstDash val="solid"/>
+                    </a:lnR>
+                    <a:lnT w="12700" cmpd="sng">
+                      <a:solidFill>
+                        <a:schemeClr val="tx1"/>
+                      </a:solidFill>
+                      <a:prstDash val="solid"/>
+                    </a:lnT>
+                    <a:lnB w="12700" cap="flat" cmpd="sng" algn="ctr">
+                      <a:solidFill>
+                        <a:schemeClr val="tx1"/>
+                      </a:solidFill>
+                      <a:prstDash val="solid"/>
+                      <a:round/>
+                      <a:headEnd type="none" w="med" len="med"/>
+                      <a:tailEnd type="none" w="med" len="med"/>
+                    </a:lnB>
+                  </a:tcPr>
+                </a:tc>
+                <a:tc>
+                  <a:txBody>
+                    <a:bodyPr/>
+                    <a:lstStyle/>
+                    <a:p>
+                      <a:r>
+                        <a:rPr lang="tr-TR" dirty="0"/>
+                        <a:t>Is1(</a:t>
+                      </a:r>
+                      <a:r>
+                        <a:rPr lang="tr-TR" dirty="0" err="1"/>
+                        <a:t>peak</a:t>
+                      </a:r>
+                      <a:r>
+                        <a:rPr lang="tr-TR" dirty="0"/>
+                        <a:t>)</a:t>
+                      </a:r>
+                      <a:endParaRPr lang="en-US" dirty="0"/>
+                    </a:p>
+                  </a:txBody>
+                  <a:tcPr>
+                    <a:lnL w="12700" cap="flat" cmpd="sng" algn="ctr">
+                      <a:solidFill>
+                        <a:schemeClr val="tx1"/>
+                      </a:solidFill>
+                      <a:prstDash val="solid"/>
+                      <a:round/>
+                      <a:headEnd type="none" w="med" len="med"/>
+                      <a:tailEnd type="none" w="med" len="med"/>
+                    </a:lnL>
+                    <a:lnR w="12700" cmpd="sng">
+                      <a:solidFill>
+                        <a:schemeClr val="tx1"/>
+                      </a:solidFill>
+                      <a:prstDash val="solid"/>
+                    </a:lnR>
+                    <a:lnT w="12700" cmpd="sng">
+                      <a:solidFill>
+                        <a:schemeClr val="tx1"/>
+                      </a:solidFill>
+                      <a:prstDash val="solid"/>
+                    </a:lnT>
+                    <a:lnB w="12700" cap="flat" cmpd="sng" algn="ctr">
+                      <a:solidFill>
+                        <a:schemeClr val="tx1"/>
+                      </a:solidFill>
+                      <a:prstDash val="solid"/>
+                      <a:round/>
+                      <a:headEnd type="none" w="med" len="med"/>
+                      <a:tailEnd type="none" w="med" len="med"/>
+                    </a:lnB>
+                  </a:tcPr>
+                </a:tc>
+                <a:tc>
+                  <a:txBody>
+                    <a:bodyPr/>
+                    <a:lstStyle/>
+                    <a:p>
+                      <a:r>
+                        <a:rPr lang="tr-TR" dirty="0"/>
+                        <a:t>Is2(</a:t>
+                      </a:r>
+                      <a:r>
+                        <a:rPr lang="tr-TR" dirty="0" err="1"/>
+                        <a:t>peak</a:t>
+                      </a:r>
+                      <a:r>
+                        <a:rPr lang="tr-TR" dirty="0"/>
+                        <a:t>)</a:t>
+                      </a:r>
+                      <a:endParaRPr lang="en-US" dirty="0"/>
+                    </a:p>
+                  </a:txBody>
+                  <a:tcPr>
+                    <a:lnL w="12700" cap="flat" cmpd="sng" algn="ctr">
+                      <a:solidFill>
+                        <a:schemeClr val="tx1"/>
+                      </a:solidFill>
+                      <a:prstDash val="solid"/>
+                      <a:round/>
+                      <a:headEnd type="none" w="med" len="med"/>
+                      <a:tailEnd type="none" w="med" len="med"/>
+                    </a:lnL>
+                    <a:lnR w="12700" cap="flat" cmpd="sng" algn="ctr">
+                      <a:solidFill>
+                        <a:schemeClr val="tx1"/>
+                      </a:solidFill>
+                      <a:prstDash val="solid"/>
+                      <a:round/>
+                      <a:headEnd type="none" w="med" len="med"/>
+                      <a:tailEnd type="none" w="med" len="med"/>
+                    </a:lnR>
+                    <a:lnT w="12700" cmpd="sng">
+                      <a:solidFill>
+                        <a:schemeClr val="tx1"/>
+                      </a:solidFill>
+                      <a:prstDash val="solid"/>
+                    </a:lnT>
+                    <a:lnB w="12700" cap="flat" cmpd="sng" algn="ctr">
+                      <a:solidFill>
+                        <a:schemeClr val="tx1"/>
+                      </a:solidFill>
+                      <a:prstDash val="solid"/>
+                      <a:round/>
+                      <a:headEnd type="none" w="med" len="med"/>
+                      <a:tailEnd type="none" w="med" len="med"/>
+                    </a:lnB>
+                  </a:tcPr>
+                </a:tc>
+                <a:tc>
+                  <a:txBody>
+                    <a:bodyPr/>
+                    <a:lstStyle/>
+                    <a:p>
+                      <a:r>
+                        <a:rPr lang="tr-TR" dirty="0" err="1"/>
+                        <a:t>Ip</a:t>
+                      </a:r>
+                      <a:r>
+                        <a:rPr lang="tr-TR" dirty="0"/>
+                        <a:t> (</a:t>
+                      </a:r>
+                      <a:r>
+                        <a:rPr lang="tr-TR" dirty="0" err="1"/>
+                        <a:t>angle</a:t>
+                      </a:r>
+                      <a:r>
+                        <a:rPr lang="tr-TR" dirty="0"/>
+                        <a:t>)</a:t>
+                      </a:r>
+                      <a:endParaRPr lang="en-US" dirty="0"/>
+                    </a:p>
+                  </a:txBody>
+                  <a:tcPr>
+                    <a:lnL w="12700" cap="flat" cmpd="sng" algn="ctr">
+                      <a:solidFill>
+                        <a:schemeClr val="tx1"/>
+                      </a:solidFill>
+                      <a:prstDash val="solid"/>
+                      <a:round/>
+                      <a:headEnd type="none" w="med" len="med"/>
+                      <a:tailEnd type="none" w="med" len="med"/>
+                    </a:lnL>
+                    <a:lnR w="12700" cap="flat" cmpd="sng" algn="ctr">
+                      <a:solidFill>
+                        <a:schemeClr val="tx1"/>
+                      </a:solidFill>
+                      <a:prstDash val="solid"/>
+                      <a:round/>
+                      <a:headEnd type="none" w="med" len="med"/>
+                      <a:tailEnd type="none" w="med" len="med"/>
+                    </a:lnR>
+                    <a:lnT w="12700" cmpd="sng">
+                      <a:solidFill>
+                        <a:schemeClr val="tx1"/>
+                      </a:solidFill>
+                      <a:prstDash val="solid"/>
+                    </a:lnT>
+                    <a:lnB w="12700" cap="flat" cmpd="sng" algn="ctr">
+                      <a:solidFill>
+                        <a:schemeClr val="tx1"/>
+                      </a:solidFill>
+                      <a:prstDash val="solid"/>
+                      <a:round/>
+                      <a:headEnd type="none" w="med" len="med"/>
+                      <a:tailEnd type="none" w="med" len="med"/>
+                    </a:lnB>
+                  </a:tcPr>
+                </a:tc>
+                <a:tc>
+                  <a:txBody>
+                    <a:bodyPr/>
+                    <a:lstStyle/>
+                    <a:p>
+                      <a:r>
+                        <a:rPr lang="tr-TR" dirty="0" err="1"/>
+                        <a:t>Vout</a:t>
+                      </a:r>
+                      <a:endParaRPr lang="en-US" dirty="0"/>
+                    </a:p>
+                  </a:txBody>
+                  <a:tcPr>
+                    <a:lnL w="12700" cap="flat" cmpd="sng" algn="ctr">
+                      <a:solidFill>
+                        <a:schemeClr val="tx1"/>
+                      </a:solidFill>
+                      <a:prstDash val="solid"/>
+                      <a:round/>
+                      <a:headEnd type="none" w="med" len="med"/>
+                      <a:tailEnd type="none" w="med" len="med"/>
+                    </a:lnL>
+                    <a:lnR w="12700" cmpd="sng">
+                      <a:solidFill>
+                        <a:schemeClr val="tx1"/>
+                      </a:solidFill>
+                      <a:prstDash val="solid"/>
+                    </a:lnR>
+                    <a:lnT w="12700" cmpd="sng">
+                      <a:solidFill>
+                        <a:schemeClr val="tx1"/>
+                      </a:solidFill>
+                      <a:prstDash val="solid"/>
+                    </a:lnT>
+                    <a:lnB w="12700" cap="flat" cmpd="sng" algn="ctr">
+                      <a:solidFill>
+                        <a:schemeClr val="tx1"/>
+                      </a:solidFill>
+                      <a:prstDash val="solid"/>
+                      <a:round/>
+                      <a:headEnd type="none" w="med" len="med"/>
+                      <a:tailEnd type="none" w="med" len="med"/>
+                    </a:lnB>
+                  </a:tcPr>
+                </a:tc>
+                <a:extLst>
+                  <a:ext uri="{0D108BD9-81ED-4DB2-BD59-A6C34878D82A}">
+                    <a16:rowId xmlns:a16="http://schemas.microsoft.com/office/drawing/2014/main" val="2430843195"/>
+                  </a:ext>
+                </a:extLst>
+              </a:tr>
+              <a:tr h="315532">
+                <a:tc>
+                  <a:txBody>
+                    <a:bodyPr/>
+                    <a:lstStyle/>
+                    <a:p>
+                      <a:pPr marL="0" marR="0" lvl="0" indent="0" algn="l" defTabSz="914400" rtl="0" eaLnBrk="1" fontAlgn="auto" latinLnBrk="0" hangingPunct="1">
+                        <a:lnSpc>
+                          <a:spcPct val="100000"/>
+                        </a:lnSpc>
+                        <a:spcBef>
+                          <a:spcPts val="0"/>
+                        </a:spcBef>
+                        <a:spcAft>
+                          <a:spcPts val="0"/>
+                        </a:spcAft>
+                        <a:buClrTx/>
+                        <a:buSzTx/>
+                        <a:buFontTx/>
+                        <a:buNone/>
+                        <a:tabLst/>
+                        <a:defRPr/>
+                      </a:pPr>
+                      <a:r>
+                        <a:rPr lang="tr-TR" dirty="0"/>
+                        <a:t>158.5kHz</a:t>
+                      </a:r>
+                      <a:endParaRPr lang="en-US" dirty="0"/>
+                    </a:p>
+                  </a:txBody>
+                  <a:tcPr>
+                    <a:lnL w="12700" cmpd="sng">
+                      <a:solidFill>
+                        <a:schemeClr val="tx1"/>
+                      </a:solidFill>
+                      <a:prstDash val="solid"/>
+                    </a:lnL>
+                    <a:lnR w="12700" cap="flat" cmpd="sng" algn="ctr">
+                      <a:solidFill>
+                        <a:schemeClr val="tx1"/>
+                      </a:solidFill>
+                      <a:prstDash val="solid"/>
+                      <a:round/>
+                      <a:headEnd type="none" w="med" len="med"/>
+                      <a:tailEnd type="none" w="med" len="med"/>
+                    </a:lnR>
+                    <a:lnT w="12700" cap="flat" cmpd="sng" algn="ctr">
+                      <a:solidFill>
+                        <a:schemeClr val="tx1"/>
+                      </a:solidFill>
+                      <a:prstDash val="solid"/>
+                      <a:round/>
+                      <a:headEnd type="none" w="med" len="med"/>
+                      <a:tailEnd type="none" w="med" len="med"/>
+                    </a:lnT>
+                    <a:lnB w="12700" cmpd="sng">
+                      <a:solidFill>
+                        <a:schemeClr val="tx1"/>
+                      </a:solidFill>
+                      <a:prstDash val="solid"/>
+                    </a:lnB>
+                  </a:tcPr>
+                </a:tc>
+                <a:tc>
+                  <a:txBody>
+                    <a:bodyPr/>
+                    <a:lstStyle/>
+                    <a:p>
+                      <a:pPr marL="0" marR="0" lvl="0" indent="0" algn="l" defTabSz="914400" rtl="0" eaLnBrk="1" fontAlgn="auto" latinLnBrk="0" hangingPunct="1">
+                        <a:lnSpc>
+                          <a:spcPct val="100000"/>
+                        </a:lnSpc>
+                        <a:spcBef>
+                          <a:spcPts val="0"/>
+                        </a:spcBef>
+                        <a:spcAft>
+                          <a:spcPts val="0"/>
+                        </a:spcAft>
+                        <a:buClrTx/>
+                        <a:buSzTx/>
+                        <a:buFontTx/>
+                        <a:buNone/>
+                        <a:tabLst/>
+                        <a:defRPr/>
+                      </a:pPr>
+                      <a:r>
+                        <a:rPr lang="tr-TR" dirty="0"/>
+                        <a:t>7.98A</a:t>
+                      </a:r>
+                      <a:endParaRPr lang="en-US" dirty="0"/>
+                    </a:p>
+                  </a:txBody>
+                  <a:tcPr>
+                    <a:lnL w="12700" cap="flat" cmpd="sng" algn="ctr">
+                      <a:solidFill>
+                        <a:schemeClr val="tx1"/>
+                      </a:solidFill>
+                      <a:prstDash val="solid"/>
+                      <a:round/>
+                      <a:headEnd type="none" w="med" len="med"/>
+                      <a:tailEnd type="none" w="med" len="med"/>
+                    </a:lnL>
+                    <a:lnR w="12700" cap="flat" cmpd="sng" algn="ctr">
+                      <a:solidFill>
+                        <a:schemeClr val="tx1"/>
+                      </a:solidFill>
+                      <a:prstDash val="solid"/>
+                      <a:round/>
+                      <a:headEnd type="none" w="med" len="med"/>
+                      <a:tailEnd type="none" w="med" len="med"/>
+                    </a:lnR>
+                    <a:lnT w="12700" cap="flat" cmpd="sng" algn="ctr">
+                      <a:solidFill>
+                        <a:schemeClr val="tx1"/>
+                      </a:solidFill>
+                      <a:prstDash val="solid"/>
+                      <a:round/>
+                      <a:headEnd type="none" w="med" len="med"/>
+                      <a:tailEnd type="none" w="med" len="med"/>
+                    </a:lnT>
+                    <a:lnB w="12700" cmpd="sng">
+                      <a:solidFill>
+                        <a:schemeClr val="tx1"/>
+                      </a:solidFill>
+                      <a:prstDash val="solid"/>
+                    </a:lnB>
+                  </a:tcPr>
+                </a:tc>
+                <a:tc>
+                  <a:txBody>
+                    <a:bodyPr/>
+                    <a:lstStyle/>
+                    <a:p>
+                      <a:r>
+                        <a:rPr lang="tr-TR" dirty="0"/>
+                        <a:t>1.88A</a:t>
+                      </a:r>
+                      <a:endParaRPr lang="en-US" dirty="0"/>
+                    </a:p>
+                  </a:txBody>
+                  <a:tcPr>
+                    <a:lnL w="12700" cap="flat" cmpd="sng" algn="ctr">
+                      <a:solidFill>
+                        <a:schemeClr val="tx1"/>
+                      </a:solidFill>
+                      <a:prstDash val="solid"/>
+                      <a:round/>
+                      <a:headEnd type="none" w="med" len="med"/>
+                      <a:tailEnd type="none" w="med" len="med"/>
+                    </a:lnL>
+                    <a:lnR w="12700" cap="flat" cmpd="sng" algn="ctr">
+                      <a:solidFill>
+                        <a:schemeClr val="tx1"/>
+                      </a:solidFill>
+                      <a:prstDash val="solid"/>
+                      <a:round/>
+                      <a:headEnd type="none" w="med" len="med"/>
+                      <a:tailEnd type="none" w="med" len="med"/>
+                    </a:lnR>
+                    <a:lnT w="12700" cap="flat" cmpd="sng" algn="ctr">
+                      <a:solidFill>
+                        <a:schemeClr val="tx1"/>
+                      </a:solidFill>
+                      <a:prstDash val="solid"/>
+                      <a:round/>
+                      <a:headEnd type="none" w="med" len="med"/>
+                      <a:tailEnd type="none" w="med" len="med"/>
+                    </a:lnT>
+                    <a:lnB w="12700" cmpd="sng">
+                      <a:solidFill>
+                        <a:schemeClr val="tx1"/>
+                      </a:solidFill>
+                      <a:prstDash val="solid"/>
+                    </a:lnB>
+                  </a:tcPr>
+                </a:tc>
+                <a:tc>
+                  <a:txBody>
+                    <a:bodyPr/>
+                    <a:lstStyle/>
+                    <a:p>
+                      <a:r>
+                        <a:rPr lang="tr-TR" dirty="0"/>
+                        <a:t>4.273A</a:t>
+                      </a:r>
+                      <a:endParaRPr lang="en-US" dirty="0"/>
+                    </a:p>
+                  </a:txBody>
+                  <a:tcPr>
+                    <a:lnL w="12700" cap="flat" cmpd="sng" algn="ctr">
+                      <a:solidFill>
+                        <a:schemeClr val="tx1"/>
+                      </a:solidFill>
+                      <a:prstDash val="solid"/>
+                      <a:round/>
+                      <a:headEnd type="none" w="med" len="med"/>
+                      <a:tailEnd type="none" w="med" len="med"/>
+                    </a:lnL>
+                    <a:lnR w="12700" cap="flat" cmpd="sng" algn="ctr">
+                      <a:solidFill>
+                        <a:schemeClr val="tx1"/>
+                      </a:solidFill>
+                      <a:prstDash val="solid"/>
+                      <a:round/>
+                      <a:headEnd type="none" w="med" len="med"/>
+                      <a:tailEnd type="none" w="med" len="med"/>
+                    </a:lnR>
+                    <a:lnT w="12700" cap="flat" cmpd="sng" algn="ctr">
+                      <a:solidFill>
+                        <a:schemeClr val="tx1"/>
+                      </a:solidFill>
+                      <a:prstDash val="solid"/>
+                      <a:round/>
+                      <a:headEnd type="none" w="med" len="med"/>
+                      <a:tailEnd type="none" w="med" len="med"/>
+                    </a:lnT>
+                    <a:lnB w="12700" cmpd="sng">
+                      <a:solidFill>
+                        <a:schemeClr val="tx1"/>
+                      </a:solidFill>
+                      <a:prstDash val="solid"/>
+                    </a:lnB>
+                  </a:tcPr>
+                </a:tc>
+                <a:tc>
+                  <a:txBody>
+                    <a:bodyPr/>
+                    <a:lstStyle/>
+                    <a:p>
+                      <a:r>
+                        <a:rPr lang="tr-TR" dirty="0"/>
+                        <a:t>20.90</a:t>
+                      </a:r>
+                      <a:endParaRPr lang="en-US" dirty="0"/>
+                    </a:p>
+                  </a:txBody>
+                  <a:tcPr>
+                    <a:lnL w="12700" cap="flat" cmpd="sng" algn="ctr">
+                      <a:solidFill>
+                        <a:schemeClr val="tx1"/>
+                      </a:solidFill>
+                      <a:prstDash val="solid"/>
+                      <a:round/>
+                      <a:headEnd type="none" w="med" len="med"/>
+                      <a:tailEnd type="none" w="med" len="med"/>
+                    </a:lnL>
+                    <a:lnR w="12700" cap="flat" cmpd="sng" algn="ctr">
+                      <a:solidFill>
+                        <a:schemeClr val="tx1"/>
+                      </a:solidFill>
+                      <a:prstDash val="solid"/>
+                      <a:round/>
+                      <a:headEnd type="none" w="med" len="med"/>
+                      <a:tailEnd type="none" w="med" len="med"/>
+                    </a:lnR>
+                    <a:lnT w="12700" cap="flat" cmpd="sng" algn="ctr">
+                      <a:solidFill>
+                        <a:schemeClr val="tx1"/>
+                      </a:solidFill>
+                      <a:prstDash val="solid"/>
+                      <a:round/>
+                      <a:headEnd type="none" w="med" len="med"/>
+                      <a:tailEnd type="none" w="med" len="med"/>
+                    </a:lnT>
+                    <a:lnB w="12700" cmpd="sng">
+                      <a:solidFill>
+                        <a:schemeClr val="tx1"/>
+                      </a:solidFill>
+                      <a:prstDash val="solid"/>
+                    </a:lnB>
+                  </a:tcPr>
+                </a:tc>
+                <a:tc>
+                  <a:txBody>
+                    <a:bodyPr/>
+                    <a:lstStyle/>
+                    <a:p>
+                      <a:r>
+                        <a:rPr lang="tr-TR" dirty="0"/>
+                        <a:t>75.76</a:t>
+                      </a:r>
+                      <a:endParaRPr lang="en-US" dirty="0"/>
+                    </a:p>
+                  </a:txBody>
+                  <a:tcPr>
+                    <a:lnL w="12700" cap="flat" cmpd="sng" algn="ctr">
+                      <a:solidFill>
+                        <a:schemeClr val="tx1"/>
+                      </a:solidFill>
+                      <a:prstDash val="solid"/>
+                      <a:round/>
+                      <a:headEnd type="none" w="med" len="med"/>
+                      <a:tailEnd type="none" w="med" len="med"/>
+                    </a:lnL>
+                    <a:lnR w="12700" cap="flat" cmpd="sng" algn="ctr">
+                      <a:solidFill>
+                        <a:schemeClr val="tx1"/>
+                      </a:solidFill>
+                      <a:prstDash val="solid"/>
+                      <a:round/>
+                      <a:headEnd type="none" w="med" len="med"/>
+                      <a:tailEnd type="none" w="med" len="med"/>
+                    </a:lnR>
+                    <a:lnT w="12700" cap="flat" cmpd="sng" algn="ctr">
+                      <a:solidFill>
+                        <a:schemeClr val="tx1"/>
+                      </a:solidFill>
+                      <a:prstDash val="solid"/>
+                      <a:round/>
+                      <a:headEnd type="none" w="med" len="med"/>
+                      <a:tailEnd type="none" w="med" len="med"/>
+                    </a:lnT>
+                    <a:lnB w="12700" cmpd="sng">
+                      <a:solidFill>
+                        <a:schemeClr val="tx1"/>
+                      </a:solidFill>
+                      <a:prstDash val="solid"/>
+                    </a:lnB>
+                  </a:tcPr>
+                </a:tc>
+                <a:extLst>
+                  <a:ext uri="{0D108BD9-81ED-4DB2-BD59-A6C34878D82A}">
+                    <a16:rowId xmlns:a16="http://schemas.microsoft.com/office/drawing/2014/main" val="830284100"/>
+                  </a:ext>
+                </a:extLst>
+              </a:tr>
+            </a:tbl>
+          </a:graphicData>
+        </a:graphic>
+      </p:graphicFrame>
+      <p:pic>
+        <p:nvPicPr>
+          <p:cNvPr id="6" name="Picture 5">
+            <a:extLst>
+              <a:ext uri="{FF2B5EF4-FFF2-40B4-BE49-F238E27FC236}">
+                <a16:creationId xmlns:a16="http://schemas.microsoft.com/office/drawing/2014/main" id="{65709C4A-F936-4AC3-A779-AAB9017047B7}"/>
+              </a:ext>
+            </a:extLst>
+          </p:cNvPr>
+          <p:cNvPicPr>
+            <a:picLocks noChangeAspect="1"/>
+          </p:cNvPicPr>
+          <p:nvPr/>
+        </p:nvPicPr>
+        <p:blipFill>
+          <a:blip r:embed="rId2"/>
+          <a:stretch>
+            <a:fillRect/>
+          </a:stretch>
+        </p:blipFill>
+        <p:spPr>
+          <a:xfrm>
+            <a:off x="7984901" y="1879018"/>
+            <a:ext cx="4391697" cy="2187258"/>
+          </a:xfrm>
+          <a:prstGeom prst="rect">
+            <a:avLst/>
+          </a:prstGeom>
+        </p:spPr>
+      </p:pic>
+      <p:pic>
+        <p:nvPicPr>
+          <p:cNvPr id="7" name="Picture 6">
+            <a:extLst>
+              <a:ext uri="{FF2B5EF4-FFF2-40B4-BE49-F238E27FC236}">
+                <a16:creationId xmlns:a16="http://schemas.microsoft.com/office/drawing/2014/main" id="{FE88A82B-E881-4EFE-932D-E73EF7C40540}"/>
+              </a:ext>
+            </a:extLst>
+          </p:cNvPr>
+          <p:cNvPicPr>
+            <a:picLocks noChangeAspect="1"/>
+          </p:cNvPicPr>
+          <p:nvPr/>
+        </p:nvPicPr>
+        <p:blipFill>
+          <a:blip r:embed="rId3"/>
+          <a:stretch>
+            <a:fillRect/>
+          </a:stretch>
+        </p:blipFill>
+        <p:spPr>
+          <a:xfrm>
+            <a:off x="0" y="4176797"/>
+            <a:ext cx="12192000" cy="2747290"/>
+          </a:xfrm>
+          <a:prstGeom prst="rect">
+            <a:avLst/>
+          </a:prstGeom>
+        </p:spPr>
+      </p:pic>
     </p:spTree>
     <p:extLst>
       <p:ext uri="{BB962C8B-B14F-4D97-AF65-F5344CB8AC3E}">
-        <p14:creationId xmlns:p14="http://schemas.microsoft.com/office/powerpoint/2010/main" val="2427900278"/>
+        <p14:creationId xmlns:p14="http://schemas.microsoft.com/office/powerpoint/2010/main" val="1352528570"/>
+      </p:ext>
+    </p:extLst>
+  </p:cSld>
+  <p:clrMapOvr>
+    <a:masterClrMapping/>
+  </p:clrMapOvr>
+</p:sld>
+</file>
+
+<file path=ppt/slides/slide19.xml><?xml version="1.0" encoding="utf-8"?>
+<p:sld xmlns:a="http://schemas.openxmlformats.org/drawingml/2006/main" xmlns:r="http://schemas.openxmlformats.org/officeDocument/2006/relationships" xmlns:p="http://schemas.openxmlformats.org/presentationml/2006/main">
+  <p:cSld>
+    <p:spTree>
+      <p:nvGrpSpPr>
+        <p:cNvPr id="1" name=""/>
+        <p:cNvGrpSpPr/>
+        <p:nvPr/>
+      </p:nvGrpSpPr>
+      <p:grpSpPr>
+        <a:xfrm>
+          <a:off x="0" y="0"/>
+          <a:ext cx="0" cy="0"/>
+          <a:chOff x="0" y="0"/>
+          <a:chExt cx="0" cy="0"/>
+        </a:xfrm>
+      </p:grpSpPr>
+      <p:sp>
+        <p:nvSpPr>
+          <p:cNvPr id="2" name="Title 1">
+            <a:extLst>
+              <a:ext uri="{FF2B5EF4-FFF2-40B4-BE49-F238E27FC236}">
+                <a16:creationId xmlns:a16="http://schemas.microsoft.com/office/drawing/2014/main" id="{1FDE9658-8423-4BD8-8307-30CA3ADFE834}"/>
+              </a:ext>
+            </a:extLst>
+          </p:cNvPr>
+          <p:cNvSpPr>
+            <a:spLocks noGrp="1"/>
+          </p:cNvSpPr>
+          <p:nvPr>
+            <p:ph type="title"/>
+          </p:nvPr>
+        </p:nvSpPr>
+        <p:spPr>
+          <a:xfrm>
+            <a:off x="4959439" y="51516"/>
+            <a:ext cx="1602347" cy="874802"/>
+          </a:xfrm>
+        </p:spPr>
+        <p:txBody>
+          <a:bodyPr>
+            <a:normAutofit fontScale="90000"/>
+          </a:bodyPr>
+          <a:lstStyle/>
+          <a:p>
+            <a:r>
+              <a:rPr lang="tr-TR" dirty="0"/>
+              <a:t>Case-5</a:t>
+            </a:r>
+            <a:endParaRPr lang="en-US" dirty="0"/>
+          </a:p>
+        </p:txBody>
+      </p:sp>
+      <p:graphicFrame>
+        <p:nvGraphicFramePr>
+          <p:cNvPr id="3" name="Table 2">
+            <a:extLst>
+              <a:ext uri="{FF2B5EF4-FFF2-40B4-BE49-F238E27FC236}">
+                <a16:creationId xmlns:a16="http://schemas.microsoft.com/office/drawing/2014/main" id="{018B465E-1B9F-4779-B003-A65CE1F2CC91}"/>
+              </a:ext>
+            </a:extLst>
+          </p:cNvPr>
+          <p:cNvGraphicFramePr>
+            <a:graphicFrameLocks noGrp="1"/>
+          </p:cNvGraphicFramePr>
+          <p:nvPr>
+            <p:extLst>
+              <p:ext uri="{D42A27DB-BD31-4B8C-83A1-F6EECF244321}">
+                <p14:modId xmlns:p14="http://schemas.microsoft.com/office/powerpoint/2010/main" val="1358744101"/>
+              </p:ext>
+            </p:extLst>
+          </p:nvPr>
+        </p:nvGraphicFramePr>
+        <p:xfrm>
+          <a:off x="627846" y="846393"/>
+          <a:ext cx="10760295" cy="731520"/>
+        </p:xfrm>
+        <a:graphic>
+          <a:graphicData uri="http://schemas.openxmlformats.org/drawingml/2006/table">
+            <a:tbl>
+              <a:tblPr/>
+              <a:tblGrid>
+                <a:gridCol w="1537185">
+                  <a:extLst>
+                    <a:ext uri="{9D8B030D-6E8A-4147-A177-3AD203B41FA5}">
+                      <a16:colId xmlns:a16="http://schemas.microsoft.com/office/drawing/2014/main" val="3339891136"/>
+                    </a:ext>
+                  </a:extLst>
+                </a:gridCol>
+                <a:gridCol w="1537185">
+                  <a:extLst>
+                    <a:ext uri="{9D8B030D-6E8A-4147-A177-3AD203B41FA5}">
+                      <a16:colId xmlns:a16="http://schemas.microsoft.com/office/drawing/2014/main" val="1471215429"/>
+                    </a:ext>
+                  </a:extLst>
+                </a:gridCol>
+                <a:gridCol w="1537185">
+                  <a:extLst>
+                    <a:ext uri="{9D8B030D-6E8A-4147-A177-3AD203B41FA5}">
+                      <a16:colId xmlns:a16="http://schemas.microsoft.com/office/drawing/2014/main" val="268356510"/>
+                    </a:ext>
+                  </a:extLst>
+                </a:gridCol>
+                <a:gridCol w="1537185">
+                  <a:extLst>
+                    <a:ext uri="{9D8B030D-6E8A-4147-A177-3AD203B41FA5}">
+                      <a16:colId xmlns:a16="http://schemas.microsoft.com/office/drawing/2014/main" val="414559488"/>
+                    </a:ext>
+                  </a:extLst>
+                </a:gridCol>
+                <a:gridCol w="1537185">
+                  <a:extLst>
+                    <a:ext uri="{9D8B030D-6E8A-4147-A177-3AD203B41FA5}">
+                      <a16:colId xmlns:a16="http://schemas.microsoft.com/office/drawing/2014/main" val="1780938479"/>
+                    </a:ext>
+                  </a:extLst>
+                </a:gridCol>
+                <a:gridCol w="1537185">
+                  <a:extLst>
+                    <a:ext uri="{9D8B030D-6E8A-4147-A177-3AD203B41FA5}">
+                      <a16:colId xmlns:a16="http://schemas.microsoft.com/office/drawing/2014/main" val="757650095"/>
+                    </a:ext>
+                  </a:extLst>
+                </a:gridCol>
+                <a:gridCol w="1537185">
+                  <a:extLst>
+                    <a:ext uri="{9D8B030D-6E8A-4147-A177-3AD203B41FA5}">
+                      <a16:colId xmlns:a16="http://schemas.microsoft.com/office/drawing/2014/main" val="4161997266"/>
+                    </a:ext>
+                  </a:extLst>
+                </a:gridCol>
+              </a:tblGrid>
+              <a:tr h="315532">
+                <a:tc>
+                  <a:txBody>
+                    <a:bodyPr/>
+                    <a:lstStyle/>
+                    <a:p>
+                      <a:r>
+                        <a:rPr lang="tr-TR" dirty="0" err="1"/>
+                        <a:t>Frequency</a:t>
+                      </a:r>
+                      <a:endParaRPr lang="en-US" dirty="0"/>
+                    </a:p>
+                  </a:txBody>
+                  <a:tcPr>
+                    <a:lnL w="12700" cmpd="sng">
+                      <a:solidFill>
+                        <a:schemeClr val="tx1"/>
+                      </a:solidFill>
+                      <a:prstDash val="solid"/>
+                    </a:lnL>
+                    <a:lnR w="12700" cmpd="sng">
+                      <a:solidFill>
+                        <a:schemeClr val="tx1"/>
+                      </a:solidFill>
+                      <a:prstDash val="solid"/>
+                    </a:lnR>
+                    <a:lnT w="12700" cmpd="sng">
+                      <a:solidFill>
+                        <a:schemeClr val="tx1"/>
+                      </a:solidFill>
+                      <a:prstDash val="solid"/>
+                    </a:lnT>
+                    <a:lnB w="12700" cap="flat" cmpd="sng" algn="ctr">
+                      <a:solidFill>
+                        <a:schemeClr val="tx1"/>
+                      </a:solidFill>
+                      <a:prstDash val="solid"/>
+                      <a:round/>
+                      <a:headEnd type="none" w="med" len="med"/>
+                      <a:tailEnd type="none" w="med" len="med"/>
+                    </a:lnB>
+                  </a:tcPr>
+                </a:tc>
+                <a:tc>
+                  <a:txBody>
+                    <a:bodyPr/>
+                    <a:lstStyle/>
+                    <a:p>
+                      <a:r>
+                        <a:rPr lang="tr-TR" dirty="0" err="1"/>
+                        <a:t>Ip</a:t>
+                      </a:r>
+                      <a:r>
+                        <a:rPr lang="tr-TR" dirty="0"/>
+                        <a:t> (</a:t>
+                      </a:r>
+                      <a:r>
+                        <a:rPr lang="tr-TR" dirty="0" err="1"/>
+                        <a:t>peak</a:t>
+                      </a:r>
+                      <a:r>
+                        <a:rPr lang="tr-TR" dirty="0"/>
+                        <a:t>)</a:t>
+                      </a:r>
+                      <a:endParaRPr lang="en-US" dirty="0"/>
+                    </a:p>
+                  </a:txBody>
+                  <a:tcPr>
+                    <a:lnL w="12700" cap="flat" cmpd="sng" algn="ctr">
+                      <a:solidFill>
+                        <a:schemeClr val="tx1"/>
+                      </a:solidFill>
+                      <a:prstDash val="solid"/>
+                      <a:round/>
+                      <a:headEnd type="none" w="med" len="med"/>
+                      <a:tailEnd type="none" w="med" len="med"/>
+                    </a:lnL>
+                    <a:lnR w="12700" cmpd="sng">
+                      <a:solidFill>
+                        <a:schemeClr val="tx1"/>
+                      </a:solidFill>
+                      <a:prstDash val="solid"/>
+                    </a:lnR>
+                    <a:lnT w="12700" cmpd="sng">
+                      <a:solidFill>
+                        <a:schemeClr val="tx1"/>
+                      </a:solidFill>
+                      <a:prstDash val="solid"/>
+                    </a:lnT>
+                    <a:lnB w="12700" cap="flat" cmpd="sng" algn="ctr">
+                      <a:solidFill>
+                        <a:schemeClr val="tx1"/>
+                      </a:solidFill>
+                      <a:prstDash val="solid"/>
+                      <a:round/>
+                      <a:headEnd type="none" w="med" len="med"/>
+                      <a:tailEnd type="none" w="med" len="med"/>
+                    </a:lnB>
+                  </a:tcPr>
+                </a:tc>
+                <a:tc>
+                  <a:txBody>
+                    <a:bodyPr/>
+                    <a:lstStyle/>
+                    <a:p>
+                      <a:r>
+                        <a:rPr lang="tr-TR" dirty="0"/>
+                        <a:t>Is1(</a:t>
+                      </a:r>
+                      <a:r>
+                        <a:rPr lang="tr-TR" dirty="0" err="1"/>
+                        <a:t>peak</a:t>
+                      </a:r>
+                      <a:r>
+                        <a:rPr lang="tr-TR" dirty="0"/>
+                        <a:t>)</a:t>
+                      </a:r>
+                      <a:endParaRPr lang="en-US" dirty="0"/>
+                    </a:p>
+                  </a:txBody>
+                  <a:tcPr>
+                    <a:lnL w="12700" cap="flat" cmpd="sng" algn="ctr">
+                      <a:solidFill>
+                        <a:schemeClr val="tx1"/>
+                      </a:solidFill>
+                      <a:prstDash val="solid"/>
+                      <a:round/>
+                      <a:headEnd type="none" w="med" len="med"/>
+                      <a:tailEnd type="none" w="med" len="med"/>
+                    </a:lnL>
+                    <a:lnR w="12700" cmpd="sng">
+                      <a:solidFill>
+                        <a:schemeClr val="tx1"/>
+                      </a:solidFill>
+                      <a:prstDash val="solid"/>
+                    </a:lnR>
+                    <a:lnT w="12700" cmpd="sng">
+                      <a:solidFill>
+                        <a:schemeClr val="tx1"/>
+                      </a:solidFill>
+                      <a:prstDash val="solid"/>
+                    </a:lnT>
+                    <a:lnB w="12700" cap="flat" cmpd="sng" algn="ctr">
+                      <a:solidFill>
+                        <a:schemeClr val="tx1"/>
+                      </a:solidFill>
+                      <a:prstDash val="solid"/>
+                      <a:round/>
+                      <a:headEnd type="none" w="med" len="med"/>
+                      <a:tailEnd type="none" w="med" len="med"/>
+                    </a:lnB>
+                  </a:tcPr>
+                </a:tc>
+                <a:tc>
+                  <a:txBody>
+                    <a:bodyPr/>
+                    <a:lstStyle/>
+                    <a:p>
+                      <a:r>
+                        <a:rPr lang="tr-TR" dirty="0"/>
+                        <a:t>Is2(</a:t>
+                      </a:r>
+                      <a:r>
+                        <a:rPr lang="tr-TR" dirty="0" err="1"/>
+                        <a:t>peak</a:t>
+                      </a:r>
+                      <a:r>
+                        <a:rPr lang="tr-TR" dirty="0"/>
+                        <a:t>)</a:t>
+                      </a:r>
+                      <a:endParaRPr lang="en-US" dirty="0"/>
+                    </a:p>
+                  </a:txBody>
+                  <a:tcPr>
+                    <a:lnL w="12700" cap="flat" cmpd="sng" algn="ctr">
+                      <a:solidFill>
+                        <a:schemeClr val="tx1"/>
+                      </a:solidFill>
+                      <a:prstDash val="solid"/>
+                      <a:round/>
+                      <a:headEnd type="none" w="med" len="med"/>
+                      <a:tailEnd type="none" w="med" len="med"/>
+                    </a:lnL>
+                    <a:lnR w="12700" cap="flat" cmpd="sng" algn="ctr">
+                      <a:solidFill>
+                        <a:schemeClr val="tx1"/>
+                      </a:solidFill>
+                      <a:prstDash val="solid"/>
+                      <a:round/>
+                      <a:headEnd type="none" w="med" len="med"/>
+                      <a:tailEnd type="none" w="med" len="med"/>
+                    </a:lnR>
+                    <a:lnT w="12700" cmpd="sng">
+                      <a:solidFill>
+                        <a:schemeClr val="tx1"/>
+                      </a:solidFill>
+                      <a:prstDash val="solid"/>
+                    </a:lnT>
+                    <a:lnB w="12700" cap="flat" cmpd="sng" algn="ctr">
+                      <a:solidFill>
+                        <a:schemeClr val="tx1"/>
+                      </a:solidFill>
+                      <a:prstDash val="solid"/>
+                      <a:round/>
+                      <a:headEnd type="none" w="med" len="med"/>
+                      <a:tailEnd type="none" w="med" len="med"/>
+                    </a:lnB>
+                  </a:tcPr>
+                </a:tc>
+                <a:tc>
+                  <a:txBody>
+                    <a:bodyPr/>
+                    <a:lstStyle/>
+                    <a:p>
+                      <a:r>
+                        <a:rPr lang="tr-TR" dirty="0" err="1"/>
+                        <a:t>Ip</a:t>
+                      </a:r>
+                      <a:r>
+                        <a:rPr lang="tr-TR" dirty="0"/>
+                        <a:t> (</a:t>
+                      </a:r>
+                      <a:r>
+                        <a:rPr lang="tr-TR" dirty="0" err="1"/>
+                        <a:t>angle</a:t>
+                      </a:r>
+                      <a:r>
+                        <a:rPr lang="tr-TR" dirty="0"/>
+                        <a:t>)</a:t>
+                      </a:r>
+                      <a:endParaRPr lang="en-US" dirty="0"/>
+                    </a:p>
+                  </a:txBody>
+                  <a:tcPr>
+                    <a:lnL w="12700" cap="flat" cmpd="sng" algn="ctr">
+                      <a:solidFill>
+                        <a:schemeClr val="tx1"/>
+                      </a:solidFill>
+                      <a:prstDash val="solid"/>
+                      <a:round/>
+                      <a:headEnd type="none" w="med" len="med"/>
+                      <a:tailEnd type="none" w="med" len="med"/>
+                    </a:lnL>
+                    <a:lnR w="12700" cmpd="sng">
+                      <a:solidFill>
+                        <a:schemeClr val="tx1"/>
+                      </a:solidFill>
+                      <a:prstDash val="solid"/>
+                    </a:lnR>
+                    <a:lnT w="12700" cmpd="sng">
+                      <a:solidFill>
+                        <a:schemeClr val="tx1"/>
+                      </a:solidFill>
+                      <a:prstDash val="solid"/>
+                    </a:lnT>
+                    <a:lnB w="12700" cap="flat" cmpd="sng" algn="ctr">
+                      <a:solidFill>
+                        <a:schemeClr val="tx1"/>
+                      </a:solidFill>
+                      <a:prstDash val="solid"/>
+                      <a:round/>
+                      <a:headEnd type="none" w="med" len="med"/>
+                      <a:tailEnd type="none" w="med" len="med"/>
+                    </a:lnB>
+                  </a:tcPr>
+                </a:tc>
+                <a:tc>
+                  <a:txBody>
+                    <a:bodyPr/>
+                    <a:lstStyle/>
+                    <a:p>
+                      <a:r>
+                        <a:rPr lang="tr-TR" dirty="0"/>
+                        <a:t>Is1(</a:t>
+                      </a:r>
+                      <a:r>
+                        <a:rPr lang="tr-TR" dirty="0" err="1"/>
+                        <a:t>angle</a:t>
+                      </a:r>
+                      <a:r>
+                        <a:rPr lang="tr-TR" dirty="0"/>
+                        <a:t>)</a:t>
+                      </a:r>
+                      <a:endParaRPr lang="en-US" dirty="0"/>
+                    </a:p>
+                  </a:txBody>
+                  <a:tcPr>
+                    <a:lnL w="12700" cap="flat" cmpd="sng" algn="ctr">
+                      <a:solidFill>
+                        <a:schemeClr val="tx1"/>
+                      </a:solidFill>
+                      <a:prstDash val="solid"/>
+                      <a:round/>
+                      <a:headEnd type="none" w="med" len="med"/>
+                      <a:tailEnd type="none" w="med" len="med"/>
+                    </a:lnL>
+                    <a:lnR w="12700" cmpd="sng">
+                      <a:solidFill>
+                        <a:schemeClr val="tx1"/>
+                      </a:solidFill>
+                      <a:prstDash val="solid"/>
+                    </a:lnR>
+                    <a:lnT w="12700" cmpd="sng">
+                      <a:solidFill>
+                        <a:schemeClr val="tx1"/>
+                      </a:solidFill>
+                      <a:prstDash val="solid"/>
+                    </a:lnT>
+                    <a:lnB w="12700" cap="flat" cmpd="sng" algn="ctr">
+                      <a:solidFill>
+                        <a:schemeClr val="tx1"/>
+                      </a:solidFill>
+                      <a:prstDash val="solid"/>
+                      <a:round/>
+                      <a:headEnd type="none" w="med" len="med"/>
+                      <a:tailEnd type="none" w="med" len="med"/>
+                    </a:lnB>
+                  </a:tcPr>
+                </a:tc>
+                <a:tc>
+                  <a:txBody>
+                    <a:bodyPr/>
+                    <a:lstStyle/>
+                    <a:p>
+                      <a:r>
+                        <a:rPr lang="tr-TR" dirty="0"/>
+                        <a:t>Is2(</a:t>
+                      </a:r>
+                      <a:r>
+                        <a:rPr lang="tr-TR" dirty="0" err="1"/>
+                        <a:t>angle</a:t>
+                      </a:r>
+                      <a:r>
+                        <a:rPr lang="tr-TR" dirty="0"/>
+                        <a:t>)</a:t>
+                      </a:r>
+                      <a:endParaRPr lang="en-US" dirty="0"/>
+                    </a:p>
+                  </a:txBody>
+                  <a:tcPr>
+                    <a:lnL w="12700" cap="flat" cmpd="sng" algn="ctr">
+                      <a:solidFill>
+                        <a:schemeClr val="tx1"/>
+                      </a:solidFill>
+                      <a:prstDash val="solid"/>
+                      <a:round/>
+                      <a:headEnd type="none" w="med" len="med"/>
+                      <a:tailEnd type="none" w="med" len="med"/>
+                    </a:lnL>
+                    <a:lnR w="12700" cmpd="sng">
+                      <a:solidFill>
+                        <a:schemeClr val="tx1"/>
+                      </a:solidFill>
+                      <a:prstDash val="solid"/>
+                    </a:lnR>
+                    <a:lnT w="12700" cmpd="sng">
+                      <a:solidFill>
+                        <a:schemeClr val="tx1"/>
+                      </a:solidFill>
+                      <a:prstDash val="solid"/>
+                    </a:lnT>
+                    <a:lnB w="12700" cap="flat" cmpd="sng" algn="ctr">
+                      <a:solidFill>
+                        <a:schemeClr val="tx1"/>
+                      </a:solidFill>
+                      <a:prstDash val="solid"/>
+                      <a:round/>
+                      <a:headEnd type="none" w="med" len="med"/>
+                      <a:tailEnd type="none" w="med" len="med"/>
+                    </a:lnB>
+                  </a:tcPr>
+                </a:tc>
+                <a:extLst>
+                  <a:ext uri="{0D108BD9-81ED-4DB2-BD59-A6C34878D82A}">
+                    <a16:rowId xmlns:a16="http://schemas.microsoft.com/office/drawing/2014/main" val="2648448771"/>
+                  </a:ext>
+                </a:extLst>
+              </a:tr>
+              <a:tr h="315532">
+                <a:tc>
+                  <a:txBody>
+                    <a:bodyPr/>
+                    <a:lstStyle/>
+                    <a:p>
+                      <a:pPr marL="0" marR="0" lvl="0" indent="0" algn="l" defTabSz="914400" rtl="0" eaLnBrk="1" fontAlgn="auto" latinLnBrk="0" hangingPunct="1">
+                        <a:lnSpc>
+                          <a:spcPct val="100000"/>
+                        </a:lnSpc>
+                        <a:spcBef>
+                          <a:spcPts val="0"/>
+                        </a:spcBef>
+                        <a:spcAft>
+                          <a:spcPts val="0"/>
+                        </a:spcAft>
+                        <a:buClrTx/>
+                        <a:buSzTx/>
+                        <a:buFontTx/>
+                        <a:buNone/>
+                        <a:tabLst/>
+                        <a:defRPr/>
+                      </a:pPr>
+                      <a:r>
+                        <a:rPr lang="tr-TR" dirty="0"/>
+                        <a:t>154.75kHz</a:t>
+                      </a:r>
+                      <a:endParaRPr lang="en-US" dirty="0"/>
+                    </a:p>
+                  </a:txBody>
+                  <a:tcPr>
+                    <a:lnL w="12700" cmpd="sng">
+                      <a:solidFill>
+                        <a:schemeClr val="tx1"/>
+                      </a:solidFill>
+                      <a:prstDash val="solid"/>
+                    </a:lnL>
+                    <a:lnR w="12700" cap="flat" cmpd="sng" algn="ctr">
+                      <a:solidFill>
+                        <a:schemeClr val="tx1"/>
+                      </a:solidFill>
+                      <a:prstDash val="solid"/>
+                      <a:round/>
+                      <a:headEnd type="none" w="med" len="med"/>
+                      <a:tailEnd type="none" w="med" len="med"/>
+                    </a:lnR>
+                    <a:lnT w="12700" cap="flat" cmpd="sng" algn="ctr">
+                      <a:solidFill>
+                        <a:schemeClr val="tx1"/>
+                      </a:solidFill>
+                      <a:prstDash val="solid"/>
+                      <a:round/>
+                      <a:headEnd type="none" w="med" len="med"/>
+                      <a:tailEnd type="none" w="med" len="med"/>
+                    </a:lnT>
+                    <a:lnB w="12700" cmpd="sng">
+                      <a:solidFill>
+                        <a:schemeClr val="tx1"/>
+                      </a:solidFill>
+                      <a:prstDash val="solid"/>
+                    </a:lnB>
+                  </a:tcPr>
+                </a:tc>
+                <a:tc>
+                  <a:txBody>
+                    <a:bodyPr/>
+                    <a:lstStyle/>
+                    <a:p>
+                      <a:pPr marL="0" marR="0" lvl="0" indent="0" algn="l" defTabSz="914400" rtl="0" eaLnBrk="1" fontAlgn="auto" latinLnBrk="0" hangingPunct="1">
+                        <a:lnSpc>
+                          <a:spcPct val="100000"/>
+                        </a:lnSpc>
+                        <a:spcBef>
+                          <a:spcPts val="0"/>
+                        </a:spcBef>
+                        <a:spcAft>
+                          <a:spcPts val="0"/>
+                        </a:spcAft>
+                        <a:buClrTx/>
+                        <a:buSzTx/>
+                        <a:buFontTx/>
+                        <a:buNone/>
+                        <a:tabLst/>
+                        <a:defRPr/>
+                      </a:pPr>
+                      <a:r>
+                        <a:rPr lang="tr-TR" dirty="0"/>
+                        <a:t>7.41A</a:t>
+                      </a:r>
+                      <a:endParaRPr lang="en-US" dirty="0"/>
+                    </a:p>
+                  </a:txBody>
+                  <a:tcPr>
+                    <a:lnL w="12700" cap="flat" cmpd="sng" algn="ctr">
+                      <a:solidFill>
+                        <a:schemeClr val="tx1"/>
+                      </a:solidFill>
+                      <a:prstDash val="solid"/>
+                      <a:round/>
+                      <a:headEnd type="none" w="med" len="med"/>
+                      <a:tailEnd type="none" w="med" len="med"/>
+                    </a:lnL>
+                    <a:lnR w="12700" cap="flat" cmpd="sng" algn="ctr">
+                      <a:solidFill>
+                        <a:schemeClr val="tx1"/>
+                      </a:solidFill>
+                      <a:prstDash val="solid"/>
+                      <a:round/>
+                      <a:headEnd type="none" w="med" len="med"/>
+                      <a:tailEnd type="none" w="med" len="med"/>
+                    </a:lnR>
+                    <a:lnT w="12700" cap="flat" cmpd="sng" algn="ctr">
+                      <a:solidFill>
+                        <a:schemeClr val="tx1"/>
+                      </a:solidFill>
+                      <a:prstDash val="solid"/>
+                      <a:round/>
+                      <a:headEnd type="none" w="med" len="med"/>
+                      <a:tailEnd type="none" w="med" len="med"/>
+                    </a:lnT>
+                    <a:lnB w="12700" cmpd="sng">
+                      <a:solidFill>
+                        <a:schemeClr val="tx1"/>
+                      </a:solidFill>
+                      <a:prstDash val="solid"/>
+                    </a:lnB>
+                  </a:tcPr>
+                </a:tc>
+                <a:tc>
+                  <a:txBody>
+                    <a:bodyPr/>
+                    <a:lstStyle/>
+                    <a:p>
+                      <a:r>
+                        <a:rPr lang="tr-TR" dirty="0"/>
+                        <a:t>3.33A</a:t>
+                      </a:r>
+                      <a:endParaRPr lang="en-US" dirty="0"/>
+                    </a:p>
+                  </a:txBody>
+                  <a:tcPr>
+                    <a:lnL w="12700" cap="flat" cmpd="sng" algn="ctr">
+                      <a:solidFill>
+                        <a:schemeClr val="tx1"/>
+                      </a:solidFill>
+                      <a:prstDash val="solid"/>
+                      <a:round/>
+                      <a:headEnd type="none" w="med" len="med"/>
+                      <a:tailEnd type="none" w="med" len="med"/>
+                    </a:lnL>
+                    <a:lnR w="12700" cap="flat" cmpd="sng" algn="ctr">
+                      <a:solidFill>
+                        <a:schemeClr val="tx1"/>
+                      </a:solidFill>
+                      <a:prstDash val="solid"/>
+                      <a:round/>
+                      <a:headEnd type="none" w="med" len="med"/>
+                      <a:tailEnd type="none" w="med" len="med"/>
+                    </a:lnR>
+                    <a:lnT w="12700" cap="flat" cmpd="sng" algn="ctr">
+                      <a:solidFill>
+                        <a:schemeClr val="tx1"/>
+                      </a:solidFill>
+                      <a:prstDash val="solid"/>
+                      <a:round/>
+                      <a:headEnd type="none" w="med" len="med"/>
+                      <a:tailEnd type="none" w="med" len="med"/>
+                    </a:lnT>
+                    <a:lnB w="12700" cmpd="sng">
+                      <a:solidFill>
+                        <a:schemeClr val="tx1"/>
+                      </a:solidFill>
+                      <a:prstDash val="solid"/>
+                    </a:lnB>
+                  </a:tcPr>
+                </a:tc>
+                <a:tc>
+                  <a:txBody>
+                    <a:bodyPr/>
+                    <a:lstStyle/>
+                    <a:p>
+                      <a:r>
+                        <a:rPr lang="tr-TR" dirty="0"/>
+                        <a:t>3.17A</a:t>
+                      </a:r>
+                      <a:endParaRPr lang="en-US" dirty="0"/>
+                    </a:p>
+                  </a:txBody>
+                  <a:tcPr>
+                    <a:lnL w="12700" cap="flat" cmpd="sng" algn="ctr">
+                      <a:solidFill>
+                        <a:schemeClr val="tx1"/>
+                      </a:solidFill>
+                      <a:prstDash val="solid"/>
+                      <a:round/>
+                      <a:headEnd type="none" w="med" len="med"/>
+                      <a:tailEnd type="none" w="med" len="med"/>
+                    </a:lnL>
+                    <a:lnR w="12700" cap="flat" cmpd="sng" algn="ctr">
+                      <a:solidFill>
+                        <a:schemeClr val="tx1"/>
+                      </a:solidFill>
+                      <a:prstDash val="solid"/>
+                      <a:round/>
+                      <a:headEnd type="none" w="med" len="med"/>
+                      <a:tailEnd type="none" w="med" len="med"/>
+                    </a:lnR>
+                    <a:lnT w="12700" cap="flat" cmpd="sng" algn="ctr">
+                      <a:solidFill>
+                        <a:schemeClr val="tx1"/>
+                      </a:solidFill>
+                      <a:prstDash val="solid"/>
+                      <a:round/>
+                      <a:headEnd type="none" w="med" len="med"/>
+                      <a:tailEnd type="none" w="med" len="med"/>
+                    </a:lnT>
+                    <a:lnB w="12700" cmpd="sng">
+                      <a:solidFill>
+                        <a:schemeClr val="tx1"/>
+                      </a:solidFill>
+                      <a:prstDash val="solid"/>
+                    </a:lnB>
+                  </a:tcPr>
+                </a:tc>
+                <a:tc>
+                  <a:txBody>
+                    <a:bodyPr/>
+                    <a:lstStyle/>
+                    <a:p>
+                      <a:r>
+                        <a:rPr lang="tr-TR" dirty="0"/>
+                        <a:t>20.310</a:t>
+                      </a:r>
+                      <a:endParaRPr lang="en-US" dirty="0"/>
+                    </a:p>
+                  </a:txBody>
+                  <a:tcPr>
+                    <a:lnL w="12700" cap="flat" cmpd="sng" algn="ctr">
+                      <a:solidFill>
+                        <a:schemeClr val="tx1"/>
+                      </a:solidFill>
+                      <a:prstDash val="solid"/>
+                      <a:round/>
+                      <a:headEnd type="none" w="med" len="med"/>
+                      <a:tailEnd type="none" w="med" len="med"/>
+                    </a:lnL>
+                    <a:lnR w="12700" cap="flat" cmpd="sng" algn="ctr">
+                      <a:solidFill>
+                        <a:schemeClr val="tx1"/>
+                      </a:solidFill>
+                      <a:prstDash val="solid"/>
+                      <a:round/>
+                      <a:headEnd type="none" w="med" len="med"/>
+                      <a:tailEnd type="none" w="med" len="med"/>
+                    </a:lnR>
+                    <a:lnT w="12700" cap="flat" cmpd="sng" algn="ctr">
+                      <a:solidFill>
+                        <a:schemeClr val="tx1"/>
+                      </a:solidFill>
+                      <a:prstDash val="solid"/>
+                      <a:round/>
+                      <a:headEnd type="none" w="med" len="med"/>
+                      <a:tailEnd type="none" w="med" len="med"/>
+                    </a:lnT>
+                    <a:lnB w="12700" cmpd="sng">
+                      <a:solidFill>
+                        <a:schemeClr val="tx1"/>
+                      </a:solidFill>
+                      <a:prstDash val="solid"/>
+                    </a:lnB>
+                  </a:tcPr>
+                </a:tc>
+                <a:tc>
+                  <a:txBody>
+                    <a:bodyPr/>
+                    <a:lstStyle/>
+                    <a:p>
+                      <a:r>
+                        <a:rPr lang="tr-TR" dirty="0"/>
+                        <a:t>46.752</a:t>
+                      </a:r>
+                      <a:endParaRPr lang="en-US" dirty="0"/>
+                    </a:p>
+                  </a:txBody>
+                  <a:tcPr>
+                    <a:lnL w="12700" cap="flat" cmpd="sng" algn="ctr">
+                      <a:solidFill>
+                        <a:schemeClr val="tx1"/>
+                      </a:solidFill>
+                      <a:prstDash val="solid"/>
+                      <a:round/>
+                      <a:headEnd type="none" w="med" len="med"/>
+                      <a:tailEnd type="none" w="med" len="med"/>
+                    </a:lnL>
+                    <a:lnR w="12700" cap="flat" cmpd="sng" algn="ctr">
+                      <a:solidFill>
+                        <a:schemeClr val="tx1"/>
+                      </a:solidFill>
+                      <a:prstDash val="solid"/>
+                      <a:round/>
+                      <a:headEnd type="none" w="med" len="med"/>
+                      <a:tailEnd type="none" w="med" len="med"/>
+                    </a:lnR>
+                    <a:lnT w="12700" cap="flat" cmpd="sng" algn="ctr">
+                      <a:solidFill>
+                        <a:schemeClr val="tx1"/>
+                      </a:solidFill>
+                      <a:prstDash val="solid"/>
+                      <a:round/>
+                      <a:headEnd type="none" w="med" len="med"/>
+                      <a:tailEnd type="none" w="med" len="med"/>
+                    </a:lnT>
+                    <a:lnB w="12700" cmpd="sng">
+                      <a:solidFill>
+                        <a:schemeClr val="tx1"/>
+                      </a:solidFill>
+                      <a:prstDash val="solid"/>
+                    </a:lnB>
+                  </a:tcPr>
+                </a:tc>
+                <a:tc>
+                  <a:txBody>
+                    <a:bodyPr/>
+                    <a:lstStyle/>
+                    <a:p>
+                      <a:r>
+                        <a:rPr lang="tr-TR" dirty="0"/>
+                        <a:t>51.4652</a:t>
+                      </a:r>
+                      <a:endParaRPr lang="en-US" dirty="0"/>
+                    </a:p>
+                  </a:txBody>
+                  <a:tcPr>
+                    <a:lnL w="12700" cap="flat" cmpd="sng" algn="ctr">
+                      <a:solidFill>
+                        <a:schemeClr val="tx1"/>
+                      </a:solidFill>
+                      <a:prstDash val="solid"/>
+                      <a:round/>
+                      <a:headEnd type="none" w="med" len="med"/>
+                      <a:tailEnd type="none" w="med" len="med"/>
+                    </a:lnL>
+                    <a:lnR w="12700" cmpd="sng">
+                      <a:solidFill>
+                        <a:schemeClr val="tx1"/>
+                      </a:solidFill>
+                      <a:prstDash val="solid"/>
+                    </a:lnR>
+                    <a:lnT w="12700" cap="flat" cmpd="sng" algn="ctr">
+                      <a:solidFill>
+                        <a:schemeClr val="tx1"/>
+                      </a:solidFill>
+                      <a:prstDash val="solid"/>
+                      <a:round/>
+                      <a:headEnd type="none" w="med" len="med"/>
+                      <a:tailEnd type="none" w="med" len="med"/>
+                    </a:lnT>
+                    <a:lnB w="12700" cmpd="sng">
+                      <a:solidFill>
+                        <a:schemeClr val="tx1"/>
+                      </a:solidFill>
+                      <a:prstDash val="solid"/>
+                    </a:lnB>
+                  </a:tcPr>
+                </a:tc>
+                <a:extLst>
+                  <a:ext uri="{0D108BD9-81ED-4DB2-BD59-A6C34878D82A}">
+                    <a16:rowId xmlns:a16="http://schemas.microsoft.com/office/drawing/2014/main" val="4134305895"/>
+                  </a:ext>
+                </a:extLst>
+              </a:tr>
+            </a:tbl>
+          </a:graphicData>
+        </a:graphic>
+      </p:graphicFrame>
+      <p:graphicFrame>
+        <p:nvGraphicFramePr>
+          <p:cNvPr id="4" name="Table 3">
+            <a:extLst>
+              <a:ext uri="{FF2B5EF4-FFF2-40B4-BE49-F238E27FC236}">
+                <a16:creationId xmlns:a16="http://schemas.microsoft.com/office/drawing/2014/main" id="{BCE1B16E-B5B2-408E-9174-D504ED4C6202}"/>
+              </a:ext>
+            </a:extLst>
+          </p:cNvPr>
+          <p:cNvGraphicFramePr>
+            <a:graphicFrameLocks noGrp="1"/>
+          </p:cNvGraphicFramePr>
+          <p:nvPr>
+            <p:extLst>
+              <p:ext uri="{D42A27DB-BD31-4B8C-83A1-F6EECF244321}">
+                <p14:modId xmlns:p14="http://schemas.microsoft.com/office/powerpoint/2010/main" val="3408903770"/>
+              </p:ext>
+            </p:extLst>
+          </p:nvPr>
+        </p:nvGraphicFramePr>
+        <p:xfrm>
+          <a:off x="627846" y="1949076"/>
+          <a:ext cx="7685928" cy="731520"/>
+        </p:xfrm>
+        <a:graphic>
+          <a:graphicData uri="http://schemas.openxmlformats.org/drawingml/2006/table">
+            <a:tbl>
+              <a:tblPr/>
+              <a:tblGrid>
+                <a:gridCol w="1280988">
+                  <a:extLst>
+                    <a:ext uri="{9D8B030D-6E8A-4147-A177-3AD203B41FA5}">
+                      <a16:colId xmlns:a16="http://schemas.microsoft.com/office/drawing/2014/main" val="3360700635"/>
+                    </a:ext>
+                  </a:extLst>
+                </a:gridCol>
+                <a:gridCol w="1280988">
+                  <a:extLst>
+                    <a:ext uri="{9D8B030D-6E8A-4147-A177-3AD203B41FA5}">
+                      <a16:colId xmlns:a16="http://schemas.microsoft.com/office/drawing/2014/main" val="2787409707"/>
+                    </a:ext>
+                  </a:extLst>
+                </a:gridCol>
+                <a:gridCol w="1280988">
+                  <a:extLst>
+                    <a:ext uri="{9D8B030D-6E8A-4147-A177-3AD203B41FA5}">
+                      <a16:colId xmlns:a16="http://schemas.microsoft.com/office/drawing/2014/main" val="2454743313"/>
+                    </a:ext>
+                  </a:extLst>
+                </a:gridCol>
+                <a:gridCol w="1280988">
+                  <a:extLst>
+                    <a:ext uri="{9D8B030D-6E8A-4147-A177-3AD203B41FA5}">
+                      <a16:colId xmlns:a16="http://schemas.microsoft.com/office/drawing/2014/main" val="3381765127"/>
+                    </a:ext>
+                  </a:extLst>
+                </a:gridCol>
+                <a:gridCol w="1280988">
+                  <a:extLst>
+                    <a:ext uri="{9D8B030D-6E8A-4147-A177-3AD203B41FA5}">
+                      <a16:colId xmlns:a16="http://schemas.microsoft.com/office/drawing/2014/main" val="3146380165"/>
+                    </a:ext>
+                  </a:extLst>
+                </a:gridCol>
+                <a:gridCol w="1280988">
+                  <a:extLst>
+                    <a:ext uri="{9D8B030D-6E8A-4147-A177-3AD203B41FA5}">
+                      <a16:colId xmlns:a16="http://schemas.microsoft.com/office/drawing/2014/main" val="1270195405"/>
+                    </a:ext>
+                  </a:extLst>
+                </a:gridCol>
+              </a:tblGrid>
+              <a:tr h="315532">
+                <a:tc>
+                  <a:txBody>
+                    <a:bodyPr/>
+                    <a:lstStyle/>
+                    <a:p>
+                      <a:r>
+                        <a:rPr lang="tr-TR" dirty="0" err="1"/>
+                        <a:t>Frequency</a:t>
+                      </a:r>
+                      <a:endParaRPr lang="en-US" dirty="0"/>
+                    </a:p>
+                  </a:txBody>
+                  <a:tcPr>
+                    <a:lnL w="12700" cmpd="sng">
+                      <a:solidFill>
+                        <a:schemeClr val="tx1"/>
+                      </a:solidFill>
+                      <a:prstDash val="solid"/>
+                    </a:lnL>
+                    <a:lnR w="12700" cmpd="sng">
+                      <a:solidFill>
+                        <a:schemeClr val="tx1"/>
+                      </a:solidFill>
+                      <a:prstDash val="solid"/>
+                    </a:lnR>
+                    <a:lnT w="12700" cmpd="sng">
+                      <a:solidFill>
+                        <a:schemeClr val="tx1"/>
+                      </a:solidFill>
+                      <a:prstDash val="solid"/>
+                    </a:lnT>
+                    <a:lnB w="12700" cap="flat" cmpd="sng" algn="ctr">
+                      <a:solidFill>
+                        <a:schemeClr val="tx1"/>
+                      </a:solidFill>
+                      <a:prstDash val="solid"/>
+                      <a:round/>
+                      <a:headEnd type="none" w="med" len="med"/>
+                      <a:tailEnd type="none" w="med" len="med"/>
+                    </a:lnB>
+                  </a:tcPr>
+                </a:tc>
+                <a:tc>
+                  <a:txBody>
+                    <a:bodyPr/>
+                    <a:lstStyle/>
+                    <a:p>
+                      <a:r>
+                        <a:rPr lang="tr-TR" dirty="0" err="1"/>
+                        <a:t>Ip</a:t>
+                      </a:r>
+                      <a:r>
+                        <a:rPr lang="tr-TR" dirty="0"/>
+                        <a:t> (</a:t>
+                      </a:r>
+                      <a:r>
+                        <a:rPr lang="tr-TR" dirty="0" err="1"/>
+                        <a:t>peak</a:t>
+                      </a:r>
+                      <a:r>
+                        <a:rPr lang="tr-TR" dirty="0"/>
+                        <a:t>)</a:t>
+                      </a:r>
+                      <a:endParaRPr lang="en-US" dirty="0"/>
+                    </a:p>
+                  </a:txBody>
+                  <a:tcPr>
+                    <a:lnL w="12700" cap="flat" cmpd="sng" algn="ctr">
+                      <a:solidFill>
+                        <a:schemeClr val="tx1"/>
+                      </a:solidFill>
+                      <a:prstDash val="solid"/>
+                      <a:round/>
+                      <a:headEnd type="none" w="med" len="med"/>
+                      <a:tailEnd type="none" w="med" len="med"/>
+                    </a:lnL>
+                    <a:lnR w="12700" cmpd="sng">
+                      <a:solidFill>
+                        <a:schemeClr val="tx1"/>
+                      </a:solidFill>
+                      <a:prstDash val="solid"/>
+                    </a:lnR>
+                    <a:lnT w="12700" cmpd="sng">
+                      <a:solidFill>
+                        <a:schemeClr val="tx1"/>
+                      </a:solidFill>
+                      <a:prstDash val="solid"/>
+                    </a:lnT>
+                    <a:lnB w="12700" cap="flat" cmpd="sng" algn="ctr">
+                      <a:solidFill>
+                        <a:schemeClr val="tx1"/>
+                      </a:solidFill>
+                      <a:prstDash val="solid"/>
+                      <a:round/>
+                      <a:headEnd type="none" w="med" len="med"/>
+                      <a:tailEnd type="none" w="med" len="med"/>
+                    </a:lnB>
+                  </a:tcPr>
+                </a:tc>
+                <a:tc>
+                  <a:txBody>
+                    <a:bodyPr/>
+                    <a:lstStyle/>
+                    <a:p>
+                      <a:r>
+                        <a:rPr lang="tr-TR" dirty="0"/>
+                        <a:t>Is1(</a:t>
+                      </a:r>
+                      <a:r>
+                        <a:rPr lang="tr-TR" dirty="0" err="1"/>
+                        <a:t>peak</a:t>
+                      </a:r>
+                      <a:r>
+                        <a:rPr lang="tr-TR" dirty="0"/>
+                        <a:t>)</a:t>
+                      </a:r>
+                      <a:endParaRPr lang="en-US" dirty="0"/>
+                    </a:p>
+                  </a:txBody>
+                  <a:tcPr>
+                    <a:lnL w="12700" cap="flat" cmpd="sng" algn="ctr">
+                      <a:solidFill>
+                        <a:schemeClr val="tx1"/>
+                      </a:solidFill>
+                      <a:prstDash val="solid"/>
+                      <a:round/>
+                      <a:headEnd type="none" w="med" len="med"/>
+                      <a:tailEnd type="none" w="med" len="med"/>
+                    </a:lnL>
+                    <a:lnR w="12700" cmpd="sng">
+                      <a:solidFill>
+                        <a:schemeClr val="tx1"/>
+                      </a:solidFill>
+                      <a:prstDash val="solid"/>
+                    </a:lnR>
+                    <a:lnT w="12700" cmpd="sng">
+                      <a:solidFill>
+                        <a:schemeClr val="tx1"/>
+                      </a:solidFill>
+                      <a:prstDash val="solid"/>
+                    </a:lnT>
+                    <a:lnB w="12700" cap="flat" cmpd="sng" algn="ctr">
+                      <a:solidFill>
+                        <a:schemeClr val="tx1"/>
+                      </a:solidFill>
+                      <a:prstDash val="solid"/>
+                      <a:round/>
+                      <a:headEnd type="none" w="med" len="med"/>
+                      <a:tailEnd type="none" w="med" len="med"/>
+                    </a:lnB>
+                  </a:tcPr>
+                </a:tc>
+                <a:tc>
+                  <a:txBody>
+                    <a:bodyPr/>
+                    <a:lstStyle/>
+                    <a:p>
+                      <a:r>
+                        <a:rPr lang="tr-TR" dirty="0"/>
+                        <a:t>Is2(</a:t>
+                      </a:r>
+                      <a:r>
+                        <a:rPr lang="tr-TR" dirty="0" err="1"/>
+                        <a:t>peak</a:t>
+                      </a:r>
+                      <a:r>
+                        <a:rPr lang="tr-TR" dirty="0"/>
+                        <a:t>)</a:t>
+                      </a:r>
+                      <a:endParaRPr lang="en-US" dirty="0"/>
+                    </a:p>
+                  </a:txBody>
+                  <a:tcPr>
+                    <a:lnL w="12700" cap="flat" cmpd="sng" algn="ctr">
+                      <a:solidFill>
+                        <a:schemeClr val="tx1"/>
+                      </a:solidFill>
+                      <a:prstDash val="solid"/>
+                      <a:round/>
+                      <a:headEnd type="none" w="med" len="med"/>
+                      <a:tailEnd type="none" w="med" len="med"/>
+                    </a:lnL>
+                    <a:lnR w="12700" cap="flat" cmpd="sng" algn="ctr">
+                      <a:solidFill>
+                        <a:schemeClr val="tx1"/>
+                      </a:solidFill>
+                      <a:prstDash val="solid"/>
+                      <a:round/>
+                      <a:headEnd type="none" w="med" len="med"/>
+                      <a:tailEnd type="none" w="med" len="med"/>
+                    </a:lnR>
+                    <a:lnT w="12700" cmpd="sng">
+                      <a:solidFill>
+                        <a:schemeClr val="tx1"/>
+                      </a:solidFill>
+                      <a:prstDash val="solid"/>
+                    </a:lnT>
+                    <a:lnB w="12700" cap="flat" cmpd="sng" algn="ctr">
+                      <a:solidFill>
+                        <a:schemeClr val="tx1"/>
+                      </a:solidFill>
+                      <a:prstDash val="solid"/>
+                      <a:round/>
+                      <a:headEnd type="none" w="med" len="med"/>
+                      <a:tailEnd type="none" w="med" len="med"/>
+                    </a:lnB>
+                  </a:tcPr>
+                </a:tc>
+                <a:tc>
+                  <a:txBody>
+                    <a:bodyPr/>
+                    <a:lstStyle/>
+                    <a:p>
+                      <a:r>
+                        <a:rPr lang="tr-TR" dirty="0" err="1"/>
+                        <a:t>Ip</a:t>
+                      </a:r>
+                      <a:r>
+                        <a:rPr lang="tr-TR" dirty="0"/>
+                        <a:t> (</a:t>
+                      </a:r>
+                      <a:r>
+                        <a:rPr lang="tr-TR" dirty="0" err="1"/>
+                        <a:t>angle</a:t>
+                      </a:r>
+                      <a:r>
+                        <a:rPr lang="tr-TR" dirty="0"/>
+                        <a:t>)</a:t>
+                      </a:r>
+                      <a:endParaRPr lang="en-US" dirty="0"/>
+                    </a:p>
+                  </a:txBody>
+                  <a:tcPr>
+                    <a:lnL w="12700" cap="flat" cmpd="sng" algn="ctr">
+                      <a:solidFill>
+                        <a:schemeClr val="tx1"/>
+                      </a:solidFill>
+                      <a:prstDash val="solid"/>
+                      <a:round/>
+                      <a:headEnd type="none" w="med" len="med"/>
+                      <a:tailEnd type="none" w="med" len="med"/>
+                    </a:lnL>
+                    <a:lnR w="12700" cap="flat" cmpd="sng" algn="ctr">
+                      <a:solidFill>
+                        <a:schemeClr val="tx1"/>
+                      </a:solidFill>
+                      <a:prstDash val="solid"/>
+                      <a:round/>
+                      <a:headEnd type="none" w="med" len="med"/>
+                      <a:tailEnd type="none" w="med" len="med"/>
+                    </a:lnR>
+                    <a:lnT w="12700" cmpd="sng">
+                      <a:solidFill>
+                        <a:schemeClr val="tx1"/>
+                      </a:solidFill>
+                      <a:prstDash val="solid"/>
+                    </a:lnT>
+                    <a:lnB w="12700" cap="flat" cmpd="sng" algn="ctr">
+                      <a:solidFill>
+                        <a:schemeClr val="tx1"/>
+                      </a:solidFill>
+                      <a:prstDash val="solid"/>
+                      <a:round/>
+                      <a:headEnd type="none" w="med" len="med"/>
+                      <a:tailEnd type="none" w="med" len="med"/>
+                    </a:lnB>
+                  </a:tcPr>
+                </a:tc>
+                <a:tc>
+                  <a:txBody>
+                    <a:bodyPr/>
+                    <a:lstStyle/>
+                    <a:p>
+                      <a:r>
+                        <a:rPr lang="tr-TR" dirty="0" err="1"/>
+                        <a:t>Vout</a:t>
+                      </a:r>
+                      <a:endParaRPr lang="en-US" dirty="0"/>
+                    </a:p>
+                  </a:txBody>
+                  <a:tcPr>
+                    <a:lnL w="12700" cap="flat" cmpd="sng" algn="ctr">
+                      <a:solidFill>
+                        <a:schemeClr val="tx1"/>
+                      </a:solidFill>
+                      <a:prstDash val="solid"/>
+                      <a:round/>
+                      <a:headEnd type="none" w="med" len="med"/>
+                      <a:tailEnd type="none" w="med" len="med"/>
+                    </a:lnL>
+                    <a:lnR w="12700" cmpd="sng">
+                      <a:solidFill>
+                        <a:schemeClr val="tx1"/>
+                      </a:solidFill>
+                      <a:prstDash val="solid"/>
+                    </a:lnR>
+                    <a:lnT w="12700" cmpd="sng">
+                      <a:solidFill>
+                        <a:schemeClr val="tx1"/>
+                      </a:solidFill>
+                      <a:prstDash val="solid"/>
+                    </a:lnT>
+                    <a:lnB w="12700" cap="flat" cmpd="sng" algn="ctr">
+                      <a:solidFill>
+                        <a:schemeClr val="tx1"/>
+                      </a:solidFill>
+                      <a:prstDash val="solid"/>
+                      <a:round/>
+                      <a:headEnd type="none" w="med" len="med"/>
+                      <a:tailEnd type="none" w="med" len="med"/>
+                    </a:lnB>
+                  </a:tcPr>
+                </a:tc>
+                <a:extLst>
+                  <a:ext uri="{0D108BD9-81ED-4DB2-BD59-A6C34878D82A}">
+                    <a16:rowId xmlns:a16="http://schemas.microsoft.com/office/drawing/2014/main" val="2430843195"/>
+                  </a:ext>
+                </a:extLst>
+              </a:tr>
+              <a:tr h="315532">
+                <a:tc>
+                  <a:txBody>
+                    <a:bodyPr/>
+                    <a:lstStyle/>
+                    <a:p>
+                      <a:pPr marL="0" marR="0" lvl="0" indent="0" algn="l" defTabSz="914400" rtl="0" eaLnBrk="1" fontAlgn="auto" latinLnBrk="0" hangingPunct="1">
+                        <a:lnSpc>
+                          <a:spcPct val="100000"/>
+                        </a:lnSpc>
+                        <a:spcBef>
+                          <a:spcPts val="0"/>
+                        </a:spcBef>
+                        <a:spcAft>
+                          <a:spcPts val="0"/>
+                        </a:spcAft>
+                        <a:buClrTx/>
+                        <a:buSzTx/>
+                        <a:buFontTx/>
+                        <a:buNone/>
+                        <a:tabLst/>
+                        <a:defRPr/>
+                      </a:pPr>
+                      <a:r>
+                        <a:rPr lang="tr-TR" dirty="0"/>
+                        <a:t>158.5kHz</a:t>
+                      </a:r>
+                      <a:endParaRPr lang="en-US" dirty="0"/>
+                    </a:p>
+                  </a:txBody>
+                  <a:tcPr>
+                    <a:lnL w="12700" cmpd="sng">
+                      <a:solidFill>
+                        <a:schemeClr val="tx1"/>
+                      </a:solidFill>
+                      <a:prstDash val="solid"/>
+                    </a:lnL>
+                    <a:lnR w="12700" cap="flat" cmpd="sng" algn="ctr">
+                      <a:solidFill>
+                        <a:schemeClr val="tx1"/>
+                      </a:solidFill>
+                      <a:prstDash val="solid"/>
+                      <a:round/>
+                      <a:headEnd type="none" w="med" len="med"/>
+                      <a:tailEnd type="none" w="med" len="med"/>
+                    </a:lnR>
+                    <a:lnT w="12700" cap="flat" cmpd="sng" algn="ctr">
+                      <a:solidFill>
+                        <a:schemeClr val="tx1"/>
+                      </a:solidFill>
+                      <a:prstDash val="solid"/>
+                      <a:round/>
+                      <a:headEnd type="none" w="med" len="med"/>
+                      <a:tailEnd type="none" w="med" len="med"/>
+                    </a:lnT>
+                    <a:lnB w="12700" cmpd="sng">
+                      <a:solidFill>
+                        <a:schemeClr val="tx1"/>
+                      </a:solidFill>
+                      <a:prstDash val="solid"/>
+                    </a:lnB>
+                  </a:tcPr>
+                </a:tc>
+                <a:tc>
+                  <a:txBody>
+                    <a:bodyPr/>
+                    <a:lstStyle/>
+                    <a:p>
+                      <a:pPr marL="0" marR="0" lvl="0" indent="0" algn="l" defTabSz="914400" rtl="0" eaLnBrk="1" fontAlgn="auto" latinLnBrk="0" hangingPunct="1">
+                        <a:lnSpc>
+                          <a:spcPct val="100000"/>
+                        </a:lnSpc>
+                        <a:spcBef>
+                          <a:spcPts val="0"/>
+                        </a:spcBef>
+                        <a:spcAft>
+                          <a:spcPts val="0"/>
+                        </a:spcAft>
+                        <a:buClrTx/>
+                        <a:buSzTx/>
+                        <a:buFontTx/>
+                        <a:buNone/>
+                        <a:tabLst/>
+                        <a:defRPr/>
+                      </a:pPr>
+                      <a:r>
+                        <a:rPr lang="tr-TR" dirty="0"/>
+                        <a:t>7.98A</a:t>
+                      </a:r>
+                      <a:endParaRPr lang="en-US" dirty="0"/>
+                    </a:p>
+                  </a:txBody>
+                  <a:tcPr>
+                    <a:lnL w="12700" cap="flat" cmpd="sng" algn="ctr">
+                      <a:solidFill>
+                        <a:schemeClr val="tx1"/>
+                      </a:solidFill>
+                      <a:prstDash val="solid"/>
+                      <a:round/>
+                      <a:headEnd type="none" w="med" len="med"/>
+                      <a:tailEnd type="none" w="med" len="med"/>
+                    </a:lnL>
+                    <a:lnR w="12700" cap="flat" cmpd="sng" algn="ctr">
+                      <a:solidFill>
+                        <a:schemeClr val="tx1"/>
+                      </a:solidFill>
+                      <a:prstDash val="solid"/>
+                      <a:round/>
+                      <a:headEnd type="none" w="med" len="med"/>
+                      <a:tailEnd type="none" w="med" len="med"/>
+                    </a:lnR>
+                    <a:lnT w="12700" cap="flat" cmpd="sng" algn="ctr">
+                      <a:solidFill>
+                        <a:schemeClr val="tx1"/>
+                      </a:solidFill>
+                      <a:prstDash val="solid"/>
+                      <a:round/>
+                      <a:headEnd type="none" w="med" len="med"/>
+                      <a:tailEnd type="none" w="med" len="med"/>
+                    </a:lnT>
+                    <a:lnB w="12700" cmpd="sng">
+                      <a:solidFill>
+                        <a:schemeClr val="tx1"/>
+                      </a:solidFill>
+                      <a:prstDash val="solid"/>
+                    </a:lnB>
+                  </a:tcPr>
+                </a:tc>
+                <a:tc>
+                  <a:txBody>
+                    <a:bodyPr/>
+                    <a:lstStyle/>
+                    <a:p>
+                      <a:r>
+                        <a:rPr lang="tr-TR" dirty="0"/>
+                        <a:t>1.88A</a:t>
+                      </a:r>
+                      <a:endParaRPr lang="en-US" dirty="0"/>
+                    </a:p>
+                  </a:txBody>
+                  <a:tcPr>
+                    <a:lnL w="12700" cap="flat" cmpd="sng" algn="ctr">
+                      <a:solidFill>
+                        <a:schemeClr val="tx1"/>
+                      </a:solidFill>
+                      <a:prstDash val="solid"/>
+                      <a:round/>
+                      <a:headEnd type="none" w="med" len="med"/>
+                      <a:tailEnd type="none" w="med" len="med"/>
+                    </a:lnL>
+                    <a:lnR w="12700" cap="flat" cmpd="sng" algn="ctr">
+                      <a:solidFill>
+                        <a:schemeClr val="tx1"/>
+                      </a:solidFill>
+                      <a:prstDash val="solid"/>
+                      <a:round/>
+                      <a:headEnd type="none" w="med" len="med"/>
+                      <a:tailEnd type="none" w="med" len="med"/>
+                    </a:lnR>
+                    <a:lnT w="12700" cap="flat" cmpd="sng" algn="ctr">
+                      <a:solidFill>
+                        <a:schemeClr val="tx1"/>
+                      </a:solidFill>
+                      <a:prstDash val="solid"/>
+                      <a:round/>
+                      <a:headEnd type="none" w="med" len="med"/>
+                      <a:tailEnd type="none" w="med" len="med"/>
+                    </a:lnT>
+                    <a:lnB w="12700" cmpd="sng">
+                      <a:solidFill>
+                        <a:schemeClr val="tx1"/>
+                      </a:solidFill>
+                      <a:prstDash val="solid"/>
+                    </a:lnB>
+                  </a:tcPr>
+                </a:tc>
+                <a:tc>
+                  <a:txBody>
+                    <a:bodyPr/>
+                    <a:lstStyle/>
+                    <a:p>
+                      <a:r>
+                        <a:rPr lang="tr-TR" dirty="0"/>
+                        <a:t>4.273A</a:t>
+                      </a:r>
+                      <a:endParaRPr lang="en-US" dirty="0"/>
+                    </a:p>
+                  </a:txBody>
+                  <a:tcPr>
+                    <a:lnL w="12700" cap="flat" cmpd="sng" algn="ctr">
+                      <a:solidFill>
+                        <a:schemeClr val="tx1"/>
+                      </a:solidFill>
+                      <a:prstDash val="solid"/>
+                      <a:round/>
+                      <a:headEnd type="none" w="med" len="med"/>
+                      <a:tailEnd type="none" w="med" len="med"/>
+                    </a:lnL>
+                    <a:lnR w="12700" cap="flat" cmpd="sng" algn="ctr">
+                      <a:solidFill>
+                        <a:schemeClr val="tx1"/>
+                      </a:solidFill>
+                      <a:prstDash val="solid"/>
+                      <a:round/>
+                      <a:headEnd type="none" w="med" len="med"/>
+                      <a:tailEnd type="none" w="med" len="med"/>
+                    </a:lnR>
+                    <a:lnT w="12700" cap="flat" cmpd="sng" algn="ctr">
+                      <a:solidFill>
+                        <a:schemeClr val="tx1"/>
+                      </a:solidFill>
+                      <a:prstDash val="solid"/>
+                      <a:round/>
+                      <a:headEnd type="none" w="med" len="med"/>
+                      <a:tailEnd type="none" w="med" len="med"/>
+                    </a:lnT>
+                    <a:lnB w="12700" cmpd="sng">
+                      <a:solidFill>
+                        <a:schemeClr val="tx1"/>
+                      </a:solidFill>
+                      <a:prstDash val="solid"/>
+                    </a:lnB>
+                  </a:tcPr>
+                </a:tc>
+                <a:tc>
+                  <a:txBody>
+                    <a:bodyPr/>
+                    <a:lstStyle/>
+                    <a:p>
+                      <a:r>
+                        <a:rPr lang="tr-TR" dirty="0"/>
+                        <a:t>20.90</a:t>
+                      </a:r>
+                      <a:endParaRPr lang="en-US" dirty="0"/>
+                    </a:p>
+                  </a:txBody>
+                  <a:tcPr>
+                    <a:lnL w="12700" cap="flat" cmpd="sng" algn="ctr">
+                      <a:solidFill>
+                        <a:schemeClr val="tx1"/>
+                      </a:solidFill>
+                      <a:prstDash val="solid"/>
+                      <a:round/>
+                      <a:headEnd type="none" w="med" len="med"/>
+                      <a:tailEnd type="none" w="med" len="med"/>
+                    </a:lnL>
+                    <a:lnR w="12700" cap="flat" cmpd="sng" algn="ctr">
+                      <a:solidFill>
+                        <a:schemeClr val="tx1"/>
+                      </a:solidFill>
+                      <a:prstDash val="solid"/>
+                      <a:round/>
+                      <a:headEnd type="none" w="med" len="med"/>
+                      <a:tailEnd type="none" w="med" len="med"/>
+                    </a:lnR>
+                    <a:lnT w="12700" cap="flat" cmpd="sng" algn="ctr">
+                      <a:solidFill>
+                        <a:schemeClr val="tx1"/>
+                      </a:solidFill>
+                      <a:prstDash val="solid"/>
+                      <a:round/>
+                      <a:headEnd type="none" w="med" len="med"/>
+                      <a:tailEnd type="none" w="med" len="med"/>
+                    </a:lnT>
+                    <a:lnB w="12700" cmpd="sng">
+                      <a:solidFill>
+                        <a:schemeClr val="tx1"/>
+                      </a:solidFill>
+                      <a:prstDash val="solid"/>
+                    </a:lnB>
+                  </a:tcPr>
+                </a:tc>
+                <a:tc>
+                  <a:txBody>
+                    <a:bodyPr/>
+                    <a:lstStyle/>
+                    <a:p>
+                      <a:r>
+                        <a:rPr lang="tr-TR" dirty="0"/>
+                        <a:t>75.76</a:t>
+                      </a:r>
+                      <a:endParaRPr lang="en-US" dirty="0"/>
+                    </a:p>
+                  </a:txBody>
+                  <a:tcPr>
+                    <a:lnL w="12700" cap="flat" cmpd="sng" algn="ctr">
+                      <a:solidFill>
+                        <a:schemeClr val="tx1"/>
+                      </a:solidFill>
+                      <a:prstDash val="solid"/>
+                      <a:round/>
+                      <a:headEnd type="none" w="med" len="med"/>
+                      <a:tailEnd type="none" w="med" len="med"/>
+                    </a:lnL>
+                    <a:lnR w="12700" cap="flat" cmpd="sng" algn="ctr">
+                      <a:solidFill>
+                        <a:schemeClr val="tx1"/>
+                      </a:solidFill>
+                      <a:prstDash val="solid"/>
+                      <a:round/>
+                      <a:headEnd type="none" w="med" len="med"/>
+                      <a:tailEnd type="none" w="med" len="med"/>
+                    </a:lnR>
+                    <a:lnT w="12700" cap="flat" cmpd="sng" algn="ctr">
+                      <a:solidFill>
+                        <a:schemeClr val="tx1"/>
+                      </a:solidFill>
+                      <a:prstDash val="solid"/>
+                      <a:round/>
+                      <a:headEnd type="none" w="med" len="med"/>
+                      <a:tailEnd type="none" w="med" len="med"/>
+                    </a:lnT>
+                    <a:lnB w="12700" cmpd="sng">
+                      <a:solidFill>
+                        <a:schemeClr val="tx1"/>
+                      </a:solidFill>
+                      <a:prstDash val="solid"/>
+                    </a:lnB>
+                  </a:tcPr>
+                </a:tc>
+                <a:extLst>
+                  <a:ext uri="{0D108BD9-81ED-4DB2-BD59-A6C34878D82A}">
+                    <a16:rowId xmlns:a16="http://schemas.microsoft.com/office/drawing/2014/main" val="830284100"/>
+                  </a:ext>
+                </a:extLst>
+              </a:tr>
+            </a:tbl>
+          </a:graphicData>
+        </a:graphic>
+      </p:graphicFrame>
+    </p:spTree>
+    <p:extLst>
+      <p:ext uri="{BB962C8B-B14F-4D97-AF65-F5344CB8AC3E}">
+        <p14:creationId xmlns:p14="http://schemas.microsoft.com/office/powerpoint/2010/main" val="3942054006"/>
       </p:ext>
     </p:extLst>
   </p:cSld>
@@ -5674,17 +13119,31 @@
         </p:nvSpPr>
         <p:spPr>
           <a:xfrm>
-            <a:off x="5334959" y="8755"/>
-            <a:ext cx="1414630" cy="905077"/>
+            <a:off x="3007218" y="79589"/>
+            <a:ext cx="5673144" cy="905077"/>
           </a:xfrm>
         </p:spPr>
         <p:txBody>
-          <a:bodyPr/>
+          <a:bodyPr>
+            <a:normAutofit fontScale="90000"/>
+          </a:bodyPr>
           <a:lstStyle/>
           <a:p>
             <a:r>
               <a:rPr lang="tr-TR" dirty="0"/>
-              <a:t>Test</a:t>
+              <a:t>Test-</a:t>
+            </a:r>
+            <a:r>
+              <a:rPr lang="tr-TR" dirty="0" err="1"/>
+              <a:t>Setup</a:t>
+            </a:r>
+            <a:r>
+              <a:rPr lang="tr-TR" dirty="0"/>
+              <a:t>-</a:t>
+            </a:r>
+            <a:r>
+              <a:rPr lang="tr-TR" dirty="0" err="1"/>
+              <a:t>Measurement</a:t>
             </a:r>
             <a:endParaRPr lang="en-US" dirty="0"/>
           </a:p>
@@ -10023,6 +17482,262 @@
 </p:sld>
 </file>
 
+<file path=ppt/slides/slide20.xml><?xml version="1.0" encoding="utf-8"?>
+<p:sld xmlns:a="http://schemas.openxmlformats.org/drawingml/2006/main" xmlns:r="http://schemas.openxmlformats.org/officeDocument/2006/relationships" xmlns:p="http://schemas.openxmlformats.org/presentationml/2006/main">
+  <p:cSld>
+    <p:spTree>
+      <p:nvGrpSpPr>
+        <p:cNvPr id="1" name=""/>
+        <p:cNvGrpSpPr/>
+        <p:nvPr/>
+      </p:nvGrpSpPr>
+      <p:grpSpPr>
+        <a:xfrm>
+          <a:off x="0" y="0"/>
+          <a:ext cx="0" cy="0"/>
+          <a:chOff x="0" y="0"/>
+          <a:chExt cx="0" cy="0"/>
+        </a:xfrm>
+      </p:grpSpPr>
+      <p:sp>
+        <p:nvSpPr>
+          <p:cNvPr id="2" name="Title 1">
+            <a:extLst>
+              <a:ext uri="{FF2B5EF4-FFF2-40B4-BE49-F238E27FC236}">
+                <a16:creationId xmlns:a16="http://schemas.microsoft.com/office/drawing/2014/main" id="{1FDE9658-8423-4BD8-8307-30CA3ADFE834}"/>
+              </a:ext>
+            </a:extLst>
+          </p:cNvPr>
+          <p:cNvSpPr>
+            <a:spLocks noGrp="1"/>
+          </p:cNvSpPr>
+          <p:nvPr>
+            <p:ph type="title"/>
+          </p:nvPr>
+        </p:nvSpPr>
+        <p:spPr>
+          <a:xfrm>
+            <a:off x="838200" y="365125"/>
+            <a:ext cx="1997098" cy="1325563"/>
+          </a:xfrm>
+        </p:spPr>
+        <p:txBody>
+          <a:bodyPr/>
+          <a:lstStyle/>
+          <a:p>
+            <a:r>
+              <a:rPr lang="tr-TR" dirty="0"/>
+              <a:t>Case-3</a:t>
+            </a:r>
+            <a:endParaRPr lang="en-US" dirty="0"/>
+          </a:p>
+        </p:txBody>
+      </p:sp>
+    </p:spTree>
+    <p:extLst>
+      <p:ext uri="{BB962C8B-B14F-4D97-AF65-F5344CB8AC3E}">
+        <p14:creationId xmlns:p14="http://schemas.microsoft.com/office/powerpoint/2010/main" val="1510418970"/>
+      </p:ext>
+    </p:extLst>
+  </p:cSld>
+  <p:clrMapOvr>
+    <a:masterClrMapping/>
+  </p:clrMapOvr>
+</p:sld>
+</file>
+
+<file path=ppt/slides/slide21.xml><?xml version="1.0" encoding="utf-8"?>
+<p:sld xmlns:a="http://schemas.openxmlformats.org/drawingml/2006/main" xmlns:r="http://schemas.openxmlformats.org/officeDocument/2006/relationships" xmlns:p="http://schemas.openxmlformats.org/presentationml/2006/main">
+  <p:cSld>
+    <p:spTree>
+      <p:nvGrpSpPr>
+        <p:cNvPr id="1" name=""/>
+        <p:cNvGrpSpPr/>
+        <p:nvPr/>
+      </p:nvGrpSpPr>
+      <p:grpSpPr>
+        <a:xfrm>
+          <a:off x="0" y="0"/>
+          <a:ext cx="0" cy="0"/>
+          <a:chOff x="0" y="0"/>
+          <a:chExt cx="0" cy="0"/>
+        </a:xfrm>
+      </p:grpSpPr>
+      <p:sp>
+        <p:nvSpPr>
+          <p:cNvPr id="2" name="Title 1">
+            <a:extLst>
+              <a:ext uri="{FF2B5EF4-FFF2-40B4-BE49-F238E27FC236}">
+                <a16:creationId xmlns:a16="http://schemas.microsoft.com/office/drawing/2014/main" id="{1FDE9658-8423-4BD8-8307-30CA3ADFE834}"/>
+              </a:ext>
+            </a:extLst>
+          </p:cNvPr>
+          <p:cNvSpPr>
+            <a:spLocks noGrp="1"/>
+          </p:cNvSpPr>
+          <p:nvPr>
+            <p:ph type="title"/>
+          </p:nvPr>
+        </p:nvSpPr>
+        <p:spPr>
+          <a:xfrm>
+            <a:off x="838200" y="365125"/>
+            <a:ext cx="1997098" cy="1325563"/>
+          </a:xfrm>
+        </p:spPr>
+        <p:txBody>
+          <a:bodyPr/>
+          <a:lstStyle/>
+          <a:p>
+            <a:r>
+              <a:rPr lang="tr-TR" dirty="0"/>
+              <a:t>Case-7</a:t>
+            </a:r>
+            <a:endParaRPr lang="en-US" dirty="0"/>
+          </a:p>
+        </p:txBody>
+      </p:sp>
+    </p:spTree>
+    <p:extLst>
+      <p:ext uri="{BB962C8B-B14F-4D97-AF65-F5344CB8AC3E}">
+        <p14:creationId xmlns:p14="http://schemas.microsoft.com/office/powerpoint/2010/main" val="3060866022"/>
+      </p:ext>
+    </p:extLst>
+  </p:cSld>
+  <p:clrMapOvr>
+    <a:masterClrMapping/>
+  </p:clrMapOvr>
+</p:sld>
+</file>
+
+<file path=ppt/slides/slide22.xml><?xml version="1.0" encoding="utf-8"?>
+<p:sld xmlns:a="http://schemas.openxmlformats.org/drawingml/2006/main" xmlns:r="http://schemas.openxmlformats.org/officeDocument/2006/relationships" xmlns:p="http://schemas.openxmlformats.org/presentationml/2006/main">
+  <p:cSld>
+    <p:spTree>
+      <p:nvGrpSpPr>
+        <p:cNvPr id="1" name=""/>
+        <p:cNvGrpSpPr/>
+        <p:nvPr/>
+      </p:nvGrpSpPr>
+      <p:grpSpPr>
+        <a:xfrm>
+          <a:off x="0" y="0"/>
+          <a:ext cx="0" cy="0"/>
+          <a:chOff x="0" y="0"/>
+          <a:chExt cx="0" cy="0"/>
+        </a:xfrm>
+      </p:grpSpPr>
+      <p:sp>
+        <p:nvSpPr>
+          <p:cNvPr id="2" name="Title 1">
+            <a:extLst>
+              <a:ext uri="{FF2B5EF4-FFF2-40B4-BE49-F238E27FC236}">
+                <a16:creationId xmlns:a16="http://schemas.microsoft.com/office/drawing/2014/main" id="{1FDE9658-8423-4BD8-8307-30CA3ADFE834}"/>
+              </a:ext>
+            </a:extLst>
+          </p:cNvPr>
+          <p:cNvSpPr>
+            <a:spLocks noGrp="1"/>
+          </p:cNvSpPr>
+          <p:nvPr>
+            <p:ph type="title"/>
+          </p:nvPr>
+        </p:nvSpPr>
+        <p:spPr>
+          <a:xfrm>
+            <a:off x="838200" y="365125"/>
+            <a:ext cx="1997098" cy="1325563"/>
+          </a:xfrm>
+        </p:spPr>
+        <p:txBody>
+          <a:bodyPr/>
+          <a:lstStyle/>
+          <a:p>
+            <a:r>
+              <a:rPr lang="tr-TR" dirty="0"/>
+              <a:t>Case-2</a:t>
+            </a:r>
+            <a:endParaRPr lang="en-US" dirty="0"/>
+          </a:p>
+        </p:txBody>
+      </p:sp>
+    </p:spTree>
+    <p:extLst>
+      <p:ext uri="{BB962C8B-B14F-4D97-AF65-F5344CB8AC3E}">
+        <p14:creationId xmlns:p14="http://schemas.microsoft.com/office/powerpoint/2010/main" val="2472138078"/>
+      </p:ext>
+    </p:extLst>
+  </p:cSld>
+  <p:clrMapOvr>
+    <a:masterClrMapping/>
+  </p:clrMapOvr>
+</p:sld>
+</file>
+
+<file path=ppt/slides/slide23.xml><?xml version="1.0" encoding="utf-8"?>
+<p:sld xmlns:a="http://schemas.openxmlformats.org/drawingml/2006/main" xmlns:r="http://schemas.openxmlformats.org/officeDocument/2006/relationships" xmlns:p="http://schemas.openxmlformats.org/presentationml/2006/main">
+  <p:cSld>
+    <p:spTree>
+      <p:nvGrpSpPr>
+        <p:cNvPr id="1" name=""/>
+        <p:cNvGrpSpPr/>
+        <p:nvPr/>
+      </p:nvGrpSpPr>
+      <p:grpSpPr>
+        <a:xfrm>
+          <a:off x="0" y="0"/>
+          <a:ext cx="0" cy="0"/>
+          <a:chOff x="0" y="0"/>
+          <a:chExt cx="0" cy="0"/>
+        </a:xfrm>
+      </p:grpSpPr>
+      <p:sp>
+        <p:nvSpPr>
+          <p:cNvPr id="2" name="Title 1">
+            <a:extLst>
+              <a:ext uri="{FF2B5EF4-FFF2-40B4-BE49-F238E27FC236}">
+                <a16:creationId xmlns:a16="http://schemas.microsoft.com/office/drawing/2014/main" id="{1FDE9658-8423-4BD8-8307-30CA3ADFE834}"/>
+              </a:ext>
+            </a:extLst>
+          </p:cNvPr>
+          <p:cNvSpPr>
+            <a:spLocks noGrp="1"/>
+          </p:cNvSpPr>
+          <p:nvPr>
+            <p:ph type="title"/>
+          </p:nvPr>
+        </p:nvSpPr>
+        <p:spPr>
+          <a:xfrm>
+            <a:off x="838200" y="365125"/>
+            <a:ext cx="1997098" cy="1325563"/>
+          </a:xfrm>
+        </p:spPr>
+        <p:txBody>
+          <a:bodyPr/>
+          <a:lstStyle/>
+          <a:p>
+            <a:r>
+              <a:rPr lang="tr-TR" dirty="0"/>
+              <a:t>Case-4</a:t>
+            </a:r>
+            <a:endParaRPr lang="en-US" dirty="0"/>
+          </a:p>
+        </p:txBody>
+      </p:sp>
+    </p:spTree>
+    <p:extLst>
+      <p:ext uri="{BB962C8B-B14F-4D97-AF65-F5344CB8AC3E}">
+        <p14:creationId xmlns:p14="http://schemas.microsoft.com/office/powerpoint/2010/main" val="1439691335"/>
+      </p:ext>
+    </p:extLst>
+  </p:cSld>
+  <p:clrMapOvr>
+    <a:masterClrMapping/>
+  </p:clrMapOvr>
+</p:sld>
+</file>
+
 <file path=ppt/slides/slide3.xml><?xml version="1.0" encoding="utf-8"?>
 <p:sld xmlns:a="http://schemas.openxmlformats.org/drawingml/2006/main" xmlns:r="http://schemas.openxmlformats.org/officeDocument/2006/relationships" xmlns:p="http://schemas.openxmlformats.org/presentationml/2006/main">
   <p:cSld>
@@ -10278,7 +17993,31 @@
             </a:r>
             <a:r>
               <a:rPr lang="tr-TR" dirty="0"/>
-              <a:t>. </a:t>
+              <a:t>.  (</a:t>
+            </a:r>
+            <a:r>
+              <a:rPr lang="tr-TR" dirty="0" err="1"/>
+              <a:t>Column</a:t>
+            </a:r>
+            <a:r>
+              <a:rPr lang="tr-TR" dirty="0"/>
+              <a:t> 1-5 </a:t>
+            </a:r>
+            <a:r>
+              <a:rPr lang="tr-TR" dirty="0" err="1"/>
+              <a:t>and</a:t>
+            </a:r>
+            <a:r>
+              <a:rPr lang="tr-TR" dirty="0"/>
+              <a:t> </a:t>
+            </a:r>
+            <a:r>
+              <a:rPr lang="tr-TR" dirty="0" err="1"/>
+              <a:t>column</a:t>
+            </a:r>
+            <a:r>
+              <a:rPr lang="tr-TR" dirty="0"/>
+              <a:t> 3-7)</a:t>
             </a:r>
           </a:p>
           <a:p>
@@ -10487,7 +18226,30 @@
             </a:r>
           </a:p>
           <a:p>
-            <a:endParaRPr lang="tr-TR" dirty="0"/>
+            <a:r>
+              <a:rPr lang="tr-TR" dirty="0" err="1"/>
+              <a:t>Column</a:t>
+            </a:r>
+            <a:r>
+              <a:rPr lang="tr-TR" dirty="0"/>
+              <a:t> 1-2 </a:t>
+            </a:r>
+            <a:r>
+              <a:rPr lang="tr-TR" dirty="0" err="1"/>
+              <a:t>and</a:t>
+            </a:r>
+            <a:r>
+              <a:rPr lang="tr-TR" dirty="0"/>
+              <a:t> </a:t>
+            </a:r>
+            <a:r>
+              <a:rPr lang="tr-TR" dirty="0" err="1"/>
+              <a:t>column</a:t>
+            </a:r>
+            <a:r>
+              <a:rPr lang="tr-TR" dirty="0"/>
+              <a:t> 3-4)</a:t>
+            </a:r>
           </a:p>
           <a:p>
             <a:endParaRPr lang="tr-TR" dirty="0"/>
@@ -10984,7 +18746,7 @@
           <a:graphicData uri="http://schemas.openxmlformats.org/presentationml/2006/ole">
             <mc:AlternateContent xmlns:mc="http://schemas.openxmlformats.org/markup-compatibility/2006">
               <mc:Choice xmlns:v="urn:schemas-microsoft-com:vml" Requires="v">
-                <p:oleObj spid="_x0000_s1094" name="Worksheet" r:id="rId3" imgW="4061347" imgH="1257424" progId="Excel.Sheet.12">
+                <p:oleObj spid="_x0000_s1172" name="Worksheet" r:id="rId3" imgW="4061347" imgH="1257424" progId="Excel.Sheet.12">
                   <p:embed/>
                 </p:oleObj>
               </mc:Choice>
@@ -11047,7 +18809,7 @@
           <a:graphicData uri="http://schemas.openxmlformats.org/presentationml/2006/ole">
             <mc:AlternateContent xmlns:mc="http://schemas.openxmlformats.org/markup-compatibility/2006">
               <mc:Choice xmlns:v="urn:schemas-microsoft-com:vml" Requires="v">
-                <p:oleObj spid="_x0000_s1095" name="Worksheet" r:id="rId5" imgW="4061347" imgH="1257424" progId="Excel.Sheet.12">
+                <p:oleObj spid="_x0000_s1173" name="Worksheet" r:id="rId5" imgW="4061347" imgH="1257424" progId="Excel.Sheet.12">
                   <p:embed/>
                 </p:oleObj>
               </mc:Choice>
@@ -11110,7 +18872,7 @@
           <a:graphicData uri="http://schemas.openxmlformats.org/presentationml/2006/ole">
             <mc:AlternateContent xmlns:mc="http://schemas.openxmlformats.org/markup-compatibility/2006">
               <mc:Choice xmlns:v="urn:schemas-microsoft-com:vml" Requires="v">
-                <p:oleObj spid="_x0000_s1096" name="Worksheet" r:id="rId7" imgW="4061347" imgH="1257424" progId="Excel.Sheet.12">
+                <p:oleObj spid="_x0000_s1174" name="Worksheet" r:id="rId7" imgW="4061347" imgH="1257424" progId="Excel.Sheet.12">
                   <p:embed/>
                 </p:oleObj>
               </mc:Choice>
@@ -11251,7 +19013,7 @@
           <a:graphicData uri="http://schemas.openxmlformats.org/presentationml/2006/ole">
             <mc:AlternateContent xmlns:mc="http://schemas.openxmlformats.org/markup-compatibility/2006">
               <mc:Choice xmlns:v="urn:schemas-microsoft-com:vml" Requires="v">
-                <p:oleObj spid="_x0000_s4163" name="Worksheet" r:id="rId3" imgW="4663590" imgH="1257424" progId="Excel.Sheet.12">
+                <p:oleObj spid="_x0000_s4241" name="Worksheet" r:id="rId3" imgW="4663590" imgH="1257424" progId="Excel.Sheet.12">
                   <p:embed/>
                 </p:oleObj>
               </mc:Choice>
@@ -11314,7 +19076,7 @@
           <a:graphicData uri="http://schemas.openxmlformats.org/presentationml/2006/ole">
             <mc:AlternateContent xmlns:mc="http://schemas.openxmlformats.org/markup-compatibility/2006">
               <mc:Choice xmlns:v="urn:schemas-microsoft-com:vml" Requires="v">
-                <p:oleObj spid="_x0000_s4164" name="Worksheet" r:id="rId5" imgW="4663590" imgH="1257424" progId="Excel.Sheet.12">
+                <p:oleObj spid="_x0000_s4242" name="Worksheet" r:id="rId5" imgW="4663590" imgH="1257424" progId="Excel.Sheet.12">
                   <p:embed/>
                 </p:oleObj>
               </mc:Choice>
@@ -11377,7 +19139,7 @@
           <a:graphicData uri="http://schemas.openxmlformats.org/presentationml/2006/ole">
             <mc:AlternateContent xmlns:mc="http://schemas.openxmlformats.org/markup-compatibility/2006">
               <mc:Choice xmlns:v="urn:schemas-microsoft-com:vml" Requires="v">
-                <p:oleObj spid="_x0000_s4165" name="Worksheet" r:id="rId7" imgW="4663590" imgH="1257424" progId="Excel.Sheet.12">
+                <p:oleObj spid="_x0000_s4243" name="Worksheet" r:id="rId7" imgW="4663590" imgH="1257424" progId="Excel.Sheet.12">
                   <p:embed/>
                 </p:oleObj>
               </mc:Choice>
@@ -11509,20 +19271,20 @@
           <p:nvPr>
             <p:extLst>
               <p:ext uri="{D42A27DB-BD31-4B8C-83A1-F6EECF244321}">
-                <p14:modId xmlns:p14="http://schemas.microsoft.com/office/powerpoint/2010/main" val="2236587797"/>
+                <p14:modId xmlns:p14="http://schemas.microsoft.com/office/powerpoint/2010/main" val="3549761420"/>
               </p:ext>
             </p:extLst>
           </p:nvPr>
         </p:nvGraphicFramePr>
         <p:xfrm>
-          <a:off x="3139338" y="821856"/>
+          <a:off x="698792" y="899129"/>
           <a:ext cx="4664075" cy="1257300"/>
         </p:xfrm>
         <a:graphic>
           <a:graphicData uri="http://schemas.openxmlformats.org/presentationml/2006/ole">
             <mc:AlternateContent xmlns:mc="http://schemas.openxmlformats.org/markup-compatibility/2006">
               <mc:Choice xmlns:v="urn:schemas-microsoft-com:vml" Requires="v">
-                <p:oleObj spid="_x0000_s3139" name="Worksheet" r:id="rId3" imgW="4663590" imgH="1257424" progId="Excel.Sheet.12">
+                <p:oleObj spid="_x0000_s3225" name="Worksheet" r:id="rId3" imgW="4663590" imgH="1257424" progId="Excel.Sheet.12">
                   <p:embed/>
                 </p:oleObj>
               </mc:Choice>
@@ -11543,7 +19305,7 @@
                     </p:blipFill>
                     <p:spPr>
                       <a:xfrm>
-                        <a:off x="3139338" y="821856"/>
+                        <a:off x="698792" y="899129"/>
                         <a:ext cx="4664075" cy="1257300"/>
                       </a:xfrm>
                       <a:prstGeom prst="rect">
@@ -11572,20 +19334,20 @@
           <p:nvPr>
             <p:extLst>
               <p:ext uri="{D42A27DB-BD31-4B8C-83A1-F6EECF244321}">
-                <p14:modId xmlns:p14="http://schemas.microsoft.com/office/powerpoint/2010/main" val="4189980540"/>
+                <p14:modId xmlns:p14="http://schemas.microsoft.com/office/powerpoint/2010/main" val="2084882686"/>
               </p:ext>
             </p:extLst>
           </p:nvPr>
         </p:nvGraphicFramePr>
         <p:xfrm>
-          <a:off x="3139338" y="2592701"/>
+          <a:off x="698792" y="2669974"/>
           <a:ext cx="4664075" cy="1257300"/>
         </p:xfrm>
         <a:graphic>
           <a:graphicData uri="http://schemas.openxmlformats.org/presentationml/2006/ole">
             <mc:AlternateContent xmlns:mc="http://schemas.openxmlformats.org/markup-compatibility/2006">
               <mc:Choice xmlns:v="urn:schemas-microsoft-com:vml" Requires="v">
-                <p:oleObj spid="_x0000_s3140" name="Worksheet" r:id="rId5" imgW="4663590" imgH="1257424" progId="Excel.Sheet.12">
+                <p:oleObj spid="_x0000_s3226" name="Worksheet" r:id="rId5" imgW="4663590" imgH="1257424" progId="Excel.Sheet.12">
                   <p:embed/>
                 </p:oleObj>
               </mc:Choice>
@@ -11606,7 +19368,7 @@
                     </p:blipFill>
                     <p:spPr>
                       <a:xfrm>
-                        <a:off x="3139338" y="2592701"/>
+                        <a:off x="698792" y="2669974"/>
                         <a:ext cx="4664075" cy="1257300"/>
                       </a:xfrm>
                       <a:prstGeom prst="rect">
@@ -11635,20 +19397,20 @@
           <p:nvPr>
             <p:extLst>
               <p:ext uri="{D42A27DB-BD31-4B8C-83A1-F6EECF244321}">
-                <p14:modId xmlns:p14="http://schemas.microsoft.com/office/powerpoint/2010/main" val="3067397467"/>
+                <p14:modId xmlns:p14="http://schemas.microsoft.com/office/powerpoint/2010/main" val="1822414458"/>
               </p:ext>
             </p:extLst>
           </p:nvPr>
         </p:nvGraphicFramePr>
         <p:xfrm>
-          <a:off x="3139337" y="4659760"/>
+          <a:off x="698791" y="4737033"/>
           <a:ext cx="4664075" cy="1257300"/>
         </p:xfrm>
         <a:graphic>
           <a:graphicData uri="http://schemas.openxmlformats.org/presentationml/2006/ole">
             <mc:AlternateContent xmlns:mc="http://schemas.openxmlformats.org/markup-compatibility/2006">
               <mc:Choice xmlns:v="urn:schemas-microsoft-com:vml" Requires="v">
-                <p:oleObj spid="_x0000_s3141" name="Worksheet" r:id="rId7" imgW="4663590" imgH="1257424" progId="Excel.Sheet.12">
+                <p:oleObj spid="_x0000_s3227" name="Worksheet" r:id="rId7" imgW="4663590" imgH="1257424" progId="Excel.Sheet.12">
                   <p:embed/>
                 </p:oleObj>
               </mc:Choice>
@@ -11669,8 +19431,71 @@
                     </p:blipFill>
                     <p:spPr>
                       <a:xfrm>
-                        <a:off x="3139337" y="4659760"/>
+                        <a:off x="698791" y="4737033"/>
                         <a:ext cx="4664075" cy="1257300"/>
+                      </a:xfrm>
+                      <a:prstGeom prst="rect">
+                        <a:avLst/>
+                      </a:prstGeom>
+                    </p:spPr>
+                  </p:pic>
+                </p:oleObj>
+              </mc:Fallback>
+            </mc:AlternateContent>
+          </a:graphicData>
+        </a:graphic>
+      </p:graphicFrame>
+      <p:graphicFrame>
+        <p:nvGraphicFramePr>
+          <p:cNvPr id="7" name="Object 6">
+            <a:extLst>
+              <a:ext uri="{FF2B5EF4-FFF2-40B4-BE49-F238E27FC236}">
+                <a16:creationId xmlns:a16="http://schemas.microsoft.com/office/drawing/2014/main" id="{DED2E84A-A738-4B75-8961-88DC76C99975}"/>
+              </a:ext>
+            </a:extLst>
+          </p:cNvPr>
+          <p:cNvGraphicFramePr>
+            <a:graphicFrameLocks noChangeAspect="1"/>
+          </p:cNvGraphicFramePr>
+          <p:nvPr>
+            <p:extLst>
+              <p:ext uri="{D42A27DB-BD31-4B8C-83A1-F6EECF244321}">
+                <p14:modId xmlns:p14="http://schemas.microsoft.com/office/powerpoint/2010/main" val="929058404"/>
+              </p:ext>
+            </p:extLst>
+          </p:nvPr>
+        </p:nvGraphicFramePr>
+        <p:xfrm>
+          <a:off x="6829135" y="955049"/>
+          <a:ext cx="4664075" cy="4854575"/>
+        </p:xfrm>
+        <a:graphic>
+          <a:graphicData uri="http://schemas.openxmlformats.org/presentationml/2006/ole">
+            <mc:AlternateContent xmlns:mc="http://schemas.openxmlformats.org/markup-compatibility/2006">
+              <mc:Choice xmlns:v="urn:schemas-microsoft-com:vml" Requires="v">
+                <p:oleObj spid="_x0000_s3228" name="Worksheet" r:id="rId9" imgW="4663590" imgH="4853981" progId="Excel.Sheet.12">
+                  <p:embed/>
+                </p:oleObj>
+              </mc:Choice>
+              <mc:Fallback>
+                <p:oleObj name="Worksheet" r:id="rId9" imgW="4663590" imgH="4853981" progId="Excel.Sheet.12">
+                  <p:embed/>
+                  <p:pic>
+                    <p:nvPicPr>
+                      <p:cNvPr id="0" name=""/>
+                      <p:cNvPicPr/>
+                      <p:nvPr/>
+                    </p:nvPicPr>
+                    <p:blipFill>
+                      <a:blip r:embed="rId10"/>
+                      <a:stretch>
+                        <a:fillRect/>
+                      </a:stretch>
+                    </p:blipFill>
+                    <p:spPr>
+                      <a:xfrm>
+                        <a:off x="6829135" y="955049"/>
+                        <a:ext cx="4664075" cy="4854575"/>
                       </a:xfrm>
                       <a:prstGeom prst="rect">
                         <a:avLst/>
@@ -11789,7 +19614,7 @@
           <a:graphicData uri="http://schemas.openxmlformats.org/presentationml/2006/ole">
             <mc:AlternateContent xmlns:mc="http://schemas.openxmlformats.org/markup-compatibility/2006">
               <mc:Choice xmlns:v="urn:schemas-microsoft-com:vml" Requires="v">
-                <p:oleObj spid="_x0000_s2114" name="Worksheet" r:id="rId3" imgW="4419658" imgH="1257424" progId="Excel.Sheet.12">
+                <p:oleObj spid="_x0000_s2192" name="Worksheet" r:id="rId3" imgW="4419658" imgH="1257424" progId="Excel.Sheet.12">
                   <p:embed/>
                 </p:oleObj>
               </mc:Choice>
@@ -11852,7 +19677,7 @@
           <a:graphicData uri="http://schemas.openxmlformats.org/presentationml/2006/ole">
             <mc:AlternateContent xmlns:mc="http://schemas.openxmlformats.org/markup-compatibility/2006">
               <mc:Choice xmlns:v="urn:schemas-microsoft-com:vml" Requires="v">
-                <p:oleObj spid="_x0000_s2115" name="Worksheet" r:id="rId5" imgW="4419658" imgH="1257424" progId="Excel.Sheet.12">
+                <p:oleObj spid="_x0000_s2193" name="Worksheet" r:id="rId5" imgW="4419658" imgH="1257424" progId="Excel.Sheet.12">
                   <p:embed/>
                 </p:oleObj>
               </mc:Choice>
@@ -11915,7 +19740,7 @@
           <a:graphicData uri="http://schemas.openxmlformats.org/presentationml/2006/ole">
             <mc:AlternateContent xmlns:mc="http://schemas.openxmlformats.org/markup-compatibility/2006">
               <mc:Choice xmlns:v="urn:schemas-microsoft-com:vml" Requires="v">
-                <p:oleObj spid="_x0000_s2116" name="Worksheet" r:id="rId7" imgW="4419658" imgH="1257424" progId="Excel.Sheet.12">
+                <p:oleObj spid="_x0000_s2194" name="Worksheet" r:id="rId7" imgW="4419658" imgH="1257424" progId="Excel.Sheet.12">
                   <p:embed/>
                 </p:oleObj>
               </mc:Choice>
@@ -12010,42 +19835,12 @@
           <a:p>
             <a:r>
               <a:rPr lang="tr-TR" dirty="0"/>
-              <a:t>FA-Decoupled-150kHz</a:t>
+              <a:t>FA-Decoupled-150kHz (1)</a:t>
             </a:r>
             <a:endParaRPr lang="en-US" dirty="0"/>
           </a:p>
         </p:txBody>
       </p:sp>
-      <p:pic>
-        <p:nvPicPr>
-          <p:cNvPr id="5" name="Picture 4">
-            <a:extLst>
-              <a:ext uri="{FF2B5EF4-FFF2-40B4-BE49-F238E27FC236}">
-                <a16:creationId xmlns:a16="http://schemas.microsoft.com/office/drawing/2014/main" id="{1A33EEBF-41A9-4DB0-9483-E7BB701B8C76}"/>
-              </a:ext>
-            </a:extLst>
-          </p:cNvPr>
-          <p:cNvPicPr>
-            <a:picLocks noChangeAspect="1"/>
-          </p:cNvPicPr>
-          <p:nvPr/>
-        </p:nvPicPr>
-        <p:blipFill>
-          <a:blip r:embed="rId2"/>
-          <a:stretch>
-            <a:fillRect/>
-          </a:stretch>
-        </p:blipFill>
-        <p:spPr>
-          <a:xfrm>
-            <a:off x="946598" y="670028"/>
-            <a:ext cx="9247030" cy="4846666"/>
-          </a:xfrm>
-          <a:prstGeom prst="rect">
-            <a:avLst/>
-          </a:prstGeom>
-        </p:spPr>
-      </p:pic>
       <p:graphicFrame>
         <p:nvGraphicFramePr>
           <p:cNvPr id="6" name="Table 5">
@@ -12878,6 +20673,36 @@
           </a:graphicData>
         </a:graphic>
       </p:graphicFrame>
+      <p:pic>
+        <p:nvPicPr>
+          <p:cNvPr id="7" name="Picture 6">
+            <a:extLst>
+              <a:ext uri="{FF2B5EF4-FFF2-40B4-BE49-F238E27FC236}">
+                <a16:creationId xmlns:a16="http://schemas.microsoft.com/office/drawing/2014/main" id="{175017FA-D95A-4795-8A72-F3ADFA393588}"/>
+              </a:ext>
+            </a:extLst>
+          </p:cNvPr>
+          <p:cNvPicPr>
+            <a:picLocks noChangeAspect="1"/>
+          </p:cNvPicPr>
+          <p:nvPr/>
+        </p:nvPicPr>
+        <p:blipFill>
+          <a:blip r:embed="rId2"/>
+          <a:stretch>
+            <a:fillRect/>
+          </a:stretch>
+        </p:blipFill>
+        <p:spPr>
+          <a:xfrm>
+            <a:off x="817808" y="669659"/>
+            <a:ext cx="9616225" cy="4868214"/>
+          </a:xfrm>
+          <a:prstGeom prst="rect">
+            <a:avLst/>
+          </a:prstGeom>
+        </p:spPr>
+      </p:pic>
     </p:spTree>
     <p:extLst>
       <p:ext uri="{BB962C8B-B14F-4D97-AF65-F5344CB8AC3E}">
@@ -12938,7 +20763,7 @@
           <a:p>
             <a:r>
               <a:rPr lang="tr-TR" dirty="0"/>
-              <a:t>MA-Decoupled-150kHz</a:t>
+              <a:t>MA-Decoupled-150kHz (3)</a:t>
             </a:r>
             <a:endParaRPr lang="en-US" dirty="0"/>
           </a:p>
@@ -13778,10 +21603,10 @@
       </p:graphicFrame>
       <p:pic>
         <p:nvPicPr>
-          <p:cNvPr id="2" name="Picture 1">
+          <p:cNvPr id="5" name="Picture 4">
             <a:extLst>
               <a:ext uri="{FF2B5EF4-FFF2-40B4-BE49-F238E27FC236}">
-                <a16:creationId xmlns:a16="http://schemas.microsoft.com/office/drawing/2014/main" id="{8B06237B-86EE-4202-B519-3C58FFF462FE}"/>
+                <a16:creationId xmlns:a16="http://schemas.microsoft.com/office/drawing/2014/main" id="{8D0D1262-A44D-422F-BE4E-9C67A10722FC}"/>
               </a:ext>
             </a:extLst>
           </p:cNvPr>
@@ -13798,8 +21623,8 @@
         </p:blipFill>
         <p:spPr>
           <a:xfrm>
-            <a:off x="932900" y="759853"/>
-            <a:ext cx="8747719" cy="4649623"/>
+            <a:off x="1000257" y="676099"/>
+            <a:ext cx="9641983" cy="4881254"/>
           </a:xfrm>
           <a:prstGeom prst="rect">
             <a:avLst/>
@@ -14112,4 +21937,299 @@
     </a:ext>
   </a:extLst>
 </a:theme>
+</file>
+
+<file path=ppt/theme/theme2.xml><?xml version="1.0" encoding="utf-8"?>
+<a:theme xmlns:a="http://schemas.openxmlformats.org/drawingml/2006/main" name="Office Theme">
+  <a:themeElements>
+    <a:clrScheme name="Office">
+      <a:dk1>
+        <a:sysClr val="windowText" lastClr="000000"/>
+      </a:dk1>
+      <a:lt1>
+        <a:sysClr val="window" lastClr="FFFFFF"/>
+      </a:lt1>
+      <a:dk2>
+        <a:srgbClr val="44546A"/>
+      </a:dk2>
+      <a:lt2>
+        <a:srgbClr val="E7E6E6"/>
+      </a:lt2>
+      <a:accent1>
+        <a:srgbClr val="4472C4"/>
+      </a:accent1>
+      <a:accent2>
+        <a:srgbClr val="ED7D31"/>
+      </a:accent2>
+      <a:accent3>
+        <a:srgbClr val="A5A5A5"/>
+      </a:accent3>
+      <a:accent4>
+        <a:srgbClr val="FFC000"/>
+      </a:accent4>
+      <a:accent5>
+        <a:srgbClr val="5B9BD5"/>
+      </a:accent5>
+      <a:accent6>
+        <a:srgbClr val="70AD47"/>
+      </a:accent6>
+      <a:hlink>
+        <a:srgbClr val="0563C1"/>
+      </a:hlink>
+      <a:folHlink>
+        <a:srgbClr val="954F72"/>
+      </a:folHlink>
+    </a:clrScheme>
+    <a:fontScheme name="Office">
+      <a:majorFont>
+        <a:latin typeface="Calibri Light" panose="020F0302020204030204"/>
+        <a:ea typeface=""/>
+        <a:cs typeface=""/>
+        <a:font script="Jpan" typeface="游ゴシック Light"/>
+        <a:font script="Hang" typeface="맑은 고딕"/>
+        <a:font script="Hans" typeface="等线 Light"/>
+        <a:font script="Hant" typeface="新細明體"/>
+        <a:font script="Arab" typeface="Times New Roman"/>
+        <a:font script="Hebr" typeface="Times New Roman"/>
+        <a:font script="Thai" typeface="Angsana New"/>
+        <a:font script="Ethi" typeface="Nyala"/>
+        <a:font script="Beng" typeface="Vrinda"/>
+        <a:font script="Gujr" typeface="Shruti"/>
+        <a:font script="Khmr" typeface="MoolBoran"/>
+        <a:font script="Knda" typeface="Tunga"/>
+        <a:font script="Guru" typeface="Raavi"/>
+        <a:font script="Cans" typeface="Euphemia"/>
+        <a:font script="Cher" typeface="Plantagenet Cherokee"/>
+        <a:font script="Yiii" typeface="Microsoft Yi Baiti"/>
+        <a:font script="Tibt" typeface="Microsoft Himalaya"/>
+        <a:font script="Thaa" typeface="MV Boli"/>
+        <a:font script="Deva" typeface="Mangal"/>
+        <a:font script="Telu" typeface="Gautami"/>
+        <a:font script="Taml" typeface="Latha"/>
+        <a:font script="Syrc" typeface="Estrangelo Edessa"/>
+        <a:font script="Orya" typeface="Kalinga"/>
+        <a:font script="Mlym" typeface="Kartika"/>
+        <a:font script="Laoo" typeface="DokChampa"/>
+        <a:font script="Sinh" typeface="Iskoola Pota"/>
+        <a:font script="Mong" typeface="Mongolian Baiti"/>
+        <a:font script="Viet" typeface="Times New Roman"/>
+        <a:font script="Uigh" typeface="Microsoft Uighur"/>
+        <a:font script="Geor" typeface="Sylfaen"/>
+        <a:font script="Armn" typeface="Arial"/>
+        <a:font script="Bugi" typeface="Leelawadee UI"/>
+        <a:font script="Bopo" typeface="Microsoft JhengHei"/>
+        <a:font script="Java" typeface="Javanese Text"/>
+        <a:font script="Lisu" typeface="Segoe UI"/>
+        <a:font script="Mymr" typeface="Myanmar Text"/>
+        <a:font script="Nkoo" typeface="Ebrima"/>
+        <a:font script="Olck" typeface="Nirmala UI"/>
+        <a:font script="Osma" typeface="Ebrima"/>
+        <a:font script="Phag" typeface="Phagspa"/>
+        <a:font script="Syrn" typeface="Estrangelo Edessa"/>
+        <a:font script="Syrj" typeface="Estrangelo Edessa"/>
+        <a:font script="Syre" typeface="Estrangelo Edessa"/>
+        <a:font script="Sora" typeface="Nirmala UI"/>
+        <a:font script="Tale" typeface="Microsoft Tai Le"/>
+        <a:font script="Talu" typeface="Microsoft New Tai Lue"/>
+        <a:font script="Tfng" typeface="Ebrima"/>
+      </a:majorFont>
+      <a:minorFont>
+        <a:latin typeface="Calibri" panose="020F0502020204030204"/>
+        <a:ea typeface=""/>
+        <a:cs typeface=""/>
+        <a:font script="Jpan" typeface="游ゴシック"/>
+        <a:font script="Hang" typeface="맑은 고딕"/>
+        <a:font script="Hans" typeface="等线"/>
+        <a:font script="Hant" typeface="新細明體"/>
+        <a:font script="Arab" typeface="Arial"/>
+        <a:font script="Hebr" typeface="Arial"/>
+        <a:font script="Thai" typeface="Cordia New"/>
+        <a:font script="Ethi" typeface="Nyala"/>
+        <a:font script="Beng" typeface="Vrinda"/>
+        <a:font script="Gujr" typeface="Shruti"/>
+        <a:font script="Khmr" typeface="DaunPenh"/>
+        <a:font script="Knda" typeface="Tunga"/>
+        <a:font script="Guru" typeface="Raavi"/>
+        <a:font script="Cans" typeface="Euphemia"/>
+        <a:font script="Cher" typeface="Plantagenet Cherokee"/>
+        <a:font script="Yiii" typeface="Microsoft Yi Baiti"/>
+        <a:font script="Tibt" typeface="Microsoft Himalaya"/>
+        <a:font script="Thaa" typeface="MV Boli"/>
+        <a:font script="Deva" typeface="Mangal"/>
+        <a:font script="Telu" typeface="Gautami"/>
+        <a:font script="Taml" typeface="Latha"/>
+        <a:font script="Syrc" typeface="Estrangelo Edessa"/>
+        <a:font script="Orya" typeface="Kalinga"/>
+        <a:font script="Mlym" typeface="Kartika"/>
+        <a:font script="Laoo" typeface="DokChampa"/>
+        <a:font script="Sinh" typeface="Iskoola Pota"/>
+        <a:font script="Mong" typeface="Mongolian Baiti"/>
+        <a:font script="Viet" typeface="Arial"/>
+        <a:font script="Uigh" typeface="Microsoft Uighur"/>
+        <a:font script="Geor" typeface="Sylfaen"/>
+        <a:font script="Armn" typeface="Arial"/>
+        <a:font script="Bugi" typeface="Leelawadee UI"/>
+        <a:font script="Bopo" typeface="Microsoft JhengHei"/>
+        <a:font script="Java" typeface="Javanese Text"/>
+        <a:font script="Lisu" typeface="Segoe UI"/>
+        <a:font script="Mymr" typeface="Myanmar Text"/>
+        <a:font script="Nkoo" typeface="Ebrima"/>
+        <a:font script="Olck" typeface="Nirmala UI"/>
+        <a:font script="Osma" typeface="Ebrima"/>
+        <a:font script="Phag" typeface="Phagspa"/>
+        <a:font script="Syrn" typeface="Estrangelo Edessa"/>
+        <a:font script="Syrj" typeface="Estrangelo Edessa"/>
+        <a:font script="Syre" typeface="Estrangelo Edessa"/>
+        <a:font script="Sora" typeface="Nirmala UI"/>
+        <a:font script="Tale" typeface="Microsoft Tai Le"/>
+        <a:font script="Talu" typeface="Microsoft New Tai Lue"/>
+        <a:font script="Tfng" typeface="Ebrima"/>
+      </a:minorFont>
+    </a:fontScheme>
+    <a:fmtScheme name="Office">
+      <a:fillStyleLst>
+        <a:solidFill>
+          <a:schemeClr val="phClr"/>
+        </a:solidFill>
+        <a:gradFill rotWithShape="1">
+          <a:gsLst>
+            <a:gs pos="0">
+              <a:schemeClr val="phClr">
+                <a:lumMod val="110000"/>
+                <a:satMod val="105000"/>
+                <a:tint val="67000"/>
+              </a:schemeClr>
+            </a:gs>
+            <a:gs pos="50000">
+              <a:schemeClr val="phClr">
+                <a:lumMod val="105000"/>
+                <a:satMod val="103000"/>
+                <a:tint val="73000"/>
+              </a:schemeClr>
+            </a:gs>
+            <a:gs pos="100000">
+              <a:schemeClr val="phClr">
+                <a:lumMod val="105000"/>
+                <a:satMod val="109000"/>
+                <a:tint val="81000"/>
+              </a:schemeClr>
+            </a:gs>
+          </a:gsLst>
+          <a:lin ang="5400000" scaled="0"/>
+        </a:gradFill>
+        <a:gradFill rotWithShape="1">
+          <a:gsLst>
+            <a:gs pos="0">
+              <a:schemeClr val="phClr">
+                <a:satMod val="103000"/>
+                <a:lumMod val="102000"/>
+                <a:tint val="94000"/>
+              </a:schemeClr>
+            </a:gs>
+            <a:gs pos="50000">
+              <a:schemeClr val="phClr">
+                <a:satMod val="110000"/>
+                <a:lumMod val="100000"/>
+                <a:shade val="100000"/>
+              </a:schemeClr>
+            </a:gs>
+            <a:gs pos="100000">
+              <a:schemeClr val="phClr">
+                <a:lumMod val="99000"/>
+                <a:satMod val="120000"/>
+                <a:shade val="78000"/>
+              </a:schemeClr>
+            </a:gs>
+          </a:gsLst>
+          <a:lin ang="5400000" scaled="0"/>
+        </a:gradFill>
+      </a:fillStyleLst>
+      <a:lnStyleLst>
+        <a:ln w="6350" cap="flat" cmpd="sng" algn="ctr">
+          <a:solidFill>
+            <a:schemeClr val="phClr"/>
+          </a:solidFill>
+          <a:prstDash val="solid"/>
+          <a:miter lim="800000"/>
+        </a:ln>
+        <a:ln w="12700" cap="flat" cmpd="sng" algn="ctr">
+          <a:solidFill>
+            <a:schemeClr val="phClr"/>
+          </a:solidFill>
+          <a:prstDash val="solid"/>
+          <a:miter lim="800000"/>
+        </a:ln>
+        <a:ln w="19050" cap="flat" cmpd="sng" algn="ctr">
+          <a:solidFill>
+            <a:schemeClr val="phClr"/>
+          </a:solidFill>
+          <a:prstDash val="solid"/>
+          <a:miter lim="800000"/>
+        </a:ln>
+      </a:lnStyleLst>
+      <a:effectStyleLst>
+        <a:effectStyle>
+          <a:effectLst/>
+        </a:effectStyle>
+        <a:effectStyle>
+          <a:effectLst/>
+        </a:effectStyle>
+        <a:effectStyle>
+          <a:effectLst>
+            <a:outerShdw blurRad="57150" dist="19050" dir="5400000" algn="ctr" rotWithShape="0">
+              <a:srgbClr val="000000">
+                <a:alpha val="63000"/>
+              </a:srgbClr>
+            </a:outerShdw>
+          </a:effectLst>
+        </a:effectStyle>
+      </a:effectStyleLst>
+      <a:bgFillStyleLst>
+        <a:solidFill>
+          <a:schemeClr val="phClr"/>
+        </a:solidFill>
+        <a:solidFill>
+          <a:schemeClr val="phClr">
+            <a:tint val="95000"/>
+            <a:satMod val="170000"/>
+          </a:schemeClr>
+        </a:solidFill>
+        <a:gradFill rotWithShape="1">
+          <a:gsLst>
+            <a:gs pos="0">
+              <a:schemeClr val="phClr">
+                <a:tint val="93000"/>
+                <a:satMod val="150000"/>
+                <a:shade val="98000"/>
+                <a:lumMod val="102000"/>
+              </a:schemeClr>
+            </a:gs>
+            <a:gs pos="50000">
+              <a:schemeClr val="phClr">
+                <a:tint val="98000"/>
+                <a:satMod val="130000"/>
+                <a:shade val="90000"/>
+                <a:lumMod val="103000"/>
+              </a:schemeClr>
+            </a:gs>
+            <a:gs pos="100000">
+              <a:schemeClr val="phClr">
+                <a:shade val="63000"/>
+                <a:satMod val="120000"/>
+              </a:schemeClr>
+            </a:gs>
+          </a:gsLst>
+          <a:lin ang="5400000" scaled="0"/>
+        </a:gradFill>
+      </a:bgFillStyleLst>
+    </a:fmtScheme>
+  </a:themeElements>
+  <a:objectDefaults/>
+  <a:extraClrSchemeLst/>
+  <a:extLst>
+    <a:ext uri="{05A4C25C-085E-4340-85A3-A5531E510DB2}">
+      <thm15:themeFamily xmlns:thm15="http://schemas.microsoft.com/office/thememl/2012/main" name="Office Theme" id="{62F939B6-93AF-4DB8-9C6B-D6C7DFDC589F}" vid="{4A3C46E8-61CC-4603-A589-7422A47A8E4A}"/>
+    </a:ext>
+  </a:extLst>
+</a:theme>
 </file>